--- a/slides/03_ml_ai_problem_solving.pptx
+++ b/slides/03_ml_ai_problem_solving.pptx
@@ -5,18 +5,22 @@
     <p:sldMasterId id="2147483648" r:id="rId1"/>
   </p:sldMasterIdLst>
   <p:notesMasterIdLst>
-    <p:notesMasterId r:id="rId11"/>
+    <p:notesMasterId r:id="rId15"/>
   </p:notesMasterIdLst>
   <p:sldIdLst>
     <p:sldId id="256" r:id="rId2"/>
-    <p:sldId id="609" r:id="rId3"/>
-    <p:sldId id="598" r:id="rId4"/>
-    <p:sldId id="610" r:id="rId5"/>
-    <p:sldId id="611" r:id="rId6"/>
-    <p:sldId id="612" r:id="rId7"/>
-    <p:sldId id="613" r:id="rId8"/>
-    <p:sldId id="614" r:id="rId9"/>
-    <p:sldId id="615" r:id="rId10"/>
+    <p:sldId id="618" r:id="rId3"/>
+    <p:sldId id="617" r:id="rId4"/>
+    <p:sldId id="619" r:id="rId5"/>
+    <p:sldId id="609" r:id="rId6"/>
+    <p:sldId id="598" r:id="rId7"/>
+    <p:sldId id="610" r:id="rId8"/>
+    <p:sldId id="611" r:id="rId9"/>
+    <p:sldId id="612" r:id="rId10"/>
+    <p:sldId id="613" r:id="rId11"/>
+    <p:sldId id="616" r:id="rId12"/>
+    <p:sldId id="614" r:id="rId13"/>
+    <p:sldId id="615" r:id="rId14"/>
   </p:sldIdLst>
   <p:sldSz cx="9144000" cy="6858000" type="screen4x3"/>
   <p:notesSz cx="6858000" cy="9144000"/>
@@ -1003,7 +1007,1155 @@
 </dgm:colorsDef>
 </file>
 
+<file path=ppt/diagrams/colors2.xml><?xml version="1.0" encoding="utf-8"?>
+<dgm:colorsDef xmlns:dgm="http://schemas.openxmlformats.org/drawingml/2006/diagram" xmlns:a="http://schemas.openxmlformats.org/drawingml/2006/main" uniqueId="urn:microsoft.com/office/officeart/2005/8/colors/accent1_4">
+  <dgm:title val=""/>
+  <dgm:desc val=""/>
+  <dgm:catLst>
+    <dgm:cat type="accent1" pri="11400"/>
+  </dgm:catLst>
+  <dgm:styleLbl name="node0">
+    <dgm:fillClrLst meth="cycle">
+      <a:schemeClr val="accent1">
+        <a:shade val="60000"/>
+      </a:schemeClr>
+    </dgm:fillClrLst>
+    <dgm:linClrLst meth="repeat">
+      <a:schemeClr val="lt1"/>
+    </dgm:linClrLst>
+    <dgm:effectClrLst/>
+    <dgm:txLinClrLst/>
+    <dgm:txFillClrLst/>
+    <dgm:txEffectClrLst/>
+  </dgm:styleLbl>
+  <dgm:styleLbl name="node1">
+    <dgm:fillClrLst meth="cycle">
+      <a:schemeClr val="accent1">
+        <a:shade val="50000"/>
+      </a:schemeClr>
+      <a:schemeClr val="accent1">
+        <a:tint val="55000"/>
+      </a:schemeClr>
+    </dgm:fillClrLst>
+    <dgm:linClrLst meth="repeat">
+      <a:schemeClr val="lt1"/>
+    </dgm:linClrLst>
+    <dgm:effectClrLst/>
+    <dgm:txLinClrLst/>
+    <dgm:txFillClrLst/>
+    <dgm:txEffectClrLst/>
+  </dgm:styleLbl>
+  <dgm:styleLbl name="alignNode1">
+    <dgm:fillClrLst meth="cycle">
+      <a:schemeClr val="accent1">
+        <a:shade val="50000"/>
+      </a:schemeClr>
+      <a:schemeClr val="accent1">
+        <a:tint val="55000"/>
+      </a:schemeClr>
+    </dgm:fillClrLst>
+    <dgm:linClrLst meth="cycle">
+      <a:schemeClr val="accent1">
+        <a:shade val="50000"/>
+      </a:schemeClr>
+      <a:schemeClr val="accent1">
+        <a:tint val="55000"/>
+      </a:schemeClr>
+    </dgm:linClrLst>
+    <dgm:effectClrLst/>
+    <dgm:txLinClrLst/>
+    <dgm:txFillClrLst/>
+    <dgm:txEffectClrLst/>
+  </dgm:styleLbl>
+  <dgm:styleLbl name="lnNode1">
+    <dgm:fillClrLst meth="cycle">
+      <a:schemeClr val="accent1">
+        <a:shade val="50000"/>
+      </a:schemeClr>
+      <a:schemeClr val="accent1">
+        <a:tint val="55000"/>
+      </a:schemeClr>
+    </dgm:fillClrLst>
+    <dgm:linClrLst meth="repeat">
+      <a:schemeClr val="lt1"/>
+    </dgm:linClrLst>
+    <dgm:effectClrLst/>
+    <dgm:txLinClrLst/>
+    <dgm:txFillClrLst/>
+    <dgm:txEffectClrLst/>
+  </dgm:styleLbl>
+  <dgm:styleLbl name="vennNode1">
+    <dgm:fillClrLst meth="cycle">
+      <a:schemeClr val="accent1">
+        <a:shade val="80000"/>
+        <a:alpha val="50000"/>
+      </a:schemeClr>
+      <a:schemeClr val="accent1">
+        <a:tint val="50000"/>
+        <a:alpha val="50000"/>
+      </a:schemeClr>
+    </dgm:fillClrLst>
+    <dgm:linClrLst meth="repeat">
+      <a:schemeClr val="lt1"/>
+    </dgm:linClrLst>
+    <dgm:effectClrLst/>
+    <dgm:txLinClrLst/>
+    <dgm:txFillClrLst/>
+    <dgm:txEffectClrLst/>
+  </dgm:styleLbl>
+  <dgm:styleLbl name="node2">
+    <dgm:fillClrLst>
+      <a:schemeClr val="accent1">
+        <a:shade val="80000"/>
+      </a:schemeClr>
+    </dgm:fillClrLst>
+    <dgm:linClrLst meth="repeat">
+      <a:schemeClr val="lt1"/>
+    </dgm:linClrLst>
+    <dgm:effectClrLst/>
+    <dgm:txLinClrLst/>
+    <dgm:txFillClrLst/>
+    <dgm:txEffectClrLst/>
+  </dgm:styleLbl>
+  <dgm:styleLbl name="node3">
+    <dgm:fillClrLst>
+      <a:schemeClr val="accent1">
+        <a:tint val="99000"/>
+      </a:schemeClr>
+    </dgm:fillClrLst>
+    <dgm:linClrLst meth="repeat">
+      <a:schemeClr val="lt1"/>
+    </dgm:linClrLst>
+    <dgm:effectClrLst/>
+    <dgm:txLinClrLst/>
+    <dgm:txFillClrLst/>
+    <dgm:txEffectClrLst/>
+  </dgm:styleLbl>
+  <dgm:styleLbl name="node4">
+    <dgm:fillClrLst>
+      <a:schemeClr val="accent1">
+        <a:tint val="70000"/>
+      </a:schemeClr>
+    </dgm:fillClrLst>
+    <dgm:linClrLst meth="repeat">
+      <a:schemeClr val="lt1"/>
+    </dgm:linClrLst>
+    <dgm:effectClrLst/>
+    <dgm:txLinClrLst/>
+    <dgm:txFillClrLst/>
+    <dgm:txEffectClrLst/>
+  </dgm:styleLbl>
+  <dgm:styleLbl name="fgImgPlace1">
+    <dgm:fillClrLst>
+      <a:schemeClr val="accent1">
+        <a:tint val="50000"/>
+      </a:schemeClr>
+      <a:schemeClr val="accent1">
+        <a:tint val="55000"/>
+      </a:schemeClr>
+    </dgm:fillClrLst>
+    <dgm:linClrLst meth="repeat">
+      <a:schemeClr val="lt1"/>
+    </dgm:linClrLst>
+    <dgm:effectClrLst/>
+    <dgm:txLinClrLst/>
+    <dgm:txFillClrLst meth="repeat">
+      <a:schemeClr val="lt1"/>
+    </dgm:txFillClrLst>
+    <dgm:txEffectClrLst/>
+  </dgm:styleLbl>
+  <dgm:styleLbl name="alignImgPlace1">
+    <dgm:fillClrLst>
+      <a:schemeClr val="accent1">
+        <a:tint val="50000"/>
+      </a:schemeClr>
+      <a:schemeClr val="accent1">
+        <a:tint val="55000"/>
+      </a:schemeClr>
+    </dgm:fillClrLst>
+    <dgm:linClrLst meth="repeat">
+      <a:schemeClr val="lt1"/>
+    </dgm:linClrLst>
+    <dgm:effectClrLst/>
+    <dgm:txLinClrLst/>
+    <dgm:txFillClrLst meth="repeat">
+      <a:schemeClr val="lt1"/>
+    </dgm:txFillClrLst>
+    <dgm:txEffectClrLst/>
+  </dgm:styleLbl>
+  <dgm:styleLbl name="bgImgPlace1">
+    <dgm:fillClrLst>
+      <a:schemeClr val="accent1">
+        <a:tint val="50000"/>
+      </a:schemeClr>
+      <a:schemeClr val="accent1">
+        <a:tint val="55000"/>
+      </a:schemeClr>
+    </dgm:fillClrLst>
+    <dgm:linClrLst meth="repeat">
+      <a:schemeClr val="lt1"/>
+    </dgm:linClrLst>
+    <dgm:effectClrLst/>
+    <dgm:txLinClrLst/>
+    <dgm:txFillClrLst meth="repeat">
+      <a:schemeClr val="lt1"/>
+    </dgm:txFillClrLst>
+    <dgm:txEffectClrLst/>
+  </dgm:styleLbl>
+  <dgm:styleLbl name="sibTrans2D1">
+    <dgm:fillClrLst meth="cycle">
+      <a:schemeClr val="accent1">
+        <a:shade val="90000"/>
+      </a:schemeClr>
+      <a:schemeClr val="accent1">
+        <a:tint val="50000"/>
+      </a:schemeClr>
+    </dgm:fillClrLst>
+    <dgm:linClrLst meth="cycle">
+      <a:schemeClr val="accent1">
+        <a:shade val="90000"/>
+      </a:schemeClr>
+      <a:schemeClr val="accent1">
+        <a:tint val="50000"/>
+      </a:schemeClr>
+    </dgm:linClrLst>
+    <dgm:effectClrLst/>
+    <dgm:txLinClrLst/>
+    <dgm:txFillClrLst/>
+    <dgm:txEffectClrLst/>
+  </dgm:styleLbl>
+  <dgm:styleLbl name="fgSibTrans2D1">
+    <dgm:fillClrLst meth="cycle">
+      <a:schemeClr val="accent1">
+        <a:shade val="90000"/>
+      </a:schemeClr>
+      <a:schemeClr val="accent1">
+        <a:tint val="50000"/>
+      </a:schemeClr>
+    </dgm:fillClrLst>
+    <dgm:linClrLst meth="cycle">
+      <a:schemeClr val="accent1">
+        <a:shade val="90000"/>
+      </a:schemeClr>
+      <a:schemeClr val="accent1">
+        <a:tint val="50000"/>
+      </a:schemeClr>
+    </dgm:linClrLst>
+    <dgm:effectClrLst/>
+    <dgm:txLinClrLst/>
+    <dgm:txFillClrLst/>
+    <dgm:txEffectClrLst/>
+  </dgm:styleLbl>
+  <dgm:styleLbl name="bgSibTrans2D1">
+    <dgm:fillClrLst meth="cycle">
+      <a:schemeClr val="accent1">
+        <a:shade val="90000"/>
+      </a:schemeClr>
+      <a:schemeClr val="accent1">
+        <a:tint val="50000"/>
+      </a:schemeClr>
+    </dgm:fillClrLst>
+    <dgm:linClrLst meth="cycle">
+      <a:schemeClr val="accent1">
+        <a:shade val="90000"/>
+      </a:schemeClr>
+      <a:schemeClr val="accent1">
+        <a:tint val="50000"/>
+      </a:schemeClr>
+    </dgm:linClrLst>
+    <dgm:effectClrLst/>
+    <dgm:txLinClrLst/>
+    <dgm:txFillClrLst/>
+    <dgm:txEffectClrLst/>
+  </dgm:styleLbl>
+  <dgm:styleLbl name="sibTrans1D1">
+    <dgm:fillClrLst meth="cycle">
+      <a:schemeClr val="accent1">
+        <a:shade val="90000"/>
+      </a:schemeClr>
+      <a:schemeClr val="accent1">
+        <a:tint val="50000"/>
+      </a:schemeClr>
+    </dgm:fillClrLst>
+    <dgm:linClrLst meth="cycle">
+      <a:schemeClr val="accent1">
+        <a:shade val="90000"/>
+      </a:schemeClr>
+      <a:schemeClr val="accent1">
+        <a:tint val="50000"/>
+      </a:schemeClr>
+    </dgm:linClrLst>
+    <dgm:effectClrLst/>
+    <dgm:txLinClrLst/>
+    <dgm:txFillClrLst meth="repeat">
+      <a:schemeClr val="tx1"/>
+    </dgm:txFillClrLst>
+    <dgm:txEffectClrLst/>
+  </dgm:styleLbl>
+  <dgm:styleLbl name="callout">
+    <dgm:fillClrLst meth="repeat">
+      <a:schemeClr val="accent1"/>
+    </dgm:fillClrLst>
+    <dgm:linClrLst meth="repeat">
+      <a:schemeClr val="accent1"/>
+    </dgm:linClrLst>
+    <dgm:effectClrLst/>
+    <dgm:txLinClrLst/>
+    <dgm:txFillClrLst meth="repeat">
+      <a:schemeClr val="tx1"/>
+    </dgm:txFillClrLst>
+    <dgm:txEffectClrLst/>
+  </dgm:styleLbl>
+  <dgm:styleLbl name="asst0">
+    <dgm:fillClrLst meth="repeat">
+      <a:schemeClr val="accent1">
+        <a:shade val="80000"/>
+      </a:schemeClr>
+    </dgm:fillClrLst>
+    <dgm:linClrLst meth="repeat">
+      <a:schemeClr val="lt1"/>
+    </dgm:linClrLst>
+    <dgm:effectClrLst/>
+    <dgm:txLinClrLst/>
+    <dgm:txFillClrLst/>
+    <dgm:txEffectClrLst/>
+  </dgm:styleLbl>
+  <dgm:styleLbl name="asst1">
+    <dgm:fillClrLst meth="repeat">
+      <a:schemeClr val="accent1">
+        <a:shade val="80000"/>
+      </a:schemeClr>
+    </dgm:fillClrLst>
+    <dgm:linClrLst meth="repeat">
+      <a:schemeClr val="lt1"/>
+    </dgm:linClrLst>
+    <dgm:effectClrLst/>
+    <dgm:txLinClrLst/>
+    <dgm:txFillClrLst/>
+    <dgm:txEffectClrLst/>
+  </dgm:styleLbl>
+  <dgm:styleLbl name="asst2">
+    <dgm:fillClrLst>
+      <a:schemeClr val="accent1">
+        <a:tint val="90000"/>
+      </a:schemeClr>
+    </dgm:fillClrLst>
+    <dgm:linClrLst meth="repeat">
+      <a:schemeClr val="lt1"/>
+    </dgm:linClrLst>
+    <dgm:effectClrLst/>
+    <dgm:txLinClrLst/>
+    <dgm:txFillClrLst/>
+    <dgm:txEffectClrLst/>
+  </dgm:styleLbl>
+  <dgm:styleLbl name="asst3">
+    <dgm:fillClrLst>
+      <a:schemeClr val="accent1">
+        <a:tint val="70000"/>
+      </a:schemeClr>
+    </dgm:fillClrLst>
+    <dgm:linClrLst meth="repeat">
+      <a:schemeClr val="lt1"/>
+    </dgm:linClrLst>
+    <dgm:effectClrLst/>
+    <dgm:txLinClrLst/>
+    <dgm:txFillClrLst/>
+    <dgm:txEffectClrLst/>
+  </dgm:styleLbl>
+  <dgm:styleLbl name="asst4">
+    <dgm:fillClrLst>
+      <a:schemeClr val="accent1">
+        <a:tint val="50000"/>
+      </a:schemeClr>
+    </dgm:fillClrLst>
+    <dgm:linClrLst meth="repeat">
+      <a:schemeClr val="lt1"/>
+    </dgm:linClrLst>
+    <dgm:effectClrLst/>
+    <dgm:txLinClrLst/>
+    <dgm:txFillClrLst/>
+    <dgm:txEffectClrLst/>
+  </dgm:styleLbl>
+  <dgm:styleLbl name="parChTrans2D1">
+    <dgm:fillClrLst meth="repeat">
+      <a:schemeClr val="accent1">
+        <a:tint val="60000"/>
+      </a:schemeClr>
+    </dgm:fillClrLst>
+    <dgm:linClrLst meth="repeat">
+      <a:schemeClr val="accent1">
+        <a:shade val="80000"/>
+      </a:schemeClr>
+    </dgm:linClrLst>
+    <dgm:effectClrLst/>
+    <dgm:txLinClrLst/>
+    <dgm:txFillClrLst/>
+    <dgm:txEffectClrLst/>
+  </dgm:styleLbl>
+  <dgm:styleLbl name="parChTrans2D2">
+    <dgm:fillClrLst meth="repeat">
+      <a:schemeClr val="accent1">
+        <a:tint val="90000"/>
+      </a:schemeClr>
+    </dgm:fillClrLst>
+    <dgm:linClrLst meth="repeat">
+      <a:schemeClr val="accent1">
+        <a:tint val="90000"/>
+      </a:schemeClr>
+    </dgm:linClrLst>
+    <dgm:effectClrLst/>
+    <dgm:txLinClrLst/>
+    <dgm:txFillClrLst/>
+    <dgm:txEffectClrLst/>
+  </dgm:styleLbl>
+  <dgm:styleLbl name="parChTrans2D3">
+    <dgm:fillClrLst meth="repeat">
+      <a:schemeClr val="accent1">
+        <a:tint val="70000"/>
+      </a:schemeClr>
+    </dgm:fillClrLst>
+    <dgm:linClrLst meth="repeat">
+      <a:schemeClr val="accent1">
+        <a:tint val="70000"/>
+      </a:schemeClr>
+    </dgm:linClrLst>
+    <dgm:effectClrLst/>
+    <dgm:txLinClrLst/>
+    <dgm:txFillClrLst/>
+    <dgm:txEffectClrLst/>
+  </dgm:styleLbl>
+  <dgm:styleLbl name="parChTrans2D4">
+    <dgm:fillClrLst meth="repeat">
+      <a:schemeClr val="accent1">
+        <a:tint val="50000"/>
+      </a:schemeClr>
+    </dgm:fillClrLst>
+    <dgm:linClrLst meth="repeat">
+      <a:schemeClr val="accent1">
+        <a:tint val="50000"/>
+      </a:schemeClr>
+    </dgm:linClrLst>
+    <dgm:effectClrLst/>
+    <dgm:txLinClrLst/>
+    <dgm:txFillClrLst meth="repeat">
+      <a:schemeClr val="dk1"/>
+    </dgm:txFillClrLst>
+    <dgm:txEffectClrLst/>
+  </dgm:styleLbl>
+  <dgm:styleLbl name="parChTrans1D1">
+    <dgm:fillClrLst meth="repeat">
+      <a:schemeClr val="accent1">
+        <a:shade val="80000"/>
+      </a:schemeClr>
+    </dgm:fillClrLst>
+    <dgm:linClrLst meth="repeat">
+      <a:schemeClr val="accent1">
+        <a:shade val="80000"/>
+      </a:schemeClr>
+    </dgm:linClrLst>
+    <dgm:effectClrLst/>
+    <dgm:txLinClrLst/>
+    <dgm:txFillClrLst meth="repeat">
+      <a:schemeClr val="tx1"/>
+    </dgm:txFillClrLst>
+    <dgm:txEffectClrLst/>
+  </dgm:styleLbl>
+  <dgm:styleLbl name="parChTrans1D2">
+    <dgm:fillClrLst meth="repeat">
+      <a:schemeClr val="accent1">
+        <a:tint val="90000"/>
+      </a:schemeClr>
+    </dgm:fillClrLst>
+    <dgm:linClrLst meth="repeat">
+      <a:schemeClr val="accent1">
+        <a:tint val="90000"/>
+      </a:schemeClr>
+    </dgm:linClrLst>
+    <dgm:effectClrLst/>
+    <dgm:txLinClrLst/>
+    <dgm:txFillClrLst meth="repeat">
+      <a:schemeClr val="tx1"/>
+    </dgm:txFillClrLst>
+    <dgm:txEffectClrLst/>
+  </dgm:styleLbl>
+  <dgm:styleLbl name="parChTrans1D3">
+    <dgm:fillClrLst meth="repeat">
+      <a:schemeClr val="accent1">
+        <a:tint val="70000"/>
+      </a:schemeClr>
+    </dgm:fillClrLst>
+    <dgm:linClrLst meth="repeat">
+      <a:schemeClr val="accent1">
+        <a:tint val="70000"/>
+      </a:schemeClr>
+    </dgm:linClrLst>
+    <dgm:effectClrLst/>
+    <dgm:txLinClrLst/>
+    <dgm:txFillClrLst meth="repeat">
+      <a:schemeClr val="tx1"/>
+    </dgm:txFillClrLst>
+    <dgm:txEffectClrLst/>
+  </dgm:styleLbl>
+  <dgm:styleLbl name="parChTrans1D4">
+    <dgm:fillClrLst meth="repeat">
+      <a:schemeClr val="accent1">
+        <a:tint val="50000"/>
+      </a:schemeClr>
+    </dgm:fillClrLst>
+    <dgm:linClrLst meth="repeat">
+      <a:schemeClr val="accent1">
+        <a:tint val="50000"/>
+      </a:schemeClr>
+    </dgm:linClrLst>
+    <dgm:effectClrLst/>
+    <dgm:txLinClrLst/>
+    <dgm:txFillClrLst meth="repeat">
+      <a:schemeClr val="tx1"/>
+    </dgm:txFillClrLst>
+    <dgm:txEffectClrLst/>
+  </dgm:styleLbl>
+  <dgm:styleLbl name="fgAcc1">
+    <dgm:fillClrLst meth="repeat">
+      <a:schemeClr val="lt1">
+        <a:alpha val="90000"/>
+      </a:schemeClr>
+    </dgm:fillClrLst>
+    <dgm:linClrLst meth="cycle">
+      <a:schemeClr val="accent1">
+        <a:shade val="50000"/>
+      </a:schemeClr>
+      <a:schemeClr val="accent1">
+        <a:tint val="55000"/>
+      </a:schemeClr>
+    </dgm:linClrLst>
+    <dgm:effectClrLst/>
+    <dgm:txLinClrLst/>
+    <dgm:txFillClrLst meth="repeat">
+      <a:schemeClr val="dk1"/>
+    </dgm:txFillClrLst>
+    <dgm:txEffectClrLst/>
+  </dgm:styleLbl>
+  <dgm:styleLbl name="conFgAcc1">
+    <dgm:fillClrLst meth="repeat">
+      <a:schemeClr val="lt1">
+        <a:alpha val="90000"/>
+      </a:schemeClr>
+    </dgm:fillClrLst>
+    <dgm:linClrLst meth="cycle">
+      <a:schemeClr val="accent1">
+        <a:shade val="50000"/>
+      </a:schemeClr>
+      <a:schemeClr val="accent1">
+        <a:tint val="55000"/>
+      </a:schemeClr>
+    </dgm:linClrLst>
+    <dgm:effectClrLst/>
+    <dgm:txLinClrLst/>
+    <dgm:txFillClrLst meth="repeat">
+      <a:schemeClr val="dk1"/>
+    </dgm:txFillClrLst>
+    <dgm:txEffectClrLst/>
+  </dgm:styleLbl>
+  <dgm:styleLbl name="alignAcc1">
+    <dgm:fillClrLst meth="repeat">
+      <a:schemeClr val="lt1">
+        <a:alpha val="90000"/>
+      </a:schemeClr>
+    </dgm:fillClrLst>
+    <dgm:linClrLst meth="cycle">
+      <a:schemeClr val="accent1">
+        <a:shade val="50000"/>
+      </a:schemeClr>
+      <a:schemeClr val="accent1">
+        <a:tint val="55000"/>
+      </a:schemeClr>
+    </dgm:linClrLst>
+    <dgm:effectClrLst/>
+    <dgm:txLinClrLst/>
+    <dgm:txFillClrLst meth="repeat">
+      <a:schemeClr val="dk1"/>
+    </dgm:txFillClrLst>
+    <dgm:txEffectClrLst/>
+  </dgm:styleLbl>
+  <dgm:styleLbl name="trAlignAcc1">
+    <dgm:fillClrLst meth="repeat">
+      <a:schemeClr val="lt1">
+        <a:alpha val="55000"/>
+      </a:schemeClr>
+    </dgm:fillClrLst>
+    <dgm:linClrLst meth="repeat">
+      <a:schemeClr val="accent1"/>
+    </dgm:linClrLst>
+    <dgm:effectClrLst/>
+    <dgm:txLinClrLst/>
+    <dgm:txFillClrLst meth="repeat">
+      <a:schemeClr val="dk1"/>
+    </dgm:txFillClrLst>
+    <dgm:txEffectClrLst/>
+  </dgm:styleLbl>
+  <dgm:styleLbl name="bgAcc1">
+    <dgm:fillClrLst meth="repeat">
+      <a:schemeClr val="lt1">
+        <a:alpha val="90000"/>
+      </a:schemeClr>
+    </dgm:fillClrLst>
+    <dgm:linClrLst meth="cycle">
+      <a:schemeClr val="accent1">
+        <a:shade val="50000"/>
+      </a:schemeClr>
+      <a:schemeClr val="accent1">
+        <a:tint val="55000"/>
+      </a:schemeClr>
+    </dgm:linClrLst>
+    <dgm:effectClrLst/>
+    <dgm:txLinClrLst/>
+    <dgm:txFillClrLst meth="repeat">
+      <a:schemeClr val="dk1"/>
+    </dgm:txFillClrLst>
+    <dgm:txEffectClrLst/>
+  </dgm:styleLbl>
+  <dgm:styleLbl name="solidFgAcc1">
+    <dgm:fillClrLst meth="repeat">
+      <a:schemeClr val="lt1"/>
+    </dgm:fillClrLst>
+    <dgm:linClrLst meth="cycle">
+      <a:schemeClr val="accent1">
+        <a:shade val="50000"/>
+      </a:schemeClr>
+      <a:schemeClr val="accent1">
+        <a:tint val="55000"/>
+      </a:schemeClr>
+    </dgm:linClrLst>
+    <dgm:effectClrLst/>
+    <dgm:txLinClrLst/>
+    <dgm:txFillClrLst meth="repeat">
+      <a:schemeClr val="dk1"/>
+    </dgm:txFillClrLst>
+    <dgm:txEffectClrLst/>
+  </dgm:styleLbl>
+  <dgm:styleLbl name="solidAlignAcc1">
+    <dgm:fillClrLst meth="repeat">
+      <a:schemeClr val="lt1"/>
+    </dgm:fillClrLst>
+    <dgm:linClrLst meth="repeat">
+      <a:schemeClr val="accent1"/>
+    </dgm:linClrLst>
+    <dgm:effectClrLst/>
+    <dgm:txLinClrLst/>
+    <dgm:txFillClrLst meth="repeat">
+      <a:schemeClr val="dk1"/>
+    </dgm:txFillClrLst>
+    <dgm:txEffectClrLst/>
+  </dgm:styleLbl>
+  <dgm:styleLbl name="solidBgAcc1">
+    <dgm:fillClrLst meth="repeat">
+      <a:schemeClr val="lt1"/>
+    </dgm:fillClrLst>
+    <dgm:linClrLst meth="repeat">
+      <a:schemeClr val="accent1"/>
+    </dgm:linClrLst>
+    <dgm:effectClrLst/>
+    <dgm:txLinClrLst/>
+    <dgm:txFillClrLst meth="repeat">
+      <a:schemeClr val="dk1"/>
+    </dgm:txFillClrLst>
+    <dgm:txEffectClrLst/>
+  </dgm:styleLbl>
+  <dgm:styleLbl name="fgAccFollowNode1">
+    <dgm:fillClrLst meth="repeat">
+      <a:schemeClr val="accent1">
+        <a:alpha val="90000"/>
+        <a:tint val="55000"/>
+      </a:schemeClr>
+    </dgm:fillClrLst>
+    <dgm:linClrLst meth="repeat">
+      <a:schemeClr val="accent1">
+        <a:alpha val="90000"/>
+        <a:tint val="55000"/>
+      </a:schemeClr>
+    </dgm:linClrLst>
+    <dgm:effectClrLst/>
+    <dgm:txLinClrLst/>
+    <dgm:txFillClrLst meth="repeat">
+      <a:schemeClr val="dk1"/>
+    </dgm:txFillClrLst>
+    <dgm:txEffectClrLst/>
+  </dgm:styleLbl>
+  <dgm:styleLbl name="alignAccFollowNode1">
+    <dgm:fillClrLst meth="repeat">
+      <a:schemeClr val="accent1">
+        <a:alpha val="90000"/>
+        <a:tint val="55000"/>
+      </a:schemeClr>
+    </dgm:fillClrLst>
+    <dgm:linClrLst meth="repeat">
+      <a:schemeClr val="accent1">
+        <a:alpha val="90000"/>
+        <a:tint val="55000"/>
+      </a:schemeClr>
+    </dgm:linClrLst>
+    <dgm:effectClrLst/>
+    <dgm:txLinClrLst/>
+    <dgm:txFillClrLst meth="repeat">
+      <a:schemeClr val="dk1"/>
+    </dgm:txFillClrLst>
+    <dgm:txEffectClrLst/>
+  </dgm:styleLbl>
+  <dgm:styleLbl name="bgAccFollowNode1">
+    <dgm:fillClrLst meth="repeat">
+      <a:schemeClr val="accent1">
+        <a:alpha val="90000"/>
+        <a:tint val="55000"/>
+      </a:schemeClr>
+    </dgm:fillClrLst>
+    <dgm:linClrLst meth="repeat">
+      <a:schemeClr val="lt1"/>
+    </dgm:linClrLst>
+    <dgm:effectClrLst/>
+    <dgm:txLinClrLst/>
+    <dgm:txFillClrLst meth="repeat">
+      <a:schemeClr val="dk1"/>
+    </dgm:txFillClrLst>
+    <dgm:txEffectClrLst/>
+  </dgm:styleLbl>
+  <dgm:styleLbl name="fgAcc0">
+    <dgm:fillClrLst meth="repeat">
+      <a:schemeClr val="lt1">
+        <a:alpha val="90000"/>
+      </a:schemeClr>
+    </dgm:fillClrLst>
+    <dgm:linClrLst meth="repeat">
+      <a:schemeClr val="accent1">
+        <a:shade val="80000"/>
+      </a:schemeClr>
+    </dgm:linClrLst>
+    <dgm:effectClrLst/>
+    <dgm:txLinClrLst/>
+    <dgm:txFillClrLst meth="repeat">
+      <a:schemeClr val="dk1"/>
+    </dgm:txFillClrLst>
+    <dgm:txEffectClrLst/>
+  </dgm:styleLbl>
+  <dgm:styleLbl name="fgAcc2">
+    <dgm:fillClrLst meth="repeat">
+      <a:schemeClr val="lt1">
+        <a:alpha val="90000"/>
+      </a:schemeClr>
+    </dgm:fillClrLst>
+    <dgm:linClrLst meth="repeat">
+      <a:schemeClr val="accent1">
+        <a:tint val="90000"/>
+      </a:schemeClr>
+    </dgm:linClrLst>
+    <dgm:effectClrLst/>
+    <dgm:txLinClrLst/>
+    <dgm:txFillClrLst meth="repeat">
+      <a:schemeClr val="dk1"/>
+    </dgm:txFillClrLst>
+    <dgm:txEffectClrLst/>
+  </dgm:styleLbl>
+  <dgm:styleLbl name="fgAcc3">
+    <dgm:fillClrLst meth="repeat">
+      <a:schemeClr val="lt1">
+        <a:alpha val="90000"/>
+      </a:schemeClr>
+    </dgm:fillClrLst>
+    <dgm:linClrLst meth="repeat">
+      <a:schemeClr val="accent1">
+        <a:tint val="70000"/>
+      </a:schemeClr>
+    </dgm:linClrLst>
+    <dgm:effectClrLst/>
+    <dgm:txLinClrLst/>
+    <dgm:txFillClrLst meth="repeat">
+      <a:schemeClr val="dk1"/>
+    </dgm:txFillClrLst>
+    <dgm:txEffectClrLst/>
+  </dgm:styleLbl>
+  <dgm:styleLbl name="fgAcc4">
+    <dgm:fillClrLst meth="repeat">
+      <a:schemeClr val="lt1">
+        <a:alpha val="90000"/>
+      </a:schemeClr>
+    </dgm:fillClrLst>
+    <dgm:linClrLst meth="repeat">
+      <a:schemeClr val="accent1">
+        <a:tint val="50000"/>
+      </a:schemeClr>
+    </dgm:linClrLst>
+    <dgm:effectClrLst/>
+    <dgm:txLinClrLst/>
+    <dgm:txFillClrLst meth="repeat">
+      <a:schemeClr val="dk1"/>
+    </dgm:txFillClrLst>
+    <dgm:txEffectClrLst/>
+  </dgm:styleLbl>
+  <dgm:styleLbl name="bgShp">
+    <dgm:fillClrLst meth="repeat">
+      <a:schemeClr val="accent1">
+        <a:tint val="55000"/>
+      </a:schemeClr>
+    </dgm:fillClrLst>
+    <dgm:linClrLst meth="repeat">
+      <a:schemeClr val="dk1"/>
+    </dgm:linClrLst>
+    <dgm:effectClrLst/>
+    <dgm:txLinClrLst/>
+    <dgm:txFillClrLst meth="repeat">
+      <a:schemeClr val="dk1"/>
+    </dgm:txFillClrLst>
+    <dgm:txEffectClrLst/>
+  </dgm:styleLbl>
+  <dgm:styleLbl name="dkBgShp">
+    <dgm:fillClrLst meth="repeat">
+      <a:schemeClr val="accent1">
+        <a:shade val="90000"/>
+      </a:schemeClr>
+    </dgm:fillClrLst>
+    <dgm:linClrLst meth="repeat">
+      <a:schemeClr val="dk1"/>
+    </dgm:linClrLst>
+    <dgm:effectClrLst/>
+    <dgm:txLinClrLst/>
+    <dgm:txFillClrLst meth="repeat">
+      <a:schemeClr val="lt1"/>
+    </dgm:txFillClrLst>
+    <dgm:txEffectClrLst/>
+  </dgm:styleLbl>
+  <dgm:styleLbl name="trBgShp">
+    <dgm:fillClrLst meth="repeat">
+      <a:schemeClr val="accent1">
+        <a:tint val="50000"/>
+        <a:alpha val="55000"/>
+      </a:schemeClr>
+    </dgm:fillClrLst>
+    <dgm:linClrLst meth="repeat">
+      <a:schemeClr val="accent1"/>
+    </dgm:linClrLst>
+    <dgm:effectClrLst/>
+    <dgm:txLinClrLst/>
+    <dgm:txFillClrLst meth="repeat">
+      <a:schemeClr val="lt1"/>
+    </dgm:txFillClrLst>
+    <dgm:txEffectClrLst/>
+  </dgm:styleLbl>
+  <dgm:styleLbl name="fgShp">
+    <dgm:fillClrLst meth="repeat">
+      <a:schemeClr val="accent1">
+        <a:tint val="55000"/>
+      </a:schemeClr>
+    </dgm:fillClrLst>
+    <dgm:linClrLst meth="repeat">
+      <a:schemeClr val="lt1"/>
+    </dgm:linClrLst>
+    <dgm:effectClrLst/>
+    <dgm:txLinClrLst/>
+    <dgm:txFillClrLst meth="repeat">
+      <a:schemeClr val="dk1"/>
+    </dgm:txFillClrLst>
+    <dgm:txEffectClrLst/>
+  </dgm:styleLbl>
+  <dgm:styleLbl name="revTx">
+    <dgm:fillClrLst meth="repeat">
+      <a:schemeClr val="lt1">
+        <a:alpha val="0"/>
+      </a:schemeClr>
+    </dgm:fillClrLst>
+    <dgm:linClrLst meth="repeat">
+      <a:schemeClr val="dk1">
+        <a:alpha val="0"/>
+      </a:schemeClr>
+    </dgm:linClrLst>
+    <dgm:effectClrLst/>
+    <dgm:txLinClrLst/>
+    <dgm:txFillClrLst meth="repeat">
+      <a:schemeClr val="tx1"/>
+    </dgm:txFillClrLst>
+    <dgm:txEffectClrLst/>
+  </dgm:styleLbl>
+</dgm:colorsDef>
+</file>
+
 <file path=ppt/diagrams/data1.xml><?xml version="1.0" encoding="utf-8"?>
+<dgm:dataModel xmlns:dgm="http://schemas.openxmlformats.org/drawingml/2006/diagram" xmlns:a="http://schemas.openxmlformats.org/drawingml/2006/main">
+  <dgm:ptLst>
+    <dgm:pt modelId="{B103198C-C8EF-5E4C-A930-C13C1B17EAB0}" type="doc">
+      <dgm:prSet loTypeId="urn:microsoft.com/office/officeart/2005/8/layout/matrix2" loCatId="matrix" qsTypeId="urn:microsoft.com/office/officeart/2005/8/quickstyle/simple1" qsCatId="simple" csTypeId="urn:microsoft.com/office/officeart/2005/8/colors/accent1_4" csCatId="accent1" phldr="1"/>
+      <dgm:spPr/>
+      <dgm:t>
+        <a:bodyPr/>
+        <a:lstStyle/>
+        <a:p>
+          <a:endParaRPr lang="en-US"/>
+        </a:p>
+      </dgm:t>
+    </dgm:pt>
+    <dgm:pt modelId="{39DA14E5-1CB7-7F40-BBAF-9B655487CF14}">
+      <dgm:prSet phldrT="[Text]"/>
+      <dgm:spPr/>
+      <dgm:t>
+        <a:bodyPr/>
+        <a:lstStyle/>
+        <a:p>
+          <a:r>
+            <a:rPr lang="en-US" dirty="0"/>
+            <a:t>Ciao </a:t>
+          </a:r>
+        </a:p>
+      </dgm:t>
+    </dgm:pt>
+    <dgm:pt modelId="{D2E4B222-D918-8144-9986-2568E0C80EA4}" type="parTrans" cxnId="{34E6FADB-D3DB-F141-B04C-77FCE65B9B97}">
+      <dgm:prSet/>
+      <dgm:spPr/>
+      <dgm:t>
+        <a:bodyPr/>
+        <a:lstStyle/>
+        <a:p>
+          <a:endParaRPr lang="en-US"/>
+        </a:p>
+      </dgm:t>
+    </dgm:pt>
+    <dgm:pt modelId="{AB0D226F-BCD1-0E4F-8EAF-647C74ED884C}" type="sibTrans" cxnId="{34E6FADB-D3DB-F141-B04C-77FCE65B9B97}">
+      <dgm:prSet/>
+      <dgm:spPr/>
+      <dgm:t>
+        <a:bodyPr/>
+        <a:lstStyle/>
+        <a:p>
+          <a:endParaRPr lang="en-US"/>
+        </a:p>
+      </dgm:t>
+    </dgm:pt>
+    <dgm:pt modelId="{ADEDF622-4AB4-D745-86E8-FDA64B40139D}">
+      <dgm:prSet phldrT="[Text]"/>
+      <dgm:spPr/>
+      <dgm:t>
+        <a:bodyPr/>
+        <a:lstStyle/>
+        <a:p>
+          <a:r>
+            <a:rPr lang="en-US" dirty="0"/>
+            <a:t>How?</a:t>
+          </a:r>
+        </a:p>
+      </dgm:t>
+    </dgm:pt>
+    <dgm:pt modelId="{C2829B66-D5F7-EA4A-92BD-3AA85E19A4C3}" type="parTrans" cxnId="{961A7B1C-292A-A64A-9ACB-018AC16C9B71}">
+      <dgm:prSet/>
+      <dgm:spPr/>
+      <dgm:t>
+        <a:bodyPr/>
+        <a:lstStyle/>
+        <a:p>
+          <a:endParaRPr lang="en-US"/>
+        </a:p>
+      </dgm:t>
+    </dgm:pt>
+    <dgm:pt modelId="{03CDDAF2-BA73-0348-B2EA-4B78D3739394}" type="sibTrans" cxnId="{961A7B1C-292A-A64A-9ACB-018AC16C9B71}">
+      <dgm:prSet/>
+      <dgm:spPr/>
+      <dgm:t>
+        <a:bodyPr/>
+        <a:lstStyle/>
+        <a:p>
+          <a:endParaRPr lang="en-US"/>
+        </a:p>
+      </dgm:t>
+    </dgm:pt>
+    <dgm:pt modelId="{F965634F-C135-E34B-8823-D61E008D711C}">
+      <dgm:prSet phldrT="[Text]"/>
+      <dgm:spPr/>
+      <dgm:t>
+        <a:bodyPr/>
+        <a:lstStyle/>
+        <a:p>
+          <a:r>
+            <a:rPr lang="en-US" dirty="0">
+              <a:solidFill>
+                <a:schemeClr val="tx2">
+                  <a:lumMod val="50000"/>
+                </a:schemeClr>
+              </a:solidFill>
+            </a:rPr>
+            <a:t>Now</a:t>
+          </a:r>
+        </a:p>
+      </dgm:t>
+    </dgm:pt>
+    <dgm:pt modelId="{2EF2DE95-9871-564A-9ED5-9B7BEC9C033B}" type="parTrans" cxnId="{34AAE730-5482-C344-996A-08FDF0A58ADF}">
+      <dgm:prSet/>
+      <dgm:spPr/>
+      <dgm:t>
+        <a:bodyPr/>
+        <a:lstStyle/>
+        <a:p>
+          <a:endParaRPr lang="en-US"/>
+        </a:p>
+      </dgm:t>
+    </dgm:pt>
+    <dgm:pt modelId="{B3AC076C-03F1-3940-920E-486E7F90CEAD}" type="sibTrans" cxnId="{34AAE730-5482-C344-996A-08FDF0A58ADF}">
+      <dgm:prSet/>
+      <dgm:spPr/>
+      <dgm:t>
+        <a:bodyPr/>
+        <a:lstStyle/>
+        <a:p>
+          <a:endParaRPr lang="en-US"/>
+        </a:p>
+      </dgm:t>
+    </dgm:pt>
+    <dgm:pt modelId="{0E560336-0C3E-8143-A372-53D74E77196F}">
+      <dgm:prSet phldrT="[Text]"/>
+      <dgm:spPr/>
+      <dgm:t>
+        <a:bodyPr/>
+        <a:lstStyle/>
+        <a:p>
+          <a:r>
+            <a:rPr lang="en-US" dirty="0"/>
+            <a:t>Wow</a:t>
+          </a:r>
+        </a:p>
+      </dgm:t>
+    </dgm:pt>
+    <dgm:pt modelId="{B3FA2749-463C-C14C-B39D-5E06D4925EDB}" type="parTrans" cxnId="{9955E633-B1A8-FF4B-BEEB-ADC1CF5A44CF}">
+      <dgm:prSet/>
+      <dgm:spPr/>
+      <dgm:t>
+        <a:bodyPr/>
+        <a:lstStyle/>
+        <a:p>
+          <a:endParaRPr lang="en-US"/>
+        </a:p>
+      </dgm:t>
+    </dgm:pt>
+    <dgm:pt modelId="{292DE0F3-D35C-0E49-BD85-8BC59C230709}" type="sibTrans" cxnId="{9955E633-B1A8-FF4B-BEEB-ADC1CF5A44CF}">
+      <dgm:prSet/>
+      <dgm:spPr/>
+      <dgm:t>
+        <a:bodyPr/>
+        <a:lstStyle/>
+        <a:p>
+          <a:endParaRPr lang="en-US"/>
+        </a:p>
+      </dgm:t>
+    </dgm:pt>
+    <dgm:pt modelId="{DCF51EC0-6879-B04E-B9F0-9F5868EBCE37}">
+      <dgm:prSet/>
+      <dgm:spPr/>
+      <dgm:t>
+        <a:bodyPr/>
+        <a:lstStyle/>
+        <a:p>
+          <a:endParaRPr lang="en-US"/>
+        </a:p>
+      </dgm:t>
+    </dgm:pt>
+    <dgm:pt modelId="{08922471-4B93-A746-8B24-7391AABE9BF9}" type="parTrans" cxnId="{DDD88B66-0C49-FA4E-AC5F-F6C182DE816A}">
+      <dgm:prSet/>
+      <dgm:spPr/>
+      <dgm:t>
+        <a:bodyPr/>
+        <a:lstStyle/>
+        <a:p>
+          <a:endParaRPr lang="en-US"/>
+        </a:p>
+      </dgm:t>
+    </dgm:pt>
+    <dgm:pt modelId="{52A32673-4C06-DD49-B56B-65A4DD0EFACF}" type="sibTrans" cxnId="{DDD88B66-0C49-FA4E-AC5F-F6C182DE816A}">
+      <dgm:prSet/>
+      <dgm:spPr/>
+      <dgm:t>
+        <a:bodyPr/>
+        <a:lstStyle/>
+        <a:p>
+          <a:endParaRPr lang="en-US"/>
+        </a:p>
+      </dgm:t>
+    </dgm:pt>
+    <dgm:pt modelId="{D92CD818-3436-8241-B4F6-984919802C26}" type="pres">
+      <dgm:prSet presAssocID="{B103198C-C8EF-5E4C-A930-C13C1B17EAB0}" presName="matrix" presStyleCnt="0">
+        <dgm:presLayoutVars>
+          <dgm:chMax val="1"/>
+          <dgm:dir/>
+          <dgm:resizeHandles val="exact"/>
+        </dgm:presLayoutVars>
+      </dgm:prSet>
+      <dgm:spPr/>
+    </dgm:pt>
+    <dgm:pt modelId="{BC573FEB-3F51-B04E-A7AE-3C198E93A9D4}" type="pres">
+      <dgm:prSet presAssocID="{B103198C-C8EF-5E4C-A930-C13C1B17EAB0}" presName="axisShape" presStyleLbl="bgShp" presStyleIdx="0" presStyleCnt="1"/>
+      <dgm:spPr/>
+    </dgm:pt>
+    <dgm:pt modelId="{D3B95039-2774-244E-BCB4-2B45DD09DDC9}" type="pres">
+      <dgm:prSet presAssocID="{B103198C-C8EF-5E4C-A930-C13C1B17EAB0}" presName="rect1" presStyleLbl="node1" presStyleIdx="0" presStyleCnt="4">
+        <dgm:presLayoutVars>
+          <dgm:chMax val="0"/>
+          <dgm:chPref val="0"/>
+          <dgm:bulletEnabled val="1"/>
+        </dgm:presLayoutVars>
+      </dgm:prSet>
+      <dgm:spPr/>
+    </dgm:pt>
+    <dgm:pt modelId="{6D8C63CA-A21D-0F46-8054-3AF0B82228BF}" type="pres">
+      <dgm:prSet presAssocID="{B103198C-C8EF-5E4C-A930-C13C1B17EAB0}" presName="rect2" presStyleLbl="node1" presStyleIdx="1" presStyleCnt="4">
+        <dgm:presLayoutVars>
+          <dgm:chMax val="0"/>
+          <dgm:chPref val="0"/>
+          <dgm:bulletEnabled val="1"/>
+        </dgm:presLayoutVars>
+      </dgm:prSet>
+      <dgm:spPr/>
+    </dgm:pt>
+    <dgm:pt modelId="{BC26D963-48EF-554D-923C-CD9668A8A378}" type="pres">
+      <dgm:prSet presAssocID="{B103198C-C8EF-5E4C-A930-C13C1B17EAB0}" presName="rect3" presStyleLbl="node1" presStyleIdx="2" presStyleCnt="4">
+        <dgm:presLayoutVars>
+          <dgm:chMax val="0"/>
+          <dgm:chPref val="0"/>
+          <dgm:bulletEnabled val="1"/>
+        </dgm:presLayoutVars>
+      </dgm:prSet>
+      <dgm:spPr/>
+    </dgm:pt>
+    <dgm:pt modelId="{FAD8DF31-4E0A-5A47-850F-5D46F031CFCD}" type="pres">
+      <dgm:prSet presAssocID="{B103198C-C8EF-5E4C-A930-C13C1B17EAB0}" presName="rect4" presStyleLbl="node1" presStyleIdx="3" presStyleCnt="4">
+        <dgm:presLayoutVars>
+          <dgm:chMax val="0"/>
+          <dgm:chPref val="0"/>
+          <dgm:bulletEnabled val="1"/>
+        </dgm:presLayoutVars>
+      </dgm:prSet>
+      <dgm:spPr/>
+    </dgm:pt>
+  </dgm:ptLst>
+  <dgm:cxnLst>
+    <dgm:cxn modelId="{961A7B1C-292A-A64A-9ACB-018AC16C9B71}" srcId="{B103198C-C8EF-5E4C-A930-C13C1B17EAB0}" destId="{ADEDF622-4AB4-D745-86E8-FDA64B40139D}" srcOrd="1" destOrd="0" parTransId="{C2829B66-D5F7-EA4A-92BD-3AA85E19A4C3}" sibTransId="{03CDDAF2-BA73-0348-B2EA-4B78D3739394}"/>
+    <dgm:cxn modelId="{34AAE730-5482-C344-996A-08FDF0A58ADF}" srcId="{B103198C-C8EF-5E4C-A930-C13C1B17EAB0}" destId="{F965634F-C135-E34B-8823-D61E008D711C}" srcOrd="2" destOrd="0" parTransId="{2EF2DE95-9871-564A-9ED5-9B7BEC9C033B}" sibTransId="{B3AC076C-03F1-3940-920E-486E7F90CEAD}"/>
+    <dgm:cxn modelId="{9955E633-B1A8-FF4B-BEEB-ADC1CF5A44CF}" srcId="{B103198C-C8EF-5E4C-A930-C13C1B17EAB0}" destId="{0E560336-0C3E-8143-A372-53D74E77196F}" srcOrd="3" destOrd="0" parTransId="{B3FA2749-463C-C14C-B39D-5E06D4925EDB}" sibTransId="{292DE0F3-D35C-0E49-BD85-8BC59C230709}"/>
+    <dgm:cxn modelId="{307B7E5C-DDA9-9E4D-B157-1C70453A662B}" type="presOf" srcId="{B103198C-C8EF-5E4C-A930-C13C1B17EAB0}" destId="{D92CD818-3436-8241-B4F6-984919802C26}" srcOrd="0" destOrd="0" presId="urn:microsoft.com/office/officeart/2005/8/layout/matrix2"/>
+    <dgm:cxn modelId="{AF8E5565-0E22-9B46-9D7C-F47C698029BE}" type="presOf" srcId="{0E560336-0C3E-8143-A372-53D74E77196F}" destId="{FAD8DF31-4E0A-5A47-850F-5D46F031CFCD}" srcOrd="0" destOrd="0" presId="urn:microsoft.com/office/officeart/2005/8/layout/matrix2"/>
+    <dgm:cxn modelId="{DDD88B66-0C49-FA4E-AC5F-F6C182DE816A}" srcId="{B103198C-C8EF-5E4C-A930-C13C1B17EAB0}" destId="{DCF51EC0-6879-B04E-B9F0-9F5868EBCE37}" srcOrd="4" destOrd="0" parTransId="{08922471-4B93-A746-8B24-7391AABE9BF9}" sibTransId="{52A32673-4C06-DD49-B56B-65A4DD0EFACF}"/>
+    <dgm:cxn modelId="{4BD621B6-EA76-FA44-835C-335A848C6046}" type="presOf" srcId="{39DA14E5-1CB7-7F40-BBAF-9B655487CF14}" destId="{D3B95039-2774-244E-BCB4-2B45DD09DDC9}" srcOrd="0" destOrd="0" presId="urn:microsoft.com/office/officeart/2005/8/layout/matrix2"/>
+    <dgm:cxn modelId="{34E6FADB-D3DB-F141-B04C-77FCE65B9B97}" srcId="{B103198C-C8EF-5E4C-A930-C13C1B17EAB0}" destId="{39DA14E5-1CB7-7F40-BBAF-9B655487CF14}" srcOrd="0" destOrd="0" parTransId="{D2E4B222-D918-8144-9986-2568E0C80EA4}" sibTransId="{AB0D226F-BCD1-0E4F-8EAF-647C74ED884C}"/>
+    <dgm:cxn modelId="{ACA09AF2-D6EE-3347-8142-0D367241D3D3}" type="presOf" srcId="{F965634F-C135-E34B-8823-D61E008D711C}" destId="{BC26D963-48EF-554D-923C-CD9668A8A378}" srcOrd="0" destOrd="0" presId="urn:microsoft.com/office/officeart/2005/8/layout/matrix2"/>
+    <dgm:cxn modelId="{BB855BF8-818C-8F44-8013-6A5F6F19F940}" type="presOf" srcId="{ADEDF622-4AB4-D745-86E8-FDA64B40139D}" destId="{6D8C63CA-A21D-0F46-8054-3AF0B82228BF}" srcOrd="0" destOrd="0" presId="urn:microsoft.com/office/officeart/2005/8/layout/matrix2"/>
+    <dgm:cxn modelId="{CD3BE7FA-5EBC-A94D-BED0-0DDC4F3C9D40}" type="presParOf" srcId="{D92CD818-3436-8241-B4F6-984919802C26}" destId="{BC573FEB-3F51-B04E-A7AE-3C198E93A9D4}" srcOrd="0" destOrd="0" presId="urn:microsoft.com/office/officeart/2005/8/layout/matrix2"/>
+    <dgm:cxn modelId="{D641DACA-F16A-9448-93D2-857A1037288C}" type="presParOf" srcId="{D92CD818-3436-8241-B4F6-984919802C26}" destId="{D3B95039-2774-244E-BCB4-2B45DD09DDC9}" srcOrd="1" destOrd="0" presId="urn:microsoft.com/office/officeart/2005/8/layout/matrix2"/>
+    <dgm:cxn modelId="{B1A47C0F-96C9-A449-82F1-86FFA4D69C29}" type="presParOf" srcId="{D92CD818-3436-8241-B4F6-984919802C26}" destId="{6D8C63CA-A21D-0F46-8054-3AF0B82228BF}" srcOrd="2" destOrd="0" presId="urn:microsoft.com/office/officeart/2005/8/layout/matrix2"/>
+    <dgm:cxn modelId="{50FDFA9A-87E7-E34A-B0B0-7C93B525BF22}" type="presParOf" srcId="{D92CD818-3436-8241-B4F6-984919802C26}" destId="{BC26D963-48EF-554D-923C-CD9668A8A378}" srcOrd="3" destOrd="0" presId="urn:microsoft.com/office/officeart/2005/8/layout/matrix2"/>
+    <dgm:cxn modelId="{26AEB5A6-462E-7049-BA01-E68C2C9D7D59}" type="presParOf" srcId="{D92CD818-3436-8241-B4F6-984919802C26}" destId="{FAD8DF31-4E0A-5A47-850F-5D46F031CFCD}" srcOrd="4" destOrd="0" presId="urn:microsoft.com/office/officeart/2005/8/layout/matrix2"/>
+  </dgm:cxnLst>
+  <dgm:bg/>
+  <dgm:whole/>
+  <dgm:extLst>
+    <a:ext uri="http://schemas.microsoft.com/office/drawing/2008/diagram">
+      <dsp:dataModelExt xmlns:dsp="http://schemas.microsoft.com/office/drawing/2008/diagram" relId="rId6" minVer="http://schemas.openxmlformats.org/drawingml/2006/diagram"/>
+    </a:ext>
+  </dgm:extLst>
+</dgm:dataModel>
+</file>
+
+<file path=ppt/diagrams/data2.xml><?xml version="1.0" encoding="utf-8"?>
 <dgm:dataModel xmlns:dgm="http://schemas.openxmlformats.org/drawingml/2006/diagram" xmlns:a="http://schemas.openxmlformats.org/drawingml/2006/main">
   <dgm:ptLst>
     <dgm:pt modelId="{B103198C-C8EF-5E4C-A930-C13C1B17EAB0}" type="doc">
@@ -1289,6 +2441,380 @@
 </file>
 
 <file path=ppt/diagrams/drawing1.xml><?xml version="1.0" encoding="utf-8"?>
+<dsp:drawing xmlns:dgm="http://schemas.openxmlformats.org/drawingml/2006/diagram" xmlns:dsp="http://schemas.microsoft.com/office/drawing/2008/diagram" xmlns:a="http://schemas.openxmlformats.org/drawingml/2006/main">
+  <dsp:spTree>
+    <dsp:nvGrpSpPr>
+      <dsp:cNvPr id="0" name=""/>
+      <dsp:cNvGrpSpPr/>
+    </dsp:nvGrpSpPr>
+    <dsp:grpSpPr/>
+    <dsp:sp modelId="{BC573FEB-3F51-B04E-A7AE-3C198E93A9D4}">
+      <dsp:nvSpPr>
+        <dsp:cNvPr id="0" name=""/>
+        <dsp:cNvSpPr/>
+      </dsp:nvSpPr>
+      <dsp:spPr>
+        <a:xfrm>
+          <a:off x="988219" y="0"/>
+          <a:ext cx="5186362" cy="5186362"/>
+        </a:xfrm>
+        <a:prstGeom prst="quadArrow">
+          <a:avLst>
+            <a:gd name="adj1" fmla="val 2000"/>
+            <a:gd name="adj2" fmla="val 4000"/>
+            <a:gd name="adj3" fmla="val 5000"/>
+          </a:avLst>
+        </a:prstGeom>
+        <a:solidFill>
+          <a:schemeClr val="accent1">
+            <a:tint val="55000"/>
+            <a:hueOff val="0"/>
+            <a:satOff val="0"/>
+            <a:lumOff val="0"/>
+            <a:alphaOff val="0"/>
+          </a:schemeClr>
+        </a:solidFill>
+        <a:ln>
+          <a:noFill/>
+        </a:ln>
+        <a:effectLst/>
+      </dsp:spPr>
+      <dsp:style>
+        <a:lnRef idx="0">
+          <a:scrgbClr r="0" g="0" b="0"/>
+        </a:lnRef>
+        <a:fillRef idx="1">
+          <a:scrgbClr r="0" g="0" b="0"/>
+        </a:fillRef>
+        <a:effectRef idx="0">
+          <a:scrgbClr r="0" g="0" b="0"/>
+        </a:effectRef>
+        <a:fontRef idx="minor"/>
+      </dsp:style>
+    </dsp:sp>
+    <dsp:sp modelId="{D3B95039-2774-244E-BCB4-2B45DD09DDC9}">
+      <dsp:nvSpPr>
+        <dsp:cNvPr id="0" name=""/>
+        <dsp:cNvSpPr/>
+      </dsp:nvSpPr>
+      <dsp:spPr>
+        <a:xfrm>
+          <a:off x="1325332" y="337113"/>
+          <a:ext cx="2074544" cy="2074544"/>
+        </a:xfrm>
+        <a:prstGeom prst="roundRect">
+          <a:avLst/>
+        </a:prstGeom>
+        <a:solidFill>
+          <a:schemeClr val="accent1">
+            <a:shade val="50000"/>
+            <a:hueOff val="0"/>
+            <a:satOff val="0"/>
+            <a:lumOff val="0"/>
+            <a:alphaOff val="0"/>
+          </a:schemeClr>
+        </a:solidFill>
+        <a:ln w="25400" cap="flat" cmpd="sng" algn="ctr">
+          <a:solidFill>
+            <a:schemeClr val="lt1">
+              <a:hueOff val="0"/>
+              <a:satOff val="0"/>
+              <a:lumOff val="0"/>
+              <a:alphaOff val="0"/>
+            </a:schemeClr>
+          </a:solidFill>
+          <a:prstDash val="solid"/>
+        </a:ln>
+        <a:effectLst/>
+      </dsp:spPr>
+      <dsp:style>
+        <a:lnRef idx="2">
+          <a:scrgbClr r="0" g="0" b="0"/>
+        </a:lnRef>
+        <a:fillRef idx="1">
+          <a:scrgbClr r="0" g="0" b="0"/>
+        </a:fillRef>
+        <a:effectRef idx="0">
+          <a:scrgbClr r="0" g="0" b="0"/>
+        </a:effectRef>
+        <a:fontRef idx="minor">
+          <a:schemeClr val="lt1"/>
+        </a:fontRef>
+      </dsp:style>
+      <dsp:txBody>
+        <a:bodyPr spcFirstLastPara="0" vert="horz" wrap="square" lIns="190500" tIns="190500" rIns="190500" bIns="190500" numCol="1" spcCol="1270" anchor="ctr" anchorCtr="0">
+          <a:noAutofit/>
+        </a:bodyPr>
+        <a:lstStyle/>
+        <a:p>
+          <a:pPr marL="0" lvl="0" indent="0" algn="ctr" defTabSz="2222500">
+            <a:lnSpc>
+              <a:spcPct val="90000"/>
+            </a:lnSpc>
+            <a:spcBef>
+              <a:spcPct val="0"/>
+            </a:spcBef>
+            <a:spcAft>
+              <a:spcPct val="35000"/>
+            </a:spcAft>
+            <a:buNone/>
+          </a:pPr>
+          <a:r>
+            <a:rPr lang="en-US" sz="5000" kern="1200" dirty="0"/>
+            <a:t>Ciao </a:t>
+          </a:r>
+        </a:p>
+      </dsp:txBody>
+      <dsp:txXfrm>
+        <a:off x="1426603" y="438384"/>
+        <a:ext cx="1872002" cy="1872002"/>
+      </dsp:txXfrm>
+    </dsp:sp>
+    <dsp:sp modelId="{6D8C63CA-A21D-0F46-8054-3AF0B82228BF}">
+      <dsp:nvSpPr>
+        <dsp:cNvPr id="0" name=""/>
+        <dsp:cNvSpPr/>
+      </dsp:nvSpPr>
+      <dsp:spPr>
+        <a:xfrm>
+          <a:off x="3762922" y="337113"/>
+          <a:ext cx="2074544" cy="2074544"/>
+        </a:xfrm>
+        <a:prstGeom prst="roundRect">
+          <a:avLst/>
+        </a:prstGeom>
+        <a:solidFill>
+          <a:schemeClr val="accent1">
+            <a:shade val="50000"/>
+            <a:hueOff val="180718"/>
+            <a:satOff val="-3780"/>
+            <a:lumOff val="21031"/>
+            <a:alphaOff val="0"/>
+          </a:schemeClr>
+        </a:solidFill>
+        <a:ln w="25400" cap="flat" cmpd="sng" algn="ctr">
+          <a:solidFill>
+            <a:schemeClr val="lt1">
+              <a:hueOff val="0"/>
+              <a:satOff val="0"/>
+              <a:lumOff val="0"/>
+              <a:alphaOff val="0"/>
+            </a:schemeClr>
+          </a:solidFill>
+          <a:prstDash val="solid"/>
+        </a:ln>
+        <a:effectLst/>
+      </dsp:spPr>
+      <dsp:style>
+        <a:lnRef idx="2">
+          <a:scrgbClr r="0" g="0" b="0"/>
+        </a:lnRef>
+        <a:fillRef idx="1">
+          <a:scrgbClr r="0" g="0" b="0"/>
+        </a:fillRef>
+        <a:effectRef idx="0">
+          <a:scrgbClr r="0" g="0" b="0"/>
+        </a:effectRef>
+        <a:fontRef idx="minor">
+          <a:schemeClr val="lt1"/>
+        </a:fontRef>
+      </dsp:style>
+      <dsp:txBody>
+        <a:bodyPr spcFirstLastPara="0" vert="horz" wrap="square" lIns="190500" tIns="190500" rIns="190500" bIns="190500" numCol="1" spcCol="1270" anchor="ctr" anchorCtr="0">
+          <a:noAutofit/>
+        </a:bodyPr>
+        <a:lstStyle/>
+        <a:p>
+          <a:pPr marL="0" lvl="0" indent="0" algn="ctr" defTabSz="2222500">
+            <a:lnSpc>
+              <a:spcPct val="90000"/>
+            </a:lnSpc>
+            <a:spcBef>
+              <a:spcPct val="0"/>
+            </a:spcBef>
+            <a:spcAft>
+              <a:spcPct val="35000"/>
+            </a:spcAft>
+            <a:buNone/>
+          </a:pPr>
+          <a:r>
+            <a:rPr lang="en-US" sz="5000" kern="1200" dirty="0"/>
+            <a:t>How?</a:t>
+          </a:r>
+        </a:p>
+      </dsp:txBody>
+      <dsp:txXfrm>
+        <a:off x="3864193" y="438384"/>
+        <a:ext cx="1872002" cy="1872002"/>
+      </dsp:txXfrm>
+    </dsp:sp>
+    <dsp:sp modelId="{BC26D963-48EF-554D-923C-CD9668A8A378}">
+      <dsp:nvSpPr>
+        <dsp:cNvPr id="0" name=""/>
+        <dsp:cNvSpPr/>
+      </dsp:nvSpPr>
+      <dsp:spPr>
+        <a:xfrm>
+          <a:off x="1325332" y="2774703"/>
+          <a:ext cx="2074544" cy="2074544"/>
+        </a:xfrm>
+        <a:prstGeom prst="roundRect">
+          <a:avLst/>
+        </a:prstGeom>
+        <a:solidFill>
+          <a:schemeClr val="accent1">
+            <a:shade val="50000"/>
+            <a:hueOff val="361436"/>
+            <a:satOff val="-7560"/>
+            <a:lumOff val="42063"/>
+            <a:alphaOff val="0"/>
+          </a:schemeClr>
+        </a:solidFill>
+        <a:ln w="25400" cap="flat" cmpd="sng" algn="ctr">
+          <a:solidFill>
+            <a:schemeClr val="lt1">
+              <a:hueOff val="0"/>
+              <a:satOff val="0"/>
+              <a:lumOff val="0"/>
+              <a:alphaOff val="0"/>
+            </a:schemeClr>
+          </a:solidFill>
+          <a:prstDash val="solid"/>
+        </a:ln>
+        <a:effectLst/>
+      </dsp:spPr>
+      <dsp:style>
+        <a:lnRef idx="2">
+          <a:scrgbClr r="0" g="0" b="0"/>
+        </a:lnRef>
+        <a:fillRef idx="1">
+          <a:scrgbClr r="0" g="0" b="0"/>
+        </a:fillRef>
+        <a:effectRef idx="0">
+          <a:scrgbClr r="0" g="0" b="0"/>
+        </a:effectRef>
+        <a:fontRef idx="minor">
+          <a:schemeClr val="lt1"/>
+        </a:fontRef>
+      </dsp:style>
+      <dsp:txBody>
+        <a:bodyPr spcFirstLastPara="0" vert="horz" wrap="square" lIns="190500" tIns="190500" rIns="190500" bIns="190500" numCol="1" spcCol="1270" anchor="ctr" anchorCtr="0">
+          <a:noAutofit/>
+        </a:bodyPr>
+        <a:lstStyle/>
+        <a:p>
+          <a:pPr marL="0" lvl="0" indent="0" algn="ctr" defTabSz="2222500">
+            <a:lnSpc>
+              <a:spcPct val="90000"/>
+            </a:lnSpc>
+            <a:spcBef>
+              <a:spcPct val="0"/>
+            </a:spcBef>
+            <a:spcAft>
+              <a:spcPct val="35000"/>
+            </a:spcAft>
+            <a:buNone/>
+          </a:pPr>
+          <a:r>
+            <a:rPr lang="en-US" sz="5000" kern="1200" dirty="0">
+              <a:solidFill>
+                <a:schemeClr val="tx2">
+                  <a:lumMod val="50000"/>
+                </a:schemeClr>
+              </a:solidFill>
+            </a:rPr>
+            <a:t>Now</a:t>
+          </a:r>
+        </a:p>
+      </dsp:txBody>
+      <dsp:txXfrm>
+        <a:off x="1426603" y="2875974"/>
+        <a:ext cx="1872002" cy="1872002"/>
+      </dsp:txXfrm>
+    </dsp:sp>
+    <dsp:sp modelId="{FAD8DF31-4E0A-5A47-850F-5D46F031CFCD}">
+      <dsp:nvSpPr>
+        <dsp:cNvPr id="0" name=""/>
+        <dsp:cNvSpPr/>
+      </dsp:nvSpPr>
+      <dsp:spPr>
+        <a:xfrm>
+          <a:off x="3762922" y="2774703"/>
+          <a:ext cx="2074544" cy="2074544"/>
+        </a:xfrm>
+        <a:prstGeom prst="roundRect">
+          <a:avLst/>
+        </a:prstGeom>
+        <a:solidFill>
+          <a:schemeClr val="accent1">
+            <a:shade val="50000"/>
+            <a:hueOff val="180718"/>
+            <a:satOff val="-3780"/>
+            <a:lumOff val="21031"/>
+            <a:alphaOff val="0"/>
+          </a:schemeClr>
+        </a:solidFill>
+        <a:ln w="25400" cap="flat" cmpd="sng" algn="ctr">
+          <a:solidFill>
+            <a:schemeClr val="lt1">
+              <a:hueOff val="0"/>
+              <a:satOff val="0"/>
+              <a:lumOff val="0"/>
+              <a:alphaOff val="0"/>
+            </a:schemeClr>
+          </a:solidFill>
+          <a:prstDash val="solid"/>
+        </a:ln>
+        <a:effectLst/>
+      </dsp:spPr>
+      <dsp:style>
+        <a:lnRef idx="2">
+          <a:scrgbClr r="0" g="0" b="0"/>
+        </a:lnRef>
+        <a:fillRef idx="1">
+          <a:scrgbClr r="0" g="0" b="0"/>
+        </a:fillRef>
+        <a:effectRef idx="0">
+          <a:scrgbClr r="0" g="0" b="0"/>
+        </a:effectRef>
+        <a:fontRef idx="minor">
+          <a:schemeClr val="lt1"/>
+        </a:fontRef>
+      </dsp:style>
+      <dsp:txBody>
+        <a:bodyPr spcFirstLastPara="0" vert="horz" wrap="square" lIns="190500" tIns="190500" rIns="190500" bIns="190500" numCol="1" spcCol="1270" anchor="ctr" anchorCtr="0">
+          <a:noAutofit/>
+        </a:bodyPr>
+        <a:lstStyle/>
+        <a:p>
+          <a:pPr marL="0" lvl="0" indent="0" algn="ctr" defTabSz="2222500">
+            <a:lnSpc>
+              <a:spcPct val="90000"/>
+            </a:lnSpc>
+            <a:spcBef>
+              <a:spcPct val="0"/>
+            </a:spcBef>
+            <a:spcAft>
+              <a:spcPct val="35000"/>
+            </a:spcAft>
+            <a:buNone/>
+          </a:pPr>
+          <a:r>
+            <a:rPr lang="en-US" sz="5000" kern="1200" dirty="0"/>
+            <a:t>Wow</a:t>
+          </a:r>
+        </a:p>
+      </dsp:txBody>
+      <dsp:txXfrm>
+        <a:off x="3864193" y="2875974"/>
+        <a:ext cx="1872002" cy="1872002"/>
+      </dsp:txXfrm>
+    </dsp:sp>
+  </dsp:spTree>
+</dsp:drawing>
+</file>
+
+<file path=ppt/diagrams/drawing2.xml><?xml version="1.0" encoding="utf-8"?>
 <dsp:drawing xmlns:dgm="http://schemas.openxmlformats.org/drawingml/2006/diagram" xmlns:dsp="http://schemas.microsoft.com/office/drawing/2008/diagram" xmlns:a="http://schemas.openxmlformats.org/drawingml/2006/main">
   <dsp:spTree>
     <dsp:nvGrpSpPr>
@@ -1896,7 +3422,1257 @@
 </dgm:layoutDef>
 </file>
 
+<file path=ppt/diagrams/layout2.xml><?xml version="1.0" encoding="utf-8"?>
+<dgm:layoutDef xmlns:dgm="http://schemas.openxmlformats.org/drawingml/2006/diagram" xmlns:a="http://schemas.openxmlformats.org/drawingml/2006/main" uniqueId="urn:microsoft.com/office/officeart/2005/8/layout/matrix2">
+  <dgm:title val=""/>
+  <dgm:desc val=""/>
+  <dgm:catLst>
+    <dgm:cat type="matrix" pri="3000"/>
+  </dgm:catLst>
+  <dgm:sampData>
+    <dgm:dataModel>
+      <dgm:ptLst>
+        <dgm:pt modelId="0" type="doc"/>
+        <dgm:pt modelId="1">
+          <dgm:prSet phldr="1"/>
+        </dgm:pt>
+        <dgm:pt modelId="2">
+          <dgm:prSet phldr="1"/>
+        </dgm:pt>
+        <dgm:pt modelId="3">
+          <dgm:prSet phldr="1"/>
+        </dgm:pt>
+        <dgm:pt modelId="4">
+          <dgm:prSet phldr="1"/>
+        </dgm:pt>
+      </dgm:ptLst>
+      <dgm:cxnLst>
+        <dgm:cxn modelId="5" srcId="0" destId="1" srcOrd="0" destOrd="0"/>
+        <dgm:cxn modelId="6" srcId="0" destId="2" srcOrd="1" destOrd="0"/>
+        <dgm:cxn modelId="7" srcId="0" destId="3" srcOrd="0" destOrd="0"/>
+        <dgm:cxn modelId="8" srcId="0" destId="4" srcOrd="1" destOrd="0"/>
+      </dgm:cxnLst>
+      <dgm:bg/>
+      <dgm:whole/>
+    </dgm:dataModel>
+  </dgm:sampData>
+  <dgm:styleData useDef="1">
+    <dgm:dataModel>
+      <dgm:ptLst/>
+      <dgm:bg/>
+      <dgm:whole/>
+    </dgm:dataModel>
+  </dgm:styleData>
+  <dgm:clrData useDef="1">
+    <dgm:dataModel>
+      <dgm:ptLst/>
+      <dgm:bg/>
+      <dgm:whole/>
+    </dgm:dataModel>
+  </dgm:clrData>
+  <dgm:layoutNode name="matrix">
+    <dgm:varLst>
+      <dgm:chMax val="1"/>
+      <dgm:dir/>
+      <dgm:resizeHandles val="exact"/>
+    </dgm:varLst>
+    <dgm:alg type="composite">
+      <dgm:param type="ar" val="1"/>
+    </dgm:alg>
+    <dgm:shape xmlns:r="http://schemas.openxmlformats.org/officeDocument/2006/relationships" r:blip="">
+      <dgm:adjLst/>
+    </dgm:shape>
+    <dgm:presOf/>
+    <dgm:choose name="Name0">
+      <dgm:if name="Name1" func="var" arg="dir" op="equ" val="norm">
+        <dgm:constrLst>
+          <dgm:constr type="primFontSz" for="ch" ptType="node" op="equ" val="65"/>
+          <dgm:constr type="w" for="ch" forName="axisShape" refType="w"/>
+          <dgm:constr type="h" for="ch" forName="axisShape" refType="h"/>
+          <dgm:constr type="w" for="ch" forName="rect1" refType="w" fact="0.4"/>
+          <dgm:constr type="h" for="ch" forName="rect1" refType="w" fact="0.4"/>
+          <dgm:constr type="l" for="ch" forName="rect1" refType="w" fact="0.065"/>
+          <dgm:constr type="t" for="ch" forName="rect1" refType="h" fact="0.065"/>
+          <dgm:constr type="w" for="ch" forName="rect2" refType="w" fact="0.4"/>
+          <dgm:constr type="h" for="ch" forName="rect2" refType="h" fact="0.4"/>
+          <dgm:constr type="r" for="ch" forName="rect2" refType="w" fact="0.935"/>
+          <dgm:constr type="t" for="ch" forName="rect2" refType="h" fact="0.065"/>
+          <dgm:constr type="w" for="ch" forName="rect3" refType="w" fact="0.4"/>
+          <dgm:constr type="h" for="ch" forName="rect3" refType="w" fact="0.4"/>
+          <dgm:constr type="l" for="ch" forName="rect3" refType="w" fact="0.065"/>
+          <dgm:constr type="b" for="ch" forName="rect3" refType="h" fact="0.935"/>
+          <dgm:constr type="w" for="ch" forName="rect4" refType="w" fact="0.4"/>
+          <dgm:constr type="h" for="ch" forName="rect4" refType="h" fact="0.4"/>
+          <dgm:constr type="r" for="ch" forName="rect4" refType="w" fact="0.935"/>
+          <dgm:constr type="b" for="ch" forName="rect4" refType="h" fact="0.935"/>
+        </dgm:constrLst>
+      </dgm:if>
+      <dgm:else name="Name2">
+        <dgm:constrLst>
+          <dgm:constr type="primFontSz" for="ch" ptType="node" op="equ" val="65"/>
+          <dgm:constr type="w" for="ch" forName="axisShape" refType="w"/>
+          <dgm:constr type="h" for="ch" forName="axisShape" refType="h"/>
+          <dgm:constr type="w" for="ch" forName="rect1" refType="w" fact="0.4"/>
+          <dgm:constr type="h" for="ch" forName="rect1" refType="w" fact="0.4"/>
+          <dgm:constr type="r" for="ch" forName="rect1" refType="w" fact="0.935"/>
+          <dgm:constr type="t" for="ch" forName="rect1" refType="h" fact="0.065"/>
+          <dgm:constr type="w" for="ch" forName="rect2" refType="w" fact="0.4"/>
+          <dgm:constr type="h" for="ch" forName="rect2" refType="h" fact="0.4"/>
+          <dgm:constr type="l" for="ch" forName="rect2" refType="w" fact="0.065"/>
+          <dgm:constr type="t" for="ch" forName="rect2" refType="h" fact="0.065"/>
+          <dgm:constr type="w" for="ch" forName="rect3" refType="w" fact="0.4"/>
+          <dgm:constr type="h" for="ch" forName="rect3" refType="w" fact="0.4"/>
+          <dgm:constr type="r" for="ch" forName="rect3" refType="w" fact="0.935"/>
+          <dgm:constr type="b" for="ch" forName="rect3" refType="h" fact="0.935"/>
+          <dgm:constr type="w" for="ch" forName="rect4" refType="w" fact="0.4"/>
+          <dgm:constr type="h" for="ch" forName="rect4" refType="h" fact="0.4"/>
+          <dgm:constr type="l" for="ch" forName="rect4" refType="w" fact="0.065"/>
+          <dgm:constr type="b" for="ch" forName="rect4" refType="h" fact="0.935"/>
+        </dgm:constrLst>
+      </dgm:else>
+    </dgm:choose>
+    <dgm:ruleLst/>
+    <dgm:choose name="Name3">
+      <dgm:if name="Name4" axis="ch" ptType="node" func="cnt" op="gte" val="1">
+        <dgm:layoutNode name="axisShape" styleLbl="bgShp">
+          <dgm:alg type="sp"/>
+          <dgm:shape xmlns:r="http://schemas.openxmlformats.org/officeDocument/2006/relationships" type="quadArrow" r:blip="">
+            <dgm:adjLst>
+              <dgm:adj idx="1" val="0.02"/>
+              <dgm:adj idx="2" val="0.04"/>
+              <dgm:adj idx="3" val="0.05"/>
+            </dgm:adjLst>
+          </dgm:shape>
+          <dgm:presOf/>
+          <dgm:constrLst/>
+          <dgm:ruleLst/>
+        </dgm:layoutNode>
+        <dgm:layoutNode name="rect1">
+          <dgm:varLst>
+            <dgm:chMax val="0"/>
+            <dgm:chPref val="0"/>
+            <dgm:bulletEnabled val="1"/>
+          </dgm:varLst>
+          <dgm:alg type="tx"/>
+          <dgm:shape xmlns:r="http://schemas.openxmlformats.org/officeDocument/2006/relationships" type="roundRect" r:blip="">
+            <dgm:adjLst/>
+          </dgm:shape>
+          <dgm:presOf axis="ch desOrSelf" ptType="node node" st="1 1" cnt="1 0"/>
+          <dgm:constrLst>
+            <dgm:constr type="tMarg" refType="primFontSz" fact="0.3"/>
+            <dgm:constr type="bMarg" refType="primFontSz" fact="0.3"/>
+            <dgm:constr type="lMarg" refType="primFontSz" fact="0.3"/>
+            <dgm:constr type="rMarg" refType="primFontSz" fact="0.3"/>
+          </dgm:constrLst>
+          <dgm:ruleLst>
+            <dgm:rule type="primFontSz" val="5" fact="NaN" max="NaN"/>
+          </dgm:ruleLst>
+        </dgm:layoutNode>
+        <dgm:layoutNode name="rect2">
+          <dgm:varLst>
+            <dgm:chMax val="0"/>
+            <dgm:chPref val="0"/>
+            <dgm:bulletEnabled val="1"/>
+          </dgm:varLst>
+          <dgm:alg type="tx"/>
+          <dgm:shape xmlns:r="http://schemas.openxmlformats.org/officeDocument/2006/relationships" type="roundRect" r:blip="">
+            <dgm:adjLst/>
+          </dgm:shape>
+          <dgm:presOf axis="ch desOrSelf" ptType="node node" st="2 1" cnt="1 0"/>
+          <dgm:constrLst>
+            <dgm:constr type="tMarg" refType="primFontSz" fact="0.3"/>
+            <dgm:constr type="bMarg" refType="primFontSz" fact="0.3"/>
+            <dgm:constr type="lMarg" refType="primFontSz" fact="0.3"/>
+            <dgm:constr type="rMarg" refType="primFontSz" fact="0.3"/>
+          </dgm:constrLst>
+          <dgm:ruleLst>
+            <dgm:rule type="primFontSz" val="5" fact="NaN" max="NaN"/>
+          </dgm:ruleLst>
+        </dgm:layoutNode>
+        <dgm:layoutNode name="rect3">
+          <dgm:varLst>
+            <dgm:chMax val="0"/>
+            <dgm:chPref val="0"/>
+            <dgm:bulletEnabled val="1"/>
+          </dgm:varLst>
+          <dgm:alg type="tx"/>
+          <dgm:shape xmlns:r="http://schemas.openxmlformats.org/officeDocument/2006/relationships" type="roundRect" r:blip="">
+            <dgm:adjLst/>
+          </dgm:shape>
+          <dgm:presOf axis="ch desOrSelf" ptType="node node" st="3 1" cnt="1 0"/>
+          <dgm:constrLst>
+            <dgm:constr type="tMarg" refType="primFontSz" fact="0.3"/>
+            <dgm:constr type="bMarg" refType="primFontSz" fact="0.3"/>
+            <dgm:constr type="lMarg" refType="primFontSz" fact="0.3"/>
+            <dgm:constr type="rMarg" refType="primFontSz" fact="0.3"/>
+          </dgm:constrLst>
+          <dgm:ruleLst>
+            <dgm:rule type="primFontSz" val="5" fact="NaN" max="NaN"/>
+          </dgm:ruleLst>
+        </dgm:layoutNode>
+        <dgm:layoutNode name="rect4">
+          <dgm:varLst>
+            <dgm:chMax val="0"/>
+            <dgm:chPref val="0"/>
+            <dgm:bulletEnabled val="1"/>
+          </dgm:varLst>
+          <dgm:alg type="tx"/>
+          <dgm:shape xmlns:r="http://schemas.openxmlformats.org/officeDocument/2006/relationships" type="roundRect" r:blip="">
+            <dgm:adjLst/>
+          </dgm:shape>
+          <dgm:presOf axis="ch desOrSelf" ptType="node node" st="4 1" cnt="1 0"/>
+          <dgm:constrLst>
+            <dgm:constr type="tMarg" refType="primFontSz" fact="0.3"/>
+            <dgm:constr type="bMarg" refType="primFontSz" fact="0.3"/>
+            <dgm:constr type="lMarg" refType="primFontSz" fact="0.3"/>
+            <dgm:constr type="rMarg" refType="primFontSz" fact="0.3"/>
+          </dgm:constrLst>
+          <dgm:ruleLst>
+            <dgm:rule type="primFontSz" val="5" fact="NaN" max="NaN"/>
+          </dgm:ruleLst>
+        </dgm:layoutNode>
+      </dgm:if>
+      <dgm:else name="Name5"/>
+    </dgm:choose>
+  </dgm:layoutNode>
+</dgm:layoutDef>
+</file>
+
 <file path=ppt/diagrams/quickStyle1.xml><?xml version="1.0" encoding="utf-8"?>
+<dgm:styleDef xmlns:dgm="http://schemas.openxmlformats.org/drawingml/2006/diagram" xmlns:a="http://schemas.openxmlformats.org/drawingml/2006/main" uniqueId="urn:microsoft.com/office/officeart/2005/8/quickstyle/simple1">
+  <dgm:title val=""/>
+  <dgm:desc val=""/>
+  <dgm:catLst>
+    <dgm:cat type="simple" pri="10100"/>
+  </dgm:catLst>
+  <dgm:scene3d>
+    <a:camera prst="orthographicFront"/>
+    <a:lightRig rig="threePt" dir="t"/>
+  </dgm:scene3d>
+  <dgm:styleLbl name="node0">
+    <dgm:scene3d>
+      <a:camera prst="orthographicFront"/>
+      <a:lightRig rig="threePt" dir="t"/>
+    </dgm:scene3d>
+    <dgm:sp3d/>
+    <dgm:txPr/>
+    <dgm:style>
+      <a:lnRef idx="2">
+        <a:scrgbClr r="0" g="0" b="0"/>
+      </a:lnRef>
+      <a:fillRef idx="1">
+        <a:scrgbClr r="0" g="0" b="0"/>
+      </a:fillRef>
+      <a:effectRef idx="0">
+        <a:scrgbClr r="0" g="0" b="0"/>
+      </a:effectRef>
+      <a:fontRef idx="minor">
+        <a:schemeClr val="lt1"/>
+      </a:fontRef>
+    </dgm:style>
+  </dgm:styleLbl>
+  <dgm:styleLbl name="lnNode1">
+    <dgm:scene3d>
+      <a:camera prst="orthographicFront"/>
+      <a:lightRig rig="threePt" dir="t"/>
+    </dgm:scene3d>
+    <dgm:sp3d/>
+    <dgm:txPr/>
+    <dgm:style>
+      <a:lnRef idx="2">
+        <a:scrgbClr r="0" g="0" b="0"/>
+      </a:lnRef>
+      <a:fillRef idx="1">
+        <a:scrgbClr r="0" g="0" b="0"/>
+      </a:fillRef>
+      <a:effectRef idx="0">
+        <a:scrgbClr r="0" g="0" b="0"/>
+      </a:effectRef>
+      <a:fontRef idx="minor">
+        <a:schemeClr val="lt1"/>
+      </a:fontRef>
+    </dgm:style>
+  </dgm:styleLbl>
+  <dgm:styleLbl name="vennNode1">
+    <dgm:scene3d>
+      <a:camera prst="orthographicFront"/>
+      <a:lightRig rig="threePt" dir="t"/>
+    </dgm:scene3d>
+    <dgm:sp3d/>
+    <dgm:txPr/>
+    <dgm:style>
+      <a:lnRef idx="2">
+        <a:scrgbClr r="0" g="0" b="0"/>
+      </a:lnRef>
+      <a:fillRef idx="1">
+        <a:scrgbClr r="0" g="0" b="0"/>
+      </a:fillRef>
+      <a:effectRef idx="0">
+        <a:scrgbClr r="0" g="0" b="0"/>
+      </a:effectRef>
+      <a:fontRef idx="minor">
+        <a:schemeClr val="tx1"/>
+      </a:fontRef>
+    </dgm:style>
+  </dgm:styleLbl>
+  <dgm:styleLbl name="alignNode1">
+    <dgm:scene3d>
+      <a:camera prst="orthographicFront"/>
+      <a:lightRig rig="threePt" dir="t"/>
+    </dgm:scene3d>
+    <dgm:sp3d/>
+    <dgm:txPr/>
+    <dgm:style>
+      <a:lnRef idx="2">
+        <a:scrgbClr r="0" g="0" b="0"/>
+      </a:lnRef>
+      <a:fillRef idx="1">
+        <a:scrgbClr r="0" g="0" b="0"/>
+      </a:fillRef>
+      <a:effectRef idx="0">
+        <a:scrgbClr r="0" g="0" b="0"/>
+      </a:effectRef>
+      <a:fontRef idx="minor">
+        <a:schemeClr val="lt1"/>
+      </a:fontRef>
+    </dgm:style>
+  </dgm:styleLbl>
+  <dgm:styleLbl name="node1">
+    <dgm:scene3d>
+      <a:camera prst="orthographicFront"/>
+      <a:lightRig rig="threePt" dir="t"/>
+    </dgm:scene3d>
+    <dgm:sp3d/>
+    <dgm:txPr/>
+    <dgm:style>
+      <a:lnRef idx="2">
+        <a:scrgbClr r="0" g="0" b="0"/>
+      </a:lnRef>
+      <a:fillRef idx="1">
+        <a:scrgbClr r="0" g="0" b="0"/>
+      </a:fillRef>
+      <a:effectRef idx="0">
+        <a:scrgbClr r="0" g="0" b="0"/>
+      </a:effectRef>
+      <a:fontRef idx="minor">
+        <a:schemeClr val="lt1"/>
+      </a:fontRef>
+    </dgm:style>
+  </dgm:styleLbl>
+  <dgm:styleLbl name="node2">
+    <dgm:scene3d>
+      <a:camera prst="orthographicFront"/>
+      <a:lightRig rig="threePt" dir="t"/>
+    </dgm:scene3d>
+    <dgm:sp3d/>
+    <dgm:txPr/>
+    <dgm:style>
+      <a:lnRef idx="2">
+        <a:scrgbClr r="0" g="0" b="0"/>
+      </a:lnRef>
+      <a:fillRef idx="1">
+        <a:scrgbClr r="0" g="0" b="0"/>
+      </a:fillRef>
+      <a:effectRef idx="0">
+        <a:scrgbClr r="0" g="0" b="0"/>
+      </a:effectRef>
+      <a:fontRef idx="minor">
+        <a:schemeClr val="lt1"/>
+      </a:fontRef>
+    </dgm:style>
+  </dgm:styleLbl>
+  <dgm:styleLbl name="node3">
+    <dgm:scene3d>
+      <a:camera prst="orthographicFront"/>
+      <a:lightRig rig="threePt" dir="t"/>
+    </dgm:scene3d>
+    <dgm:sp3d/>
+    <dgm:txPr/>
+    <dgm:style>
+      <a:lnRef idx="2">
+        <a:scrgbClr r="0" g="0" b="0"/>
+      </a:lnRef>
+      <a:fillRef idx="1">
+        <a:scrgbClr r="0" g="0" b="0"/>
+      </a:fillRef>
+      <a:effectRef idx="0">
+        <a:scrgbClr r="0" g="0" b="0"/>
+      </a:effectRef>
+      <a:fontRef idx="minor">
+        <a:schemeClr val="lt1"/>
+      </a:fontRef>
+    </dgm:style>
+  </dgm:styleLbl>
+  <dgm:styleLbl name="node4">
+    <dgm:scene3d>
+      <a:camera prst="orthographicFront"/>
+      <a:lightRig rig="threePt" dir="t"/>
+    </dgm:scene3d>
+    <dgm:sp3d/>
+    <dgm:txPr/>
+    <dgm:style>
+      <a:lnRef idx="2">
+        <a:scrgbClr r="0" g="0" b="0"/>
+      </a:lnRef>
+      <a:fillRef idx="1">
+        <a:scrgbClr r="0" g="0" b="0"/>
+      </a:fillRef>
+      <a:effectRef idx="0">
+        <a:scrgbClr r="0" g="0" b="0"/>
+      </a:effectRef>
+      <a:fontRef idx="minor">
+        <a:schemeClr val="lt1"/>
+      </a:fontRef>
+    </dgm:style>
+  </dgm:styleLbl>
+  <dgm:styleLbl name="fgImgPlace1">
+    <dgm:scene3d>
+      <a:camera prst="orthographicFront"/>
+      <a:lightRig rig="threePt" dir="t"/>
+    </dgm:scene3d>
+    <dgm:sp3d/>
+    <dgm:txPr/>
+    <dgm:style>
+      <a:lnRef idx="2">
+        <a:scrgbClr r="0" g="0" b="0"/>
+      </a:lnRef>
+      <a:fillRef idx="1">
+        <a:scrgbClr r="0" g="0" b="0"/>
+      </a:fillRef>
+      <a:effectRef idx="0">
+        <a:scrgbClr r="0" g="0" b="0"/>
+      </a:effectRef>
+      <a:fontRef idx="minor"/>
+    </dgm:style>
+  </dgm:styleLbl>
+  <dgm:styleLbl name="alignImgPlace1">
+    <dgm:scene3d>
+      <a:camera prst="orthographicFront"/>
+      <a:lightRig rig="threePt" dir="t"/>
+    </dgm:scene3d>
+    <dgm:sp3d/>
+    <dgm:txPr/>
+    <dgm:style>
+      <a:lnRef idx="2">
+        <a:scrgbClr r="0" g="0" b="0"/>
+      </a:lnRef>
+      <a:fillRef idx="1">
+        <a:scrgbClr r="0" g="0" b="0"/>
+      </a:fillRef>
+      <a:effectRef idx="0">
+        <a:scrgbClr r="0" g="0" b="0"/>
+      </a:effectRef>
+      <a:fontRef idx="minor"/>
+    </dgm:style>
+  </dgm:styleLbl>
+  <dgm:styleLbl name="bgImgPlace1">
+    <dgm:scene3d>
+      <a:camera prst="orthographicFront"/>
+      <a:lightRig rig="threePt" dir="t"/>
+    </dgm:scene3d>
+    <dgm:sp3d/>
+    <dgm:txPr/>
+    <dgm:style>
+      <a:lnRef idx="2">
+        <a:scrgbClr r="0" g="0" b="0"/>
+      </a:lnRef>
+      <a:fillRef idx="1">
+        <a:scrgbClr r="0" g="0" b="0"/>
+      </a:fillRef>
+      <a:effectRef idx="0">
+        <a:scrgbClr r="0" g="0" b="0"/>
+      </a:effectRef>
+      <a:fontRef idx="minor"/>
+    </dgm:style>
+  </dgm:styleLbl>
+  <dgm:styleLbl name="sibTrans2D1">
+    <dgm:scene3d>
+      <a:camera prst="orthographicFront"/>
+      <a:lightRig rig="threePt" dir="t"/>
+    </dgm:scene3d>
+    <dgm:sp3d/>
+    <dgm:txPr/>
+    <dgm:style>
+      <a:lnRef idx="0">
+        <a:scrgbClr r="0" g="0" b="0"/>
+      </a:lnRef>
+      <a:fillRef idx="1">
+        <a:scrgbClr r="0" g="0" b="0"/>
+      </a:fillRef>
+      <a:effectRef idx="0">
+        <a:scrgbClr r="0" g="0" b="0"/>
+      </a:effectRef>
+      <a:fontRef idx="minor">
+        <a:schemeClr val="lt1"/>
+      </a:fontRef>
+    </dgm:style>
+  </dgm:styleLbl>
+  <dgm:styleLbl name="fgSibTrans2D1">
+    <dgm:scene3d>
+      <a:camera prst="orthographicFront"/>
+      <a:lightRig rig="threePt" dir="t"/>
+    </dgm:scene3d>
+    <dgm:sp3d/>
+    <dgm:txPr/>
+    <dgm:style>
+      <a:lnRef idx="0">
+        <a:scrgbClr r="0" g="0" b="0"/>
+      </a:lnRef>
+      <a:fillRef idx="1">
+        <a:scrgbClr r="0" g="0" b="0"/>
+      </a:fillRef>
+      <a:effectRef idx="0">
+        <a:scrgbClr r="0" g="0" b="0"/>
+      </a:effectRef>
+      <a:fontRef idx="minor">
+        <a:schemeClr val="lt1"/>
+      </a:fontRef>
+    </dgm:style>
+  </dgm:styleLbl>
+  <dgm:styleLbl name="bgSibTrans2D1">
+    <dgm:scene3d>
+      <a:camera prst="orthographicFront"/>
+      <a:lightRig rig="threePt" dir="t"/>
+    </dgm:scene3d>
+    <dgm:sp3d/>
+    <dgm:txPr/>
+    <dgm:style>
+      <a:lnRef idx="0">
+        <a:scrgbClr r="0" g="0" b="0"/>
+      </a:lnRef>
+      <a:fillRef idx="1">
+        <a:scrgbClr r="0" g="0" b="0"/>
+      </a:fillRef>
+      <a:effectRef idx="0">
+        <a:scrgbClr r="0" g="0" b="0"/>
+      </a:effectRef>
+      <a:fontRef idx="minor">
+        <a:schemeClr val="lt1"/>
+      </a:fontRef>
+    </dgm:style>
+  </dgm:styleLbl>
+  <dgm:styleLbl name="sibTrans1D1">
+    <dgm:scene3d>
+      <a:camera prst="orthographicFront"/>
+      <a:lightRig rig="threePt" dir="t"/>
+    </dgm:scene3d>
+    <dgm:sp3d/>
+    <dgm:txPr/>
+    <dgm:style>
+      <a:lnRef idx="1">
+        <a:scrgbClr r="0" g="0" b="0"/>
+      </a:lnRef>
+      <a:fillRef idx="0">
+        <a:scrgbClr r="0" g="0" b="0"/>
+      </a:fillRef>
+      <a:effectRef idx="0">
+        <a:scrgbClr r="0" g="0" b="0"/>
+      </a:effectRef>
+      <a:fontRef idx="minor"/>
+    </dgm:style>
+  </dgm:styleLbl>
+  <dgm:styleLbl name="callout">
+    <dgm:scene3d>
+      <a:camera prst="orthographicFront"/>
+      <a:lightRig rig="threePt" dir="t"/>
+    </dgm:scene3d>
+    <dgm:sp3d/>
+    <dgm:txPr/>
+    <dgm:style>
+      <a:lnRef idx="2">
+        <a:scrgbClr r="0" g="0" b="0"/>
+      </a:lnRef>
+      <a:fillRef idx="1">
+        <a:scrgbClr r="0" g="0" b="0"/>
+      </a:fillRef>
+      <a:effectRef idx="0">
+        <a:scrgbClr r="0" g="0" b="0"/>
+      </a:effectRef>
+      <a:fontRef idx="minor"/>
+    </dgm:style>
+  </dgm:styleLbl>
+  <dgm:styleLbl name="asst0">
+    <dgm:scene3d>
+      <a:camera prst="orthographicFront"/>
+      <a:lightRig rig="threePt" dir="t"/>
+    </dgm:scene3d>
+    <dgm:sp3d/>
+    <dgm:txPr/>
+    <dgm:style>
+      <a:lnRef idx="2">
+        <a:scrgbClr r="0" g="0" b="0"/>
+      </a:lnRef>
+      <a:fillRef idx="1">
+        <a:scrgbClr r="0" g="0" b="0"/>
+      </a:fillRef>
+      <a:effectRef idx="0">
+        <a:scrgbClr r="0" g="0" b="0"/>
+      </a:effectRef>
+      <a:fontRef idx="minor">
+        <a:schemeClr val="lt1"/>
+      </a:fontRef>
+    </dgm:style>
+  </dgm:styleLbl>
+  <dgm:styleLbl name="asst1">
+    <dgm:scene3d>
+      <a:camera prst="orthographicFront"/>
+      <a:lightRig rig="threePt" dir="t"/>
+    </dgm:scene3d>
+    <dgm:sp3d/>
+    <dgm:txPr/>
+    <dgm:style>
+      <a:lnRef idx="2">
+        <a:scrgbClr r="0" g="0" b="0"/>
+      </a:lnRef>
+      <a:fillRef idx="1">
+        <a:scrgbClr r="0" g="0" b="0"/>
+      </a:fillRef>
+      <a:effectRef idx="0">
+        <a:scrgbClr r="0" g="0" b="0"/>
+      </a:effectRef>
+      <a:fontRef idx="minor">
+        <a:schemeClr val="lt1"/>
+      </a:fontRef>
+    </dgm:style>
+  </dgm:styleLbl>
+  <dgm:styleLbl name="asst2">
+    <dgm:scene3d>
+      <a:camera prst="orthographicFront"/>
+      <a:lightRig rig="threePt" dir="t"/>
+    </dgm:scene3d>
+    <dgm:sp3d/>
+    <dgm:txPr/>
+    <dgm:style>
+      <a:lnRef idx="2">
+        <a:scrgbClr r="0" g="0" b="0"/>
+      </a:lnRef>
+      <a:fillRef idx="1">
+        <a:scrgbClr r="0" g="0" b="0"/>
+      </a:fillRef>
+      <a:effectRef idx="0">
+        <a:scrgbClr r="0" g="0" b="0"/>
+      </a:effectRef>
+      <a:fontRef idx="minor">
+        <a:schemeClr val="lt1"/>
+      </a:fontRef>
+    </dgm:style>
+  </dgm:styleLbl>
+  <dgm:styleLbl name="asst3">
+    <dgm:scene3d>
+      <a:camera prst="orthographicFront"/>
+      <a:lightRig rig="threePt" dir="t"/>
+    </dgm:scene3d>
+    <dgm:sp3d/>
+    <dgm:txPr/>
+    <dgm:style>
+      <a:lnRef idx="2">
+        <a:scrgbClr r="0" g="0" b="0"/>
+      </a:lnRef>
+      <a:fillRef idx="1">
+        <a:scrgbClr r="0" g="0" b="0"/>
+      </a:fillRef>
+      <a:effectRef idx="0">
+        <a:scrgbClr r="0" g="0" b="0"/>
+      </a:effectRef>
+      <a:fontRef idx="minor">
+        <a:schemeClr val="lt1"/>
+      </a:fontRef>
+    </dgm:style>
+  </dgm:styleLbl>
+  <dgm:styleLbl name="asst4">
+    <dgm:scene3d>
+      <a:camera prst="orthographicFront"/>
+      <a:lightRig rig="threePt" dir="t"/>
+    </dgm:scene3d>
+    <dgm:sp3d/>
+    <dgm:txPr/>
+    <dgm:style>
+      <a:lnRef idx="2">
+        <a:scrgbClr r="0" g="0" b="0"/>
+      </a:lnRef>
+      <a:fillRef idx="1">
+        <a:scrgbClr r="0" g="0" b="0"/>
+      </a:fillRef>
+      <a:effectRef idx="0">
+        <a:scrgbClr r="0" g="0" b="0"/>
+      </a:effectRef>
+      <a:fontRef idx="minor">
+        <a:schemeClr val="lt1"/>
+      </a:fontRef>
+    </dgm:style>
+  </dgm:styleLbl>
+  <dgm:styleLbl name="parChTrans2D1">
+    <dgm:scene3d>
+      <a:camera prst="orthographicFront"/>
+      <a:lightRig rig="threePt" dir="t"/>
+    </dgm:scene3d>
+    <dgm:sp3d/>
+    <dgm:txPr/>
+    <dgm:style>
+      <a:lnRef idx="2">
+        <a:scrgbClr r="0" g="0" b="0"/>
+      </a:lnRef>
+      <a:fillRef idx="1">
+        <a:scrgbClr r="0" g="0" b="0"/>
+      </a:fillRef>
+      <a:effectRef idx="0">
+        <a:scrgbClr r="0" g="0" b="0"/>
+      </a:effectRef>
+      <a:fontRef idx="minor">
+        <a:schemeClr val="lt1"/>
+      </a:fontRef>
+    </dgm:style>
+  </dgm:styleLbl>
+  <dgm:styleLbl name="parChTrans2D2">
+    <dgm:scene3d>
+      <a:camera prst="orthographicFront"/>
+      <a:lightRig rig="threePt" dir="t"/>
+    </dgm:scene3d>
+    <dgm:sp3d/>
+    <dgm:txPr/>
+    <dgm:style>
+      <a:lnRef idx="2">
+        <a:scrgbClr r="0" g="0" b="0"/>
+      </a:lnRef>
+      <a:fillRef idx="1">
+        <a:scrgbClr r="0" g="0" b="0"/>
+      </a:fillRef>
+      <a:effectRef idx="0">
+        <a:scrgbClr r="0" g="0" b="0"/>
+      </a:effectRef>
+      <a:fontRef idx="minor">
+        <a:schemeClr val="lt1"/>
+      </a:fontRef>
+    </dgm:style>
+  </dgm:styleLbl>
+  <dgm:styleLbl name="parChTrans2D3">
+    <dgm:scene3d>
+      <a:camera prst="orthographicFront"/>
+      <a:lightRig rig="threePt" dir="t"/>
+    </dgm:scene3d>
+    <dgm:sp3d/>
+    <dgm:txPr/>
+    <dgm:style>
+      <a:lnRef idx="2">
+        <a:scrgbClr r="0" g="0" b="0"/>
+      </a:lnRef>
+      <a:fillRef idx="1">
+        <a:scrgbClr r="0" g="0" b="0"/>
+      </a:fillRef>
+      <a:effectRef idx="0">
+        <a:scrgbClr r="0" g="0" b="0"/>
+      </a:effectRef>
+      <a:fontRef idx="minor">
+        <a:schemeClr val="lt1"/>
+      </a:fontRef>
+    </dgm:style>
+  </dgm:styleLbl>
+  <dgm:styleLbl name="parChTrans2D4">
+    <dgm:scene3d>
+      <a:camera prst="orthographicFront"/>
+      <a:lightRig rig="threePt" dir="t"/>
+    </dgm:scene3d>
+    <dgm:sp3d/>
+    <dgm:txPr/>
+    <dgm:style>
+      <a:lnRef idx="2">
+        <a:scrgbClr r="0" g="0" b="0"/>
+      </a:lnRef>
+      <a:fillRef idx="1">
+        <a:scrgbClr r="0" g="0" b="0"/>
+      </a:fillRef>
+      <a:effectRef idx="0">
+        <a:scrgbClr r="0" g="0" b="0"/>
+      </a:effectRef>
+      <a:fontRef idx="minor">
+        <a:schemeClr val="lt1"/>
+      </a:fontRef>
+    </dgm:style>
+  </dgm:styleLbl>
+  <dgm:styleLbl name="parChTrans1D1">
+    <dgm:scene3d>
+      <a:camera prst="orthographicFront"/>
+      <a:lightRig rig="threePt" dir="t"/>
+    </dgm:scene3d>
+    <dgm:sp3d/>
+    <dgm:txPr/>
+    <dgm:style>
+      <a:lnRef idx="2">
+        <a:scrgbClr r="0" g="0" b="0"/>
+      </a:lnRef>
+      <a:fillRef idx="0">
+        <a:scrgbClr r="0" g="0" b="0"/>
+      </a:fillRef>
+      <a:effectRef idx="0">
+        <a:scrgbClr r="0" g="0" b="0"/>
+      </a:effectRef>
+      <a:fontRef idx="minor"/>
+    </dgm:style>
+  </dgm:styleLbl>
+  <dgm:styleLbl name="parChTrans1D2">
+    <dgm:scene3d>
+      <a:camera prst="orthographicFront"/>
+      <a:lightRig rig="threePt" dir="t"/>
+    </dgm:scene3d>
+    <dgm:sp3d/>
+    <dgm:txPr/>
+    <dgm:style>
+      <a:lnRef idx="2">
+        <a:scrgbClr r="0" g="0" b="0"/>
+      </a:lnRef>
+      <a:fillRef idx="0">
+        <a:scrgbClr r="0" g="0" b="0"/>
+      </a:fillRef>
+      <a:effectRef idx="0">
+        <a:scrgbClr r="0" g="0" b="0"/>
+      </a:effectRef>
+      <a:fontRef idx="minor"/>
+    </dgm:style>
+  </dgm:styleLbl>
+  <dgm:styleLbl name="parChTrans1D3">
+    <dgm:scene3d>
+      <a:camera prst="orthographicFront"/>
+      <a:lightRig rig="threePt" dir="t"/>
+    </dgm:scene3d>
+    <dgm:sp3d/>
+    <dgm:txPr/>
+    <dgm:style>
+      <a:lnRef idx="2">
+        <a:scrgbClr r="0" g="0" b="0"/>
+      </a:lnRef>
+      <a:fillRef idx="0">
+        <a:scrgbClr r="0" g="0" b="0"/>
+      </a:fillRef>
+      <a:effectRef idx="0">
+        <a:scrgbClr r="0" g="0" b="0"/>
+      </a:effectRef>
+      <a:fontRef idx="minor"/>
+    </dgm:style>
+  </dgm:styleLbl>
+  <dgm:styleLbl name="parChTrans1D4">
+    <dgm:scene3d>
+      <a:camera prst="orthographicFront"/>
+      <a:lightRig rig="threePt" dir="t"/>
+    </dgm:scene3d>
+    <dgm:sp3d/>
+    <dgm:txPr/>
+    <dgm:style>
+      <a:lnRef idx="2">
+        <a:scrgbClr r="0" g="0" b="0"/>
+      </a:lnRef>
+      <a:fillRef idx="0">
+        <a:scrgbClr r="0" g="0" b="0"/>
+      </a:fillRef>
+      <a:effectRef idx="0">
+        <a:scrgbClr r="0" g="0" b="0"/>
+      </a:effectRef>
+      <a:fontRef idx="minor"/>
+    </dgm:style>
+  </dgm:styleLbl>
+  <dgm:styleLbl name="fgAcc1">
+    <dgm:scene3d>
+      <a:camera prst="orthographicFront"/>
+      <a:lightRig rig="threePt" dir="t"/>
+    </dgm:scene3d>
+    <dgm:sp3d/>
+    <dgm:txPr/>
+    <dgm:style>
+      <a:lnRef idx="2">
+        <a:scrgbClr r="0" g="0" b="0"/>
+      </a:lnRef>
+      <a:fillRef idx="1">
+        <a:scrgbClr r="0" g="0" b="0"/>
+      </a:fillRef>
+      <a:effectRef idx="0">
+        <a:scrgbClr r="0" g="0" b="0"/>
+      </a:effectRef>
+      <a:fontRef idx="minor"/>
+    </dgm:style>
+  </dgm:styleLbl>
+  <dgm:styleLbl name="conFgAcc1">
+    <dgm:scene3d>
+      <a:camera prst="orthographicFront"/>
+      <a:lightRig rig="threePt" dir="t"/>
+    </dgm:scene3d>
+    <dgm:sp3d/>
+    <dgm:txPr/>
+    <dgm:style>
+      <a:lnRef idx="2">
+        <a:scrgbClr r="0" g="0" b="0"/>
+      </a:lnRef>
+      <a:fillRef idx="1">
+        <a:scrgbClr r="0" g="0" b="0"/>
+      </a:fillRef>
+      <a:effectRef idx="0">
+        <a:scrgbClr r="0" g="0" b="0"/>
+      </a:effectRef>
+      <a:fontRef idx="minor"/>
+    </dgm:style>
+  </dgm:styleLbl>
+  <dgm:styleLbl name="alignAcc1">
+    <dgm:scene3d>
+      <a:camera prst="orthographicFront"/>
+      <a:lightRig rig="threePt" dir="t"/>
+    </dgm:scene3d>
+    <dgm:sp3d/>
+    <dgm:txPr/>
+    <dgm:style>
+      <a:lnRef idx="2">
+        <a:scrgbClr r="0" g="0" b="0"/>
+      </a:lnRef>
+      <a:fillRef idx="1">
+        <a:scrgbClr r="0" g="0" b="0"/>
+      </a:fillRef>
+      <a:effectRef idx="0">
+        <a:scrgbClr r="0" g="0" b="0"/>
+      </a:effectRef>
+      <a:fontRef idx="minor"/>
+    </dgm:style>
+  </dgm:styleLbl>
+  <dgm:styleLbl name="trAlignAcc1">
+    <dgm:scene3d>
+      <a:camera prst="orthographicFront"/>
+      <a:lightRig rig="threePt" dir="t"/>
+    </dgm:scene3d>
+    <dgm:sp3d/>
+    <dgm:txPr/>
+    <dgm:style>
+      <a:lnRef idx="1">
+        <a:scrgbClr r="0" g="0" b="0"/>
+      </a:lnRef>
+      <a:fillRef idx="1">
+        <a:scrgbClr r="0" g="0" b="0"/>
+      </a:fillRef>
+      <a:effectRef idx="0">
+        <a:scrgbClr r="0" g="0" b="0"/>
+      </a:effectRef>
+      <a:fontRef idx="minor"/>
+    </dgm:style>
+  </dgm:styleLbl>
+  <dgm:styleLbl name="bgAcc1">
+    <dgm:scene3d>
+      <a:camera prst="orthographicFront"/>
+      <a:lightRig rig="threePt" dir="t"/>
+    </dgm:scene3d>
+    <dgm:sp3d/>
+    <dgm:txPr/>
+    <dgm:style>
+      <a:lnRef idx="2">
+        <a:scrgbClr r="0" g="0" b="0"/>
+      </a:lnRef>
+      <a:fillRef idx="1">
+        <a:scrgbClr r="0" g="0" b="0"/>
+      </a:fillRef>
+      <a:effectRef idx="0">
+        <a:scrgbClr r="0" g="0" b="0"/>
+      </a:effectRef>
+      <a:fontRef idx="minor"/>
+    </dgm:style>
+  </dgm:styleLbl>
+  <dgm:styleLbl name="solidFgAcc1">
+    <dgm:scene3d>
+      <a:camera prst="orthographicFront"/>
+      <a:lightRig rig="threePt" dir="t"/>
+    </dgm:scene3d>
+    <dgm:sp3d/>
+    <dgm:txPr/>
+    <dgm:style>
+      <a:lnRef idx="2">
+        <a:scrgbClr r="0" g="0" b="0"/>
+      </a:lnRef>
+      <a:fillRef idx="1">
+        <a:scrgbClr r="0" g="0" b="0"/>
+      </a:fillRef>
+      <a:effectRef idx="0">
+        <a:scrgbClr r="0" g="0" b="0"/>
+      </a:effectRef>
+      <a:fontRef idx="minor"/>
+    </dgm:style>
+  </dgm:styleLbl>
+  <dgm:styleLbl name="solidAlignAcc1">
+    <dgm:scene3d>
+      <a:camera prst="orthographicFront"/>
+      <a:lightRig rig="threePt" dir="t"/>
+    </dgm:scene3d>
+    <dgm:sp3d/>
+    <dgm:txPr/>
+    <dgm:style>
+      <a:lnRef idx="2">
+        <a:scrgbClr r="0" g="0" b="0"/>
+      </a:lnRef>
+      <a:fillRef idx="1">
+        <a:scrgbClr r="0" g="0" b="0"/>
+      </a:fillRef>
+      <a:effectRef idx="0">
+        <a:scrgbClr r="0" g="0" b="0"/>
+      </a:effectRef>
+      <a:fontRef idx="minor"/>
+    </dgm:style>
+  </dgm:styleLbl>
+  <dgm:styleLbl name="solidBgAcc1">
+    <dgm:scene3d>
+      <a:camera prst="orthographicFront"/>
+      <a:lightRig rig="threePt" dir="t"/>
+    </dgm:scene3d>
+    <dgm:sp3d/>
+    <dgm:txPr/>
+    <dgm:style>
+      <a:lnRef idx="2">
+        <a:scrgbClr r="0" g="0" b="0"/>
+      </a:lnRef>
+      <a:fillRef idx="1">
+        <a:scrgbClr r="0" g="0" b="0"/>
+      </a:fillRef>
+      <a:effectRef idx="0">
+        <a:scrgbClr r="0" g="0" b="0"/>
+      </a:effectRef>
+      <a:fontRef idx="minor"/>
+    </dgm:style>
+  </dgm:styleLbl>
+  <dgm:styleLbl name="fgAccFollowNode1">
+    <dgm:scene3d>
+      <a:camera prst="orthographicFront"/>
+      <a:lightRig rig="threePt" dir="t"/>
+    </dgm:scene3d>
+    <dgm:sp3d/>
+    <dgm:txPr/>
+    <dgm:style>
+      <a:lnRef idx="2">
+        <a:scrgbClr r="0" g="0" b="0"/>
+      </a:lnRef>
+      <a:fillRef idx="1">
+        <a:scrgbClr r="0" g="0" b="0"/>
+      </a:fillRef>
+      <a:effectRef idx="0">
+        <a:scrgbClr r="0" g="0" b="0"/>
+      </a:effectRef>
+      <a:fontRef idx="minor"/>
+    </dgm:style>
+  </dgm:styleLbl>
+  <dgm:styleLbl name="alignAccFollowNode1">
+    <dgm:scene3d>
+      <a:camera prst="orthographicFront"/>
+      <a:lightRig rig="threePt" dir="t"/>
+    </dgm:scene3d>
+    <dgm:sp3d/>
+    <dgm:txPr/>
+    <dgm:style>
+      <a:lnRef idx="2">
+        <a:scrgbClr r="0" g="0" b="0"/>
+      </a:lnRef>
+      <a:fillRef idx="1">
+        <a:scrgbClr r="0" g="0" b="0"/>
+      </a:fillRef>
+      <a:effectRef idx="0">
+        <a:scrgbClr r="0" g="0" b="0"/>
+      </a:effectRef>
+      <a:fontRef idx="minor"/>
+    </dgm:style>
+  </dgm:styleLbl>
+  <dgm:styleLbl name="bgAccFollowNode1">
+    <dgm:scene3d>
+      <a:camera prst="orthographicFront"/>
+      <a:lightRig rig="threePt" dir="t"/>
+    </dgm:scene3d>
+    <dgm:sp3d/>
+    <dgm:txPr/>
+    <dgm:style>
+      <a:lnRef idx="2">
+        <a:scrgbClr r="0" g="0" b="0"/>
+      </a:lnRef>
+      <a:fillRef idx="1">
+        <a:scrgbClr r="0" g="0" b="0"/>
+      </a:fillRef>
+      <a:effectRef idx="0">
+        <a:scrgbClr r="0" g="0" b="0"/>
+      </a:effectRef>
+      <a:fontRef idx="minor"/>
+    </dgm:style>
+  </dgm:styleLbl>
+  <dgm:styleLbl name="fgAcc0">
+    <dgm:scene3d>
+      <a:camera prst="orthographicFront"/>
+      <a:lightRig rig="threePt" dir="t"/>
+    </dgm:scene3d>
+    <dgm:sp3d/>
+    <dgm:txPr/>
+    <dgm:style>
+      <a:lnRef idx="2">
+        <a:scrgbClr r="0" g="0" b="0"/>
+      </a:lnRef>
+      <a:fillRef idx="1">
+        <a:scrgbClr r="0" g="0" b="0"/>
+      </a:fillRef>
+      <a:effectRef idx="0">
+        <a:scrgbClr r="0" g="0" b="0"/>
+      </a:effectRef>
+      <a:fontRef idx="minor"/>
+    </dgm:style>
+  </dgm:styleLbl>
+  <dgm:styleLbl name="fgAcc2">
+    <dgm:scene3d>
+      <a:camera prst="orthographicFront"/>
+      <a:lightRig rig="threePt" dir="t"/>
+    </dgm:scene3d>
+    <dgm:sp3d/>
+    <dgm:txPr/>
+    <dgm:style>
+      <a:lnRef idx="2">
+        <a:scrgbClr r="0" g="0" b="0"/>
+      </a:lnRef>
+      <a:fillRef idx="1">
+        <a:scrgbClr r="0" g="0" b="0"/>
+      </a:fillRef>
+      <a:effectRef idx="0">
+        <a:scrgbClr r="0" g="0" b="0"/>
+      </a:effectRef>
+      <a:fontRef idx="minor"/>
+    </dgm:style>
+  </dgm:styleLbl>
+  <dgm:styleLbl name="fgAcc3">
+    <dgm:scene3d>
+      <a:camera prst="orthographicFront"/>
+      <a:lightRig rig="threePt" dir="t"/>
+    </dgm:scene3d>
+    <dgm:sp3d/>
+    <dgm:txPr/>
+    <dgm:style>
+      <a:lnRef idx="2">
+        <a:scrgbClr r="0" g="0" b="0"/>
+      </a:lnRef>
+      <a:fillRef idx="1">
+        <a:scrgbClr r="0" g="0" b="0"/>
+      </a:fillRef>
+      <a:effectRef idx="0">
+        <a:scrgbClr r="0" g="0" b="0"/>
+      </a:effectRef>
+      <a:fontRef idx="minor"/>
+    </dgm:style>
+  </dgm:styleLbl>
+  <dgm:styleLbl name="fgAcc4">
+    <dgm:scene3d>
+      <a:camera prst="orthographicFront"/>
+      <a:lightRig rig="threePt" dir="t"/>
+    </dgm:scene3d>
+    <dgm:sp3d/>
+    <dgm:txPr/>
+    <dgm:style>
+      <a:lnRef idx="2">
+        <a:scrgbClr r="0" g="0" b="0"/>
+      </a:lnRef>
+      <a:fillRef idx="1">
+        <a:scrgbClr r="0" g="0" b="0"/>
+      </a:fillRef>
+      <a:effectRef idx="0">
+        <a:scrgbClr r="0" g="0" b="0"/>
+      </a:effectRef>
+      <a:fontRef idx="minor"/>
+    </dgm:style>
+  </dgm:styleLbl>
+  <dgm:styleLbl name="bgShp">
+    <dgm:scene3d>
+      <a:camera prst="orthographicFront"/>
+      <a:lightRig rig="threePt" dir="t"/>
+    </dgm:scene3d>
+    <dgm:sp3d/>
+    <dgm:txPr/>
+    <dgm:style>
+      <a:lnRef idx="0">
+        <a:scrgbClr r="0" g="0" b="0"/>
+      </a:lnRef>
+      <a:fillRef idx="1">
+        <a:scrgbClr r="0" g="0" b="0"/>
+      </a:fillRef>
+      <a:effectRef idx="0">
+        <a:scrgbClr r="0" g="0" b="0"/>
+      </a:effectRef>
+      <a:fontRef idx="minor"/>
+    </dgm:style>
+  </dgm:styleLbl>
+  <dgm:styleLbl name="dkBgShp">
+    <dgm:scene3d>
+      <a:camera prst="orthographicFront"/>
+      <a:lightRig rig="threePt" dir="t"/>
+    </dgm:scene3d>
+    <dgm:sp3d/>
+    <dgm:txPr/>
+    <dgm:style>
+      <a:lnRef idx="0">
+        <a:scrgbClr r="0" g="0" b="0"/>
+      </a:lnRef>
+      <a:fillRef idx="1">
+        <a:scrgbClr r="0" g="0" b="0"/>
+      </a:fillRef>
+      <a:effectRef idx="0">
+        <a:scrgbClr r="0" g="0" b="0"/>
+      </a:effectRef>
+      <a:fontRef idx="minor"/>
+    </dgm:style>
+  </dgm:styleLbl>
+  <dgm:styleLbl name="trBgShp">
+    <dgm:scene3d>
+      <a:camera prst="orthographicFront"/>
+      <a:lightRig rig="threePt" dir="t"/>
+    </dgm:scene3d>
+    <dgm:sp3d/>
+    <dgm:txPr/>
+    <dgm:style>
+      <a:lnRef idx="0">
+        <a:scrgbClr r="0" g="0" b="0"/>
+      </a:lnRef>
+      <a:fillRef idx="1">
+        <a:scrgbClr r="0" g="0" b="0"/>
+      </a:fillRef>
+      <a:effectRef idx="0">
+        <a:scrgbClr r="0" g="0" b="0"/>
+      </a:effectRef>
+      <a:fontRef idx="minor"/>
+    </dgm:style>
+  </dgm:styleLbl>
+  <dgm:styleLbl name="fgShp">
+    <dgm:scene3d>
+      <a:camera prst="orthographicFront"/>
+      <a:lightRig rig="threePt" dir="t"/>
+    </dgm:scene3d>
+    <dgm:sp3d/>
+    <dgm:txPr/>
+    <dgm:style>
+      <a:lnRef idx="2">
+        <a:scrgbClr r="0" g="0" b="0"/>
+      </a:lnRef>
+      <a:fillRef idx="1">
+        <a:scrgbClr r="0" g="0" b="0"/>
+      </a:fillRef>
+      <a:effectRef idx="0">
+        <a:scrgbClr r="0" g="0" b="0"/>
+      </a:effectRef>
+      <a:fontRef idx="minor"/>
+    </dgm:style>
+  </dgm:styleLbl>
+  <dgm:styleLbl name="revTx">
+    <dgm:scene3d>
+      <a:camera prst="orthographicFront"/>
+      <a:lightRig rig="threePt" dir="t"/>
+    </dgm:scene3d>
+    <dgm:sp3d/>
+    <dgm:txPr/>
+    <dgm:style>
+      <a:lnRef idx="0">
+        <a:scrgbClr r="0" g="0" b="0"/>
+      </a:lnRef>
+      <a:fillRef idx="0">
+        <a:scrgbClr r="0" g="0" b="0"/>
+      </a:fillRef>
+      <a:effectRef idx="0">
+        <a:scrgbClr r="0" g="0" b="0"/>
+      </a:effectRef>
+      <a:fontRef idx="minor"/>
+    </dgm:style>
+  </dgm:styleLbl>
+</dgm:styleDef>
+</file>
+
+<file path=ppt/diagrams/quickStyle2.xml><?xml version="1.0" encoding="utf-8"?>
 <dgm:styleDef xmlns:dgm="http://schemas.openxmlformats.org/drawingml/2006/diagram" xmlns:a="http://schemas.openxmlformats.org/drawingml/2006/main" uniqueId="urn:microsoft.com/office/officeart/2005/8/quickstyle/simple1">
   <dgm:title val=""/>
   <dgm:desc val=""/>
@@ -3012,7 +5788,7 @@
           <a:p>
             <a:fld id="{1C0F8777-1296-8B4D-9BD4-528A6F96FB80}" type="datetimeFigureOut">
               <a:rPr lang="en-US" smtClean="0"/>
-              <a:t>1/10/23</a:t>
+              <a:t>3/15/23</a:t>
             </a:fld>
             <a:endParaRPr lang="pt-BR" dirty="0"/>
           </a:p>
@@ -3461,7 +6237,7 @@
           <a:p>
             <a:fld id="{8CEE3E6A-85A8-0947-B623-4BBAB6FD848A}" type="datetimeFigureOut">
               <a:rPr lang="en-US" smtClean="0"/>
-              <a:t>1/10/23</a:t>
+              <a:t>3/15/23</a:t>
             </a:fld>
             <a:endParaRPr lang="pt-BR" dirty="0"/>
           </a:p>
@@ -3631,7 +6407,7 @@
           <a:p>
             <a:fld id="{8CEE3E6A-85A8-0947-B623-4BBAB6FD848A}" type="datetimeFigureOut">
               <a:rPr lang="en-US" smtClean="0"/>
-              <a:t>1/10/23</a:t>
+              <a:t>3/15/23</a:t>
             </a:fld>
             <a:endParaRPr lang="pt-BR" dirty="0"/>
           </a:p>
@@ -3811,7 +6587,7 @@
           <a:p>
             <a:fld id="{8CEE3E6A-85A8-0947-B623-4BBAB6FD848A}" type="datetimeFigureOut">
               <a:rPr lang="en-US" smtClean="0"/>
-              <a:t>1/10/23</a:t>
+              <a:t>3/15/23</a:t>
             </a:fld>
             <a:endParaRPr lang="pt-BR" dirty="0"/>
           </a:p>
@@ -3981,7 +6757,7 @@
           <a:p>
             <a:fld id="{8CEE3E6A-85A8-0947-B623-4BBAB6FD848A}" type="datetimeFigureOut">
               <a:rPr lang="en-US" smtClean="0"/>
-              <a:t>1/10/23</a:t>
+              <a:t>3/15/23</a:t>
             </a:fld>
             <a:endParaRPr lang="pt-BR" dirty="0"/>
           </a:p>
@@ -4227,7 +7003,7 @@
           <a:p>
             <a:fld id="{8CEE3E6A-85A8-0947-B623-4BBAB6FD848A}" type="datetimeFigureOut">
               <a:rPr lang="en-US" smtClean="0"/>
-              <a:t>1/10/23</a:t>
+              <a:t>3/15/23</a:t>
             </a:fld>
             <a:endParaRPr lang="pt-BR" dirty="0"/>
           </a:p>
@@ -4515,7 +7291,7 @@
           <a:p>
             <a:fld id="{8CEE3E6A-85A8-0947-B623-4BBAB6FD848A}" type="datetimeFigureOut">
               <a:rPr lang="en-US" smtClean="0"/>
-              <a:t>1/10/23</a:t>
+              <a:t>3/15/23</a:t>
             </a:fld>
             <a:endParaRPr lang="pt-BR" dirty="0"/>
           </a:p>
@@ -4937,7 +7713,7 @@
           <a:p>
             <a:fld id="{8CEE3E6A-85A8-0947-B623-4BBAB6FD848A}" type="datetimeFigureOut">
               <a:rPr lang="en-US" smtClean="0"/>
-              <a:t>1/10/23</a:t>
+              <a:t>3/15/23</a:t>
             </a:fld>
             <a:endParaRPr lang="pt-BR" dirty="0"/>
           </a:p>
@@ -5055,7 +7831,7 @@
           <a:p>
             <a:fld id="{8CEE3E6A-85A8-0947-B623-4BBAB6FD848A}" type="datetimeFigureOut">
               <a:rPr lang="en-US" smtClean="0"/>
-              <a:t>1/10/23</a:t>
+              <a:t>3/15/23</a:t>
             </a:fld>
             <a:endParaRPr lang="pt-BR" dirty="0"/>
           </a:p>
@@ -5150,7 +7926,7 @@
           <a:p>
             <a:fld id="{8CEE3E6A-85A8-0947-B623-4BBAB6FD848A}" type="datetimeFigureOut">
               <a:rPr lang="en-US" smtClean="0"/>
-              <a:t>1/10/23</a:t>
+              <a:t>3/15/23</a:t>
             </a:fld>
             <a:endParaRPr lang="pt-BR" dirty="0"/>
           </a:p>
@@ -5427,7 +8203,7 @@
           <a:p>
             <a:fld id="{8CEE3E6A-85A8-0947-B623-4BBAB6FD848A}" type="datetimeFigureOut">
               <a:rPr lang="en-US" smtClean="0"/>
-              <a:t>1/10/23</a:t>
+              <a:t>3/15/23</a:t>
             </a:fld>
             <a:endParaRPr lang="pt-BR" dirty="0"/>
           </a:p>
@@ -5680,7 +8456,7 @@
           <a:p>
             <a:fld id="{8CEE3E6A-85A8-0947-B623-4BBAB6FD848A}" type="datetimeFigureOut">
               <a:rPr lang="en-US" smtClean="0"/>
-              <a:t>1/10/23</a:t>
+              <a:t>3/15/23</a:t>
             </a:fld>
             <a:endParaRPr lang="pt-BR" dirty="0"/>
           </a:p>
@@ -5893,7 +8669,7 @@
           <a:p>
             <a:fld id="{8CEE3E6A-85A8-0947-B623-4BBAB6FD848A}" type="datetimeFigureOut">
               <a:rPr lang="en-US" smtClean="0"/>
-              <a:t>1/10/23</a:t>
+              <a:t>3/15/23</a:t>
             </a:fld>
             <a:endParaRPr lang="pt-BR" dirty="0"/>
           </a:p>
@@ -6364,17 +9140,8 @@
                   </a:schemeClr>
                 </a:solidFill>
               </a:rPr>
-              <a:t>Framing AI problems</a:t>
-            </a:r>
-          </a:p>
-          <a:p>
-            <a:endParaRPr lang="en-US" dirty="0">
-              <a:solidFill>
-                <a:schemeClr val="accent1">
-                  <a:lumMod val="75000"/>
-                </a:schemeClr>
-              </a:solidFill>
-            </a:endParaRPr>
+              <a:t>Neural Networks, AI Problem Solving</a:t>
+            </a:r>
           </a:p>
         </p:txBody>
       </p:sp>
@@ -6601,6 +9368,972 @@
 </p:sld>
 </file>
 
+<file path=ppt/slides/slide10.xml><?xml version="1.0" encoding="utf-8"?>
+<p:sld xmlns:a="http://schemas.openxmlformats.org/drawingml/2006/main" xmlns:r="http://schemas.openxmlformats.org/officeDocument/2006/relationships" xmlns:p="http://schemas.openxmlformats.org/presentationml/2006/main">
+  <p:cSld>
+    <p:spTree>
+      <p:nvGrpSpPr>
+        <p:cNvPr id="1" name=""/>
+        <p:cNvGrpSpPr/>
+        <p:nvPr/>
+      </p:nvGrpSpPr>
+      <p:grpSpPr>
+        <a:xfrm>
+          <a:off x="0" y="0"/>
+          <a:ext cx="0" cy="0"/>
+          <a:chOff x="0" y="0"/>
+          <a:chExt cx="0" cy="0"/>
+        </a:xfrm>
+      </p:grpSpPr>
+      <p:sp>
+        <p:nvSpPr>
+          <p:cNvPr id="4" name="Slide Number Placeholder 3"/>
+          <p:cNvSpPr>
+            <a:spLocks noGrp="1"/>
+          </p:cNvSpPr>
+          <p:nvPr>
+            <p:ph type="sldNum" sz="quarter" idx="12"/>
+          </p:nvPr>
+        </p:nvSpPr>
+        <p:spPr/>
+        <p:txBody>
+          <a:bodyPr/>
+          <a:lstStyle/>
+          <a:p>
+            <a:fld id="{0FB56013-B943-42BA-886F-6F9D4EB85E9D}" type="slidenum">
+              <a:rPr lang="en-US" smtClean="0"/>
+              <a:t>10</a:t>
+            </a:fld>
+            <a:endParaRPr lang="en-US" dirty="0"/>
+          </a:p>
+        </p:txBody>
+      </p:sp>
+      <p:sp>
+        <p:nvSpPr>
+          <p:cNvPr id="6" name="Content Placeholder 5">
+            <a:extLst>
+              <a:ext uri="{FF2B5EF4-FFF2-40B4-BE49-F238E27FC236}">
+                <a16:creationId xmlns:a16="http://schemas.microsoft.com/office/drawing/2014/main" id="{4B87407F-22EF-164A-B8D0-05F7590CAC45}"/>
+              </a:ext>
+            </a:extLst>
+          </p:cNvPr>
+          <p:cNvSpPr>
+            <a:spLocks noGrp="1"/>
+          </p:cNvSpPr>
+          <p:nvPr>
+            <p:ph idx="1"/>
+          </p:nvPr>
+        </p:nvSpPr>
+        <p:spPr>
+          <a:xfrm>
+            <a:off x="292608" y="1539912"/>
+            <a:ext cx="8394192" cy="4756150"/>
+          </a:xfrm>
+        </p:spPr>
+        <p:txBody>
+          <a:bodyPr>
+            <a:normAutofit/>
+          </a:bodyPr>
+          <a:lstStyle/>
+          <a:p>
+            <a:pPr marL="0" indent="0">
+              <a:buNone/>
+            </a:pPr>
+            <a:endParaRPr lang="en-US" dirty="0"/>
+          </a:p>
+          <a:p>
+            <a:pPr marL="914400" lvl="2" indent="0">
+              <a:buNone/>
+            </a:pPr>
+            <a:endParaRPr lang="en-US" dirty="0"/>
+          </a:p>
+          <a:p>
+            <a:pPr marL="0" indent="0">
+              <a:buNone/>
+            </a:pPr>
+            <a:endParaRPr lang="en-US" dirty="0"/>
+          </a:p>
+        </p:txBody>
+      </p:sp>
+      <p:sp>
+        <p:nvSpPr>
+          <p:cNvPr id="8" name="Title 7">
+            <a:extLst>
+              <a:ext uri="{FF2B5EF4-FFF2-40B4-BE49-F238E27FC236}">
+                <a16:creationId xmlns:a16="http://schemas.microsoft.com/office/drawing/2014/main" id="{CE78B427-23CA-1B49-946D-516FA9390E5C}"/>
+              </a:ext>
+            </a:extLst>
+          </p:cNvPr>
+          <p:cNvSpPr>
+            <a:spLocks noGrp="1"/>
+          </p:cNvSpPr>
+          <p:nvPr>
+            <p:ph type="title"/>
+          </p:nvPr>
+        </p:nvSpPr>
+        <p:spPr/>
+        <p:txBody>
+          <a:bodyPr>
+            <a:normAutofit/>
+          </a:bodyPr>
+          <a:lstStyle/>
+          <a:p>
+            <a:r>
+              <a:rPr lang="en-US" sz="3200" dirty="0">
+                <a:solidFill>
+                  <a:schemeClr val="tx2">
+                    <a:lumMod val="60000"/>
+                    <a:lumOff val="40000"/>
+                  </a:schemeClr>
+                </a:solidFill>
+                <a:latin typeface="Arial" panose="020B0604020202020204" pitchFamily="34" charset="0"/>
+                <a:cs typeface="Arial" panose="020B0604020202020204" pitchFamily="34" charset="0"/>
+              </a:rPr>
+              <a:t>Project priority</a:t>
+            </a:r>
+          </a:p>
+        </p:txBody>
+      </p:sp>
+      <p:graphicFrame>
+        <p:nvGraphicFramePr>
+          <p:cNvPr id="5" name="Diagram 4">
+            <a:extLst>
+              <a:ext uri="{FF2B5EF4-FFF2-40B4-BE49-F238E27FC236}">
+                <a16:creationId xmlns:a16="http://schemas.microsoft.com/office/drawing/2014/main" id="{3B82E116-EAFC-DE24-7E91-EA36B6204194}"/>
+              </a:ext>
+            </a:extLst>
+          </p:cNvPr>
+          <p:cNvGraphicFramePr/>
+          <p:nvPr>
+            <p:extLst>
+              <p:ext uri="{D42A27DB-BD31-4B8C-83A1-F6EECF244321}">
+                <p14:modId xmlns:p14="http://schemas.microsoft.com/office/powerpoint/2010/main" val="2652116564"/>
+              </p:ext>
+            </p:extLst>
+          </p:nvPr>
+        </p:nvGraphicFramePr>
+        <p:xfrm>
+          <a:off x="1426074" y="1671638"/>
+          <a:ext cx="7162800" cy="5186362"/>
+        </p:xfrm>
+        <a:graphic>
+          <a:graphicData uri="http://schemas.openxmlformats.org/drawingml/2006/diagram">
+            <dgm:relIds xmlns:dgm="http://schemas.openxmlformats.org/drawingml/2006/diagram" xmlns:r="http://schemas.openxmlformats.org/officeDocument/2006/relationships" r:dm="rId2" r:lo="rId3" r:qs="rId4" r:cs="rId5"/>
+          </a:graphicData>
+        </a:graphic>
+      </p:graphicFrame>
+      <p:sp>
+        <p:nvSpPr>
+          <p:cNvPr id="7" name="TextBox 6">
+            <a:extLst>
+              <a:ext uri="{FF2B5EF4-FFF2-40B4-BE49-F238E27FC236}">
+                <a16:creationId xmlns:a16="http://schemas.microsoft.com/office/drawing/2014/main" id="{25EC96BD-29D7-384C-3FCE-FFE88A808C62}"/>
+              </a:ext>
+            </a:extLst>
+          </p:cNvPr>
+          <p:cNvSpPr txBox="1"/>
+          <p:nvPr/>
+        </p:nvSpPr>
+        <p:spPr>
+          <a:xfrm>
+            <a:off x="893135" y="2689156"/>
+            <a:ext cx="921406" cy="369332"/>
+          </a:xfrm>
+          <a:prstGeom prst="rect">
+            <a:avLst/>
+          </a:prstGeom>
+          <a:noFill/>
+        </p:spPr>
+        <p:txBody>
+          <a:bodyPr wrap="none" rtlCol="0">
+            <a:spAutoFit/>
+          </a:bodyPr>
+          <a:lstStyle/>
+          <a:p>
+            <a:r>
+              <a:rPr lang="en-US" dirty="0"/>
+              <a:t>Difficult</a:t>
+            </a:r>
+          </a:p>
+        </p:txBody>
+      </p:sp>
+      <p:sp>
+        <p:nvSpPr>
+          <p:cNvPr id="9" name="TextBox 8">
+            <a:extLst>
+              <a:ext uri="{FF2B5EF4-FFF2-40B4-BE49-F238E27FC236}">
+                <a16:creationId xmlns:a16="http://schemas.microsoft.com/office/drawing/2014/main" id="{0B141E31-228C-35A3-50C3-21688047619C}"/>
+              </a:ext>
+            </a:extLst>
+          </p:cNvPr>
+          <p:cNvSpPr txBox="1"/>
+          <p:nvPr/>
+        </p:nvSpPr>
+        <p:spPr>
+          <a:xfrm>
+            <a:off x="893135" y="5186362"/>
+            <a:ext cx="593432" cy="369332"/>
+          </a:xfrm>
+          <a:prstGeom prst="rect">
+            <a:avLst/>
+          </a:prstGeom>
+          <a:noFill/>
+        </p:spPr>
+        <p:txBody>
+          <a:bodyPr wrap="none" rtlCol="0">
+            <a:spAutoFit/>
+          </a:bodyPr>
+          <a:lstStyle/>
+          <a:p>
+            <a:r>
+              <a:rPr lang="en-US" dirty="0"/>
+              <a:t>Easy</a:t>
+            </a:r>
+          </a:p>
+        </p:txBody>
+      </p:sp>
+      <p:sp>
+        <p:nvSpPr>
+          <p:cNvPr id="10" name="TextBox 9">
+            <a:extLst>
+              <a:ext uri="{FF2B5EF4-FFF2-40B4-BE49-F238E27FC236}">
+                <a16:creationId xmlns:a16="http://schemas.microsoft.com/office/drawing/2014/main" id="{88ECD38E-6FC9-CF66-5727-9D256B3EBD6E}"/>
+              </a:ext>
+            </a:extLst>
+          </p:cNvPr>
+          <p:cNvSpPr txBox="1"/>
+          <p:nvPr/>
+        </p:nvSpPr>
+        <p:spPr>
+          <a:xfrm>
+            <a:off x="2967824" y="1435691"/>
+            <a:ext cx="1250471" cy="369332"/>
+          </a:xfrm>
+          <a:prstGeom prst="rect">
+            <a:avLst/>
+          </a:prstGeom>
+          <a:noFill/>
+        </p:spPr>
+        <p:txBody>
+          <a:bodyPr wrap="none" rtlCol="0">
+            <a:spAutoFit/>
+          </a:bodyPr>
+          <a:lstStyle/>
+          <a:p>
+            <a:r>
+              <a:rPr lang="en-US" dirty="0"/>
+              <a:t>Good value</a:t>
+            </a:r>
+          </a:p>
+        </p:txBody>
+      </p:sp>
+      <p:sp>
+        <p:nvSpPr>
+          <p:cNvPr id="11" name="TextBox 10">
+            <a:extLst>
+              <a:ext uri="{FF2B5EF4-FFF2-40B4-BE49-F238E27FC236}">
+                <a16:creationId xmlns:a16="http://schemas.microsoft.com/office/drawing/2014/main" id="{3B54B961-E6A3-E448-9D66-089400E24796}"/>
+              </a:ext>
+            </a:extLst>
+          </p:cNvPr>
+          <p:cNvSpPr txBox="1"/>
+          <p:nvPr/>
+        </p:nvSpPr>
+        <p:spPr>
+          <a:xfrm>
+            <a:off x="5514646" y="1435691"/>
+            <a:ext cx="1184940" cy="369332"/>
+          </a:xfrm>
+          <a:prstGeom prst="rect">
+            <a:avLst/>
+          </a:prstGeom>
+          <a:noFill/>
+        </p:spPr>
+        <p:txBody>
+          <a:bodyPr wrap="none" rtlCol="0">
+            <a:spAutoFit/>
+          </a:bodyPr>
+          <a:lstStyle/>
+          <a:p>
+            <a:r>
+              <a:rPr lang="en-US" dirty="0"/>
+              <a:t>High Value</a:t>
+            </a:r>
+          </a:p>
+        </p:txBody>
+      </p:sp>
+    </p:spTree>
+    <p:extLst>
+      <p:ext uri="{BB962C8B-B14F-4D97-AF65-F5344CB8AC3E}">
+        <p14:creationId xmlns:p14="http://schemas.microsoft.com/office/powerpoint/2010/main" val="3806114923"/>
+      </p:ext>
+    </p:extLst>
+  </p:cSld>
+  <p:clrMapOvr>
+    <a:masterClrMapping/>
+  </p:clrMapOvr>
+</p:sld>
+</file>
+
+<file path=ppt/slides/slide11.xml><?xml version="1.0" encoding="utf-8"?>
+<p:sld xmlns:a="http://schemas.openxmlformats.org/drawingml/2006/main" xmlns:r="http://schemas.openxmlformats.org/officeDocument/2006/relationships" xmlns:p="http://schemas.openxmlformats.org/presentationml/2006/main">
+  <p:cSld>
+    <p:spTree>
+      <p:nvGrpSpPr>
+        <p:cNvPr id="1" name=""/>
+        <p:cNvGrpSpPr/>
+        <p:nvPr/>
+      </p:nvGrpSpPr>
+      <p:grpSpPr>
+        <a:xfrm>
+          <a:off x="0" y="0"/>
+          <a:ext cx="0" cy="0"/>
+          <a:chOff x="0" y="0"/>
+          <a:chExt cx="0" cy="0"/>
+        </a:xfrm>
+      </p:grpSpPr>
+      <p:sp>
+        <p:nvSpPr>
+          <p:cNvPr id="4" name="Slide Number Placeholder 3"/>
+          <p:cNvSpPr>
+            <a:spLocks noGrp="1"/>
+          </p:cNvSpPr>
+          <p:nvPr>
+            <p:ph type="sldNum" sz="quarter" idx="12"/>
+          </p:nvPr>
+        </p:nvSpPr>
+        <p:spPr/>
+        <p:txBody>
+          <a:bodyPr/>
+          <a:lstStyle/>
+          <a:p>
+            <a:fld id="{0FB56013-B943-42BA-886F-6F9D4EB85E9D}" type="slidenum">
+              <a:rPr lang="en-US" smtClean="0"/>
+              <a:t>11</a:t>
+            </a:fld>
+            <a:endParaRPr lang="en-US" dirty="0"/>
+          </a:p>
+        </p:txBody>
+      </p:sp>
+      <p:sp>
+        <p:nvSpPr>
+          <p:cNvPr id="6" name="Content Placeholder 5">
+            <a:extLst>
+              <a:ext uri="{FF2B5EF4-FFF2-40B4-BE49-F238E27FC236}">
+                <a16:creationId xmlns:a16="http://schemas.microsoft.com/office/drawing/2014/main" id="{4B87407F-22EF-164A-B8D0-05F7590CAC45}"/>
+              </a:ext>
+            </a:extLst>
+          </p:cNvPr>
+          <p:cNvSpPr>
+            <a:spLocks noGrp="1"/>
+          </p:cNvSpPr>
+          <p:nvPr>
+            <p:ph idx="1"/>
+          </p:nvPr>
+        </p:nvSpPr>
+        <p:spPr>
+          <a:xfrm>
+            <a:off x="292608" y="1539912"/>
+            <a:ext cx="8394192" cy="4756150"/>
+          </a:xfrm>
+        </p:spPr>
+        <p:txBody>
+          <a:bodyPr>
+            <a:normAutofit/>
+          </a:bodyPr>
+          <a:lstStyle/>
+          <a:p>
+            <a:pPr marL="0" indent="0">
+              <a:buNone/>
+            </a:pPr>
+            <a:endParaRPr lang="en-US" dirty="0"/>
+          </a:p>
+          <a:p>
+            <a:pPr marL="914400" lvl="2" indent="0">
+              <a:buNone/>
+            </a:pPr>
+            <a:endParaRPr lang="en-US" dirty="0"/>
+          </a:p>
+          <a:p>
+            <a:pPr marL="0" indent="0">
+              <a:buNone/>
+            </a:pPr>
+            <a:endParaRPr lang="en-US" dirty="0"/>
+          </a:p>
+        </p:txBody>
+      </p:sp>
+      <p:sp>
+        <p:nvSpPr>
+          <p:cNvPr id="8" name="Title 7">
+            <a:extLst>
+              <a:ext uri="{FF2B5EF4-FFF2-40B4-BE49-F238E27FC236}">
+                <a16:creationId xmlns:a16="http://schemas.microsoft.com/office/drawing/2014/main" id="{CE78B427-23CA-1B49-946D-516FA9390E5C}"/>
+              </a:ext>
+            </a:extLst>
+          </p:cNvPr>
+          <p:cNvSpPr>
+            <a:spLocks noGrp="1"/>
+          </p:cNvSpPr>
+          <p:nvPr>
+            <p:ph type="title"/>
+          </p:nvPr>
+        </p:nvSpPr>
+        <p:spPr/>
+        <p:txBody>
+          <a:bodyPr>
+            <a:normAutofit/>
+          </a:bodyPr>
+          <a:lstStyle/>
+          <a:p>
+            <a:r>
+              <a:rPr lang="en-US" sz="3200" dirty="0">
+                <a:solidFill>
+                  <a:schemeClr val="tx2">
+                    <a:lumMod val="60000"/>
+                    <a:lumOff val="40000"/>
+                  </a:schemeClr>
+                </a:solidFill>
+                <a:latin typeface="Arial" panose="020B0604020202020204" pitchFamily="34" charset="0"/>
+                <a:cs typeface="Arial" panose="020B0604020202020204" pitchFamily="34" charset="0"/>
+              </a:rPr>
+              <a:t>Project outcomes</a:t>
+            </a:r>
+          </a:p>
+        </p:txBody>
+      </p:sp>
+      <p:graphicFrame>
+        <p:nvGraphicFramePr>
+          <p:cNvPr id="5" name="Diagram 4">
+            <a:extLst>
+              <a:ext uri="{FF2B5EF4-FFF2-40B4-BE49-F238E27FC236}">
+                <a16:creationId xmlns:a16="http://schemas.microsoft.com/office/drawing/2014/main" id="{3B82E116-EAFC-DE24-7E91-EA36B6204194}"/>
+              </a:ext>
+            </a:extLst>
+          </p:cNvPr>
+          <p:cNvGraphicFramePr/>
+          <p:nvPr/>
+        </p:nvGraphicFramePr>
+        <p:xfrm>
+          <a:off x="1426074" y="1671638"/>
+          <a:ext cx="7162800" cy="5186362"/>
+        </p:xfrm>
+        <a:graphic>
+          <a:graphicData uri="http://schemas.openxmlformats.org/drawingml/2006/diagram">
+            <dgm:relIds xmlns:dgm="http://schemas.openxmlformats.org/drawingml/2006/diagram" xmlns:r="http://schemas.openxmlformats.org/officeDocument/2006/relationships" r:dm="rId2" r:lo="rId3" r:qs="rId4" r:cs="rId5"/>
+          </a:graphicData>
+        </a:graphic>
+      </p:graphicFrame>
+      <p:sp>
+        <p:nvSpPr>
+          <p:cNvPr id="7" name="TextBox 6">
+            <a:extLst>
+              <a:ext uri="{FF2B5EF4-FFF2-40B4-BE49-F238E27FC236}">
+                <a16:creationId xmlns:a16="http://schemas.microsoft.com/office/drawing/2014/main" id="{25EC96BD-29D7-384C-3FCE-FFE88A808C62}"/>
+              </a:ext>
+            </a:extLst>
+          </p:cNvPr>
+          <p:cNvSpPr txBox="1"/>
+          <p:nvPr/>
+        </p:nvSpPr>
+        <p:spPr>
+          <a:xfrm>
+            <a:off x="893135" y="2689156"/>
+            <a:ext cx="1416542" cy="369332"/>
+          </a:xfrm>
+          <a:prstGeom prst="rect">
+            <a:avLst/>
+          </a:prstGeom>
+          <a:noFill/>
+        </p:spPr>
+        <p:txBody>
+          <a:bodyPr wrap="none" rtlCol="0">
+            <a:spAutoFit/>
+          </a:bodyPr>
+          <a:lstStyle/>
+          <a:p>
+            <a:r>
+              <a:rPr lang="en-US" dirty="0"/>
+              <a:t>Good Results</a:t>
+            </a:r>
+          </a:p>
+        </p:txBody>
+      </p:sp>
+      <p:sp>
+        <p:nvSpPr>
+          <p:cNvPr id="9" name="TextBox 8">
+            <a:extLst>
+              <a:ext uri="{FF2B5EF4-FFF2-40B4-BE49-F238E27FC236}">
+                <a16:creationId xmlns:a16="http://schemas.microsoft.com/office/drawing/2014/main" id="{0B141E31-228C-35A3-50C3-21688047619C}"/>
+              </a:ext>
+            </a:extLst>
+          </p:cNvPr>
+          <p:cNvSpPr txBox="1"/>
+          <p:nvPr/>
+        </p:nvSpPr>
+        <p:spPr>
+          <a:xfrm>
+            <a:off x="893135" y="5186362"/>
+            <a:ext cx="1262653" cy="369332"/>
+          </a:xfrm>
+          <a:prstGeom prst="rect">
+            <a:avLst/>
+          </a:prstGeom>
+          <a:noFill/>
+        </p:spPr>
+        <p:txBody>
+          <a:bodyPr wrap="none" rtlCol="0">
+            <a:spAutoFit/>
+          </a:bodyPr>
+          <a:lstStyle/>
+          <a:p>
+            <a:r>
+              <a:rPr lang="en-US" dirty="0"/>
+              <a:t>Bad Results</a:t>
+            </a:r>
+          </a:p>
+        </p:txBody>
+      </p:sp>
+      <p:sp>
+        <p:nvSpPr>
+          <p:cNvPr id="10" name="TextBox 9">
+            <a:extLst>
+              <a:ext uri="{FF2B5EF4-FFF2-40B4-BE49-F238E27FC236}">
+                <a16:creationId xmlns:a16="http://schemas.microsoft.com/office/drawing/2014/main" id="{88ECD38E-6FC9-CF66-5727-9D256B3EBD6E}"/>
+              </a:ext>
+            </a:extLst>
+          </p:cNvPr>
+          <p:cNvSpPr txBox="1"/>
+          <p:nvPr/>
+        </p:nvSpPr>
+        <p:spPr>
+          <a:xfrm>
+            <a:off x="2714846" y="1435691"/>
+            <a:ext cx="2035685" cy="369332"/>
+          </a:xfrm>
+          <a:prstGeom prst="rect">
+            <a:avLst/>
+          </a:prstGeom>
+          <a:noFill/>
+        </p:spPr>
+        <p:txBody>
+          <a:bodyPr wrap="none" rtlCol="0">
+            <a:spAutoFit/>
+          </a:bodyPr>
+          <a:lstStyle/>
+          <a:p>
+            <a:r>
+              <a:rPr lang="en-US" dirty="0"/>
+              <a:t>Continue improving</a:t>
+            </a:r>
+          </a:p>
+        </p:txBody>
+      </p:sp>
+      <p:sp>
+        <p:nvSpPr>
+          <p:cNvPr id="11" name="TextBox 10">
+            <a:extLst>
+              <a:ext uri="{FF2B5EF4-FFF2-40B4-BE49-F238E27FC236}">
+                <a16:creationId xmlns:a16="http://schemas.microsoft.com/office/drawing/2014/main" id="{3B54B961-E6A3-E448-9D66-089400E24796}"/>
+              </a:ext>
+            </a:extLst>
+          </p:cNvPr>
+          <p:cNvSpPr txBox="1"/>
+          <p:nvPr/>
+        </p:nvSpPr>
+        <p:spPr>
+          <a:xfrm>
+            <a:off x="5514646" y="1435691"/>
+            <a:ext cx="1605952" cy="369332"/>
+          </a:xfrm>
+          <a:prstGeom prst="rect">
+            <a:avLst/>
+          </a:prstGeom>
+          <a:noFill/>
+        </p:spPr>
+        <p:txBody>
+          <a:bodyPr wrap="none" rtlCol="0">
+            <a:spAutoFit/>
+          </a:bodyPr>
+          <a:lstStyle/>
+          <a:p>
+            <a:r>
+              <a:rPr lang="en-US" dirty="0"/>
+              <a:t>Stop improving</a:t>
+            </a:r>
+          </a:p>
+        </p:txBody>
+      </p:sp>
+    </p:spTree>
+    <p:extLst>
+      <p:ext uri="{BB962C8B-B14F-4D97-AF65-F5344CB8AC3E}">
+        <p14:creationId xmlns:p14="http://schemas.microsoft.com/office/powerpoint/2010/main" val="567913104"/>
+      </p:ext>
+    </p:extLst>
+  </p:cSld>
+  <p:clrMapOvr>
+    <a:masterClrMapping/>
+  </p:clrMapOvr>
+</p:sld>
+</file>
+
+<file path=ppt/slides/slide12.xml><?xml version="1.0" encoding="utf-8"?>
+<p:sld xmlns:a="http://schemas.openxmlformats.org/drawingml/2006/main" xmlns:r="http://schemas.openxmlformats.org/officeDocument/2006/relationships" xmlns:p="http://schemas.openxmlformats.org/presentationml/2006/main">
+  <p:cSld>
+    <p:spTree>
+      <p:nvGrpSpPr>
+        <p:cNvPr id="1" name=""/>
+        <p:cNvGrpSpPr/>
+        <p:nvPr/>
+      </p:nvGrpSpPr>
+      <p:grpSpPr>
+        <a:xfrm>
+          <a:off x="0" y="0"/>
+          <a:ext cx="0" cy="0"/>
+          <a:chOff x="0" y="0"/>
+          <a:chExt cx="0" cy="0"/>
+        </a:xfrm>
+      </p:grpSpPr>
+      <p:sp>
+        <p:nvSpPr>
+          <p:cNvPr id="4" name="Slide Number Placeholder 3"/>
+          <p:cNvSpPr>
+            <a:spLocks noGrp="1"/>
+          </p:cNvSpPr>
+          <p:nvPr>
+            <p:ph type="sldNum" sz="quarter" idx="12"/>
+          </p:nvPr>
+        </p:nvSpPr>
+        <p:spPr/>
+        <p:txBody>
+          <a:bodyPr/>
+          <a:lstStyle/>
+          <a:p>
+            <a:fld id="{0FB56013-B943-42BA-886F-6F9D4EB85E9D}" type="slidenum">
+              <a:rPr lang="en-US" smtClean="0"/>
+              <a:t>12</a:t>
+            </a:fld>
+            <a:endParaRPr lang="en-US" dirty="0"/>
+          </a:p>
+        </p:txBody>
+      </p:sp>
+      <p:sp>
+        <p:nvSpPr>
+          <p:cNvPr id="6" name="Content Placeholder 5">
+            <a:extLst>
+              <a:ext uri="{FF2B5EF4-FFF2-40B4-BE49-F238E27FC236}">
+                <a16:creationId xmlns:a16="http://schemas.microsoft.com/office/drawing/2014/main" id="{4B87407F-22EF-164A-B8D0-05F7590CAC45}"/>
+              </a:ext>
+            </a:extLst>
+          </p:cNvPr>
+          <p:cNvSpPr>
+            <a:spLocks noGrp="1"/>
+          </p:cNvSpPr>
+          <p:nvPr>
+            <p:ph idx="1"/>
+          </p:nvPr>
+        </p:nvSpPr>
+        <p:spPr>
+          <a:xfrm>
+            <a:off x="1307805" y="1827212"/>
+            <a:ext cx="7378995" cy="4756150"/>
+          </a:xfrm>
+        </p:spPr>
+        <p:txBody>
+          <a:bodyPr>
+            <a:normAutofit/>
+          </a:bodyPr>
+          <a:lstStyle/>
+          <a:p>
+            <a:r>
+              <a:rPr lang="en-US" dirty="0"/>
+              <a:t>Monitor the profiles of data inputs.</a:t>
+            </a:r>
+          </a:p>
+          <a:p>
+            <a:endParaRPr lang="en-US" dirty="0"/>
+          </a:p>
+          <a:p>
+            <a:r>
+              <a:rPr lang="en-US" dirty="0"/>
+              <a:t>Monitoring model predictions.</a:t>
+            </a:r>
+          </a:p>
+          <a:p>
+            <a:endParaRPr lang="en-US" dirty="0"/>
+          </a:p>
+          <a:p>
+            <a:r>
+              <a:rPr lang="en-US" dirty="0"/>
+              <a:t>Model versioning.</a:t>
+            </a:r>
+          </a:p>
+          <a:p>
+            <a:endParaRPr lang="en-US" dirty="0"/>
+          </a:p>
+          <a:p>
+            <a:pPr marL="0" indent="0">
+              <a:buNone/>
+            </a:pPr>
+            <a:endParaRPr lang="en-US" dirty="0"/>
+          </a:p>
+          <a:p>
+            <a:endParaRPr lang="en-US" dirty="0"/>
+          </a:p>
+          <a:p>
+            <a:pPr lvl="2">
+              <a:buFontTx/>
+              <a:buChar char="-"/>
+            </a:pPr>
+            <a:endParaRPr lang="en-US" dirty="0"/>
+          </a:p>
+          <a:p>
+            <a:pPr marL="457200" lvl="1" indent="0">
+              <a:buNone/>
+            </a:pPr>
+            <a:endParaRPr lang="en-US" dirty="0"/>
+          </a:p>
+          <a:p>
+            <a:pPr marL="0" indent="0">
+              <a:buNone/>
+            </a:pPr>
+            <a:endParaRPr lang="en-US" dirty="0"/>
+          </a:p>
+        </p:txBody>
+      </p:sp>
+      <p:sp>
+        <p:nvSpPr>
+          <p:cNvPr id="8" name="Title 7">
+            <a:extLst>
+              <a:ext uri="{FF2B5EF4-FFF2-40B4-BE49-F238E27FC236}">
+                <a16:creationId xmlns:a16="http://schemas.microsoft.com/office/drawing/2014/main" id="{CE78B427-23CA-1B49-946D-516FA9390E5C}"/>
+              </a:ext>
+            </a:extLst>
+          </p:cNvPr>
+          <p:cNvSpPr>
+            <a:spLocks noGrp="1"/>
+          </p:cNvSpPr>
+          <p:nvPr>
+            <p:ph type="title"/>
+          </p:nvPr>
+        </p:nvSpPr>
+        <p:spPr/>
+        <p:txBody>
+          <a:bodyPr>
+            <a:normAutofit/>
+          </a:bodyPr>
+          <a:lstStyle/>
+          <a:p>
+            <a:r>
+              <a:rPr lang="en-US" sz="3200" dirty="0">
+                <a:solidFill>
+                  <a:schemeClr val="tx2">
+                    <a:lumMod val="60000"/>
+                    <a:lumOff val="40000"/>
+                  </a:schemeClr>
+                </a:solidFill>
+                <a:latin typeface="Arial" panose="020B0604020202020204" pitchFamily="34" charset="0"/>
+                <a:cs typeface="Arial" panose="020B0604020202020204" pitchFamily="34" charset="0"/>
+              </a:rPr>
+              <a:t>Model monitoring</a:t>
+            </a:r>
+          </a:p>
+        </p:txBody>
+      </p:sp>
+    </p:spTree>
+    <p:extLst>
+      <p:ext uri="{BB962C8B-B14F-4D97-AF65-F5344CB8AC3E}">
+        <p14:creationId xmlns:p14="http://schemas.microsoft.com/office/powerpoint/2010/main" val="3057135547"/>
+      </p:ext>
+    </p:extLst>
+  </p:cSld>
+  <p:clrMapOvr>
+    <a:masterClrMapping/>
+  </p:clrMapOvr>
+</p:sld>
+</file>
+
+<file path=ppt/slides/slide13.xml><?xml version="1.0" encoding="utf-8"?>
+<p:sld xmlns:a="http://schemas.openxmlformats.org/drawingml/2006/main" xmlns:r="http://schemas.openxmlformats.org/officeDocument/2006/relationships" xmlns:p="http://schemas.openxmlformats.org/presentationml/2006/main">
+  <p:cSld>
+    <p:spTree>
+      <p:nvGrpSpPr>
+        <p:cNvPr id="1" name=""/>
+        <p:cNvGrpSpPr/>
+        <p:nvPr/>
+      </p:nvGrpSpPr>
+      <p:grpSpPr>
+        <a:xfrm>
+          <a:off x="0" y="0"/>
+          <a:ext cx="0" cy="0"/>
+          <a:chOff x="0" y="0"/>
+          <a:chExt cx="0" cy="0"/>
+        </a:xfrm>
+      </p:grpSpPr>
+      <p:sp>
+        <p:nvSpPr>
+          <p:cNvPr id="4" name="Slide Number Placeholder 3"/>
+          <p:cNvSpPr>
+            <a:spLocks noGrp="1"/>
+          </p:cNvSpPr>
+          <p:nvPr>
+            <p:ph type="sldNum" sz="quarter" idx="12"/>
+          </p:nvPr>
+        </p:nvSpPr>
+        <p:spPr/>
+        <p:txBody>
+          <a:bodyPr/>
+          <a:lstStyle/>
+          <a:p>
+            <a:fld id="{0FB56013-B943-42BA-886F-6F9D4EB85E9D}" type="slidenum">
+              <a:rPr lang="en-US" smtClean="0"/>
+              <a:t>13</a:t>
+            </a:fld>
+            <a:endParaRPr lang="en-US" dirty="0"/>
+          </a:p>
+        </p:txBody>
+      </p:sp>
+      <p:sp>
+        <p:nvSpPr>
+          <p:cNvPr id="6" name="Content Placeholder 5">
+            <a:extLst>
+              <a:ext uri="{FF2B5EF4-FFF2-40B4-BE49-F238E27FC236}">
+                <a16:creationId xmlns:a16="http://schemas.microsoft.com/office/drawing/2014/main" id="{4B87407F-22EF-164A-B8D0-05F7590CAC45}"/>
+              </a:ext>
+            </a:extLst>
+          </p:cNvPr>
+          <p:cNvSpPr>
+            <a:spLocks noGrp="1"/>
+          </p:cNvSpPr>
+          <p:nvPr>
+            <p:ph idx="1"/>
+          </p:nvPr>
+        </p:nvSpPr>
+        <p:spPr>
+          <a:xfrm>
+            <a:off x="1169581" y="1782762"/>
+            <a:ext cx="7517219" cy="4756150"/>
+          </a:xfrm>
+        </p:spPr>
+        <p:txBody>
+          <a:bodyPr>
+            <a:normAutofit/>
+          </a:bodyPr>
+          <a:lstStyle/>
+          <a:p>
+            <a:r>
+              <a:rPr lang="en-US" dirty="0"/>
+              <a:t>Feature Store.</a:t>
+            </a:r>
+          </a:p>
+          <a:p>
+            <a:endParaRPr lang="en-US" dirty="0"/>
+          </a:p>
+          <a:p>
+            <a:r>
+              <a:rPr lang="en-US" dirty="0"/>
+              <a:t>Continuous improvement.</a:t>
+            </a:r>
+          </a:p>
+          <a:p>
+            <a:endParaRPr lang="en-US" dirty="0"/>
+          </a:p>
+          <a:p>
+            <a:r>
+              <a:rPr lang="en-US" dirty="0"/>
+              <a:t>A/B testing on models.</a:t>
+            </a:r>
+          </a:p>
+          <a:p>
+            <a:endParaRPr lang="en-US" dirty="0"/>
+          </a:p>
+          <a:p>
+            <a:r>
+              <a:rPr lang="en-US" dirty="0"/>
+              <a:t>Simulation engines</a:t>
+            </a:r>
+          </a:p>
+          <a:p>
+            <a:pPr marL="0" indent="0">
+              <a:buNone/>
+            </a:pPr>
+            <a:endParaRPr lang="en-US" dirty="0"/>
+          </a:p>
+          <a:p>
+            <a:endParaRPr lang="en-US" dirty="0"/>
+          </a:p>
+          <a:p>
+            <a:pPr lvl="2">
+              <a:buFontTx/>
+              <a:buChar char="-"/>
+            </a:pPr>
+            <a:endParaRPr lang="en-US" dirty="0"/>
+          </a:p>
+          <a:p>
+            <a:pPr marL="457200" lvl="1" indent="0">
+              <a:buNone/>
+            </a:pPr>
+            <a:endParaRPr lang="en-US" dirty="0"/>
+          </a:p>
+          <a:p>
+            <a:pPr marL="0" indent="0">
+              <a:buNone/>
+            </a:pPr>
+            <a:endParaRPr lang="en-US" dirty="0"/>
+          </a:p>
+        </p:txBody>
+      </p:sp>
+      <p:sp>
+        <p:nvSpPr>
+          <p:cNvPr id="8" name="Title 7">
+            <a:extLst>
+              <a:ext uri="{FF2B5EF4-FFF2-40B4-BE49-F238E27FC236}">
+                <a16:creationId xmlns:a16="http://schemas.microsoft.com/office/drawing/2014/main" id="{CE78B427-23CA-1B49-946D-516FA9390E5C}"/>
+              </a:ext>
+            </a:extLst>
+          </p:cNvPr>
+          <p:cNvSpPr>
+            <a:spLocks noGrp="1"/>
+          </p:cNvSpPr>
+          <p:nvPr>
+            <p:ph type="title"/>
+          </p:nvPr>
+        </p:nvSpPr>
+        <p:spPr/>
+        <p:txBody>
+          <a:bodyPr>
+            <a:normAutofit/>
+          </a:bodyPr>
+          <a:lstStyle/>
+          <a:p>
+            <a:r>
+              <a:rPr lang="en-US" sz="3200" dirty="0">
+                <a:solidFill>
+                  <a:schemeClr val="tx2">
+                    <a:lumMod val="60000"/>
+                    <a:lumOff val="40000"/>
+                  </a:schemeClr>
+                </a:solidFill>
+                <a:latin typeface="Arial" panose="020B0604020202020204" pitchFamily="34" charset="0"/>
+                <a:cs typeface="Arial" panose="020B0604020202020204" pitchFamily="34" charset="0"/>
+              </a:rPr>
+              <a:t>AI development culture</a:t>
+            </a:r>
+          </a:p>
+        </p:txBody>
+      </p:sp>
+    </p:spTree>
+    <p:extLst>
+      <p:ext uri="{BB962C8B-B14F-4D97-AF65-F5344CB8AC3E}">
+        <p14:creationId xmlns:p14="http://schemas.microsoft.com/office/powerpoint/2010/main" val="2820615068"/>
+      </p:ext>
+    </p:extLst>
+  </p:cSld>
+  <p:clrMapOvr>
+    <a:masterClrMapping/>
+  </p:clrMapOvr>
+</p:sld>
+</file>
+
 <file path=ppt/slides/slide2.xml><?xml version="1.0" encoding="utf-8"?>
 <p:sld xmlns:a="http://schemas.openxmlformats.org/drawingml/2006/main" xmlns:r="http://schemas.openxmlformats.org/officeDocument/2006/relationships" xmlns:p="http://schemas.openxmlformats.org/presentationml/2006/main">
   <p:cSld>
@@ -6620,10 +10353,33 @@
       </p:grpSpPr>
       <p:sp>
         <p:nvSpPr>
-          <p:cNvPr id="2" name="Title 1">
+          <p:cNvPr id="4" name="Slide Number Placeholder 3"/>
+          <p:cNvSpPr>
+            <a:spLocks noGrp="1"/>
+          </p:cNvSpPr>
+          <p:nvPr>
+            <p:ph type="sldNum" sz="quarter" idx="12"/>
+          </p:nvPr>
+        </p:nvSpPr>
+        <p:spPr/>
+        <p:txBody>
+          <a:bodyPr/>
+          <a:lstStyle/>
+          <a:p>
+            <a:fld id="{0FB56013-B943-42BA-886F-6F9D4EB85E9D}" type="slidenum">
+              <a:rPr lang="en-US" smtClean="0"/>
+              <a:t>2</a:t>
+            </a:fld>
+            <a:endParaRPr lang="en-US" dirty="0"/>
+          </a:p>
+        </p:txBody>
+      </p:sp>
+      <p:sp>
+        <p:nvSpPr>
+          <p:cNvPr id="8" name="Title 7">
             <a:extLst>
               <a:ext uri="{FF2B5EF4-FFF2-40B4-BE49-F238E27FC236}">
-                <a16:creationId xmlns:a16="http://schemas.microsoft.com/office/drawing/2014/main" id="{CEA6C1F6-AD27-B247-A3E2-F78AB9579594}"/>
+                <a16:creationId xmlns:a16="http://schemas.microsoft.com/office/drawing/2014/main" id="{CE78B427-23CA-1B49-946D-516FA9390E5C}"/>
               </a:ext>
             </a:extLst>
           </p:cNvPr>
@@ -6649,107 +10405,67 @@
                     <a:lumOff val="40000"/>
                   </a:schemeClr>
                 </a:solidFill>
+                <a:latin typeface="Arial" panose="020B0604020202020204" pitchFamily="34" charset="0"/>
+                <a:cs typeface="Arial" panose="020B0604020202020204" pitchFamily="34" charset="0"/>
               </a:rPr>
-              <a:t>What is problem framing?</a:t>
+              <a:t>Neural Networks</a:t>
             </a:r>
           </a:p>
         </p:txBody>
       </p:sp>
-      <p:sp>
-        <p:nvSpPr>
-          <p:cNvPr id="4" name="Content Placeholder 3">
+      <p:pic>
+        <p:nvPicPr>
+          <p:cNvPr id="1026" name="Picture 2">
             <a:extLst>
               <a:ext uri="{FF2B5EF4-FFF2-40B4-BE49-F238E27FC236}">
-                <a16:creationId xmlns:a16="http://schemas.microsoft.com/office/drawing/2014/main" id="{86531EE4-9B43-6B4D-B447-27007C090563}"/>
+                <a16:creationId xmlns:a16="http://schemas.microsoft.com/office/drawing/2014/main" id="{E9CD59A4-DB5A-DC74-0DF1-F63394E81894}"/>
               </a:ext>
             </a:extLst>
           </p:cNvPr>
-          <p:cNvSpPr>
-            <a:spLocks noGrp="1"/>
-          </p:cNvSpPr>
+          <p:cNvPicPr>
+            <a:picLocks noGrp="1" noChangeAspect="1" noChangeArrowheads="1"/>
+          </p:cNvPicPr>
           <p:nvPr>
             <p:ph idx="1"/>
           </p:nvPr>
-        </p:nvSpPr>
-        <p:spPr/>
-        <p:txBody>
-          <a:bodyPr/>
-          <a:lstStyle/>
-          <a:p>
-            <a:pPr marL="0" indent="0">
-              <a:buNone/>
-            </a:pPr>
-            <a:r>
-              <a:rPr lang="en-US" dirty="0"/>
-              <a:t>Process of understanding the context where a potential AI solution would be used and delineating what is </a:t>
-            </a:r>
-            <a:r>
-              <a:rPr lang="en-US" b="1" dirty="0">
+        </p:nvPicPr>
+        <p:blipFill>
+          <a:blip r:embed="rId2">
+            <a:extLst>
+              <a:ext uri="{28A0092B-C50C-407E-A947-70E740481C1C}">
+                <a14:useLocalDpi xmlns:a14="http://schemas.microsoft.com/office/drawing/2010/main" val="0"/>
+              </a:ext>
+            </a:extLst>
+          </a:blip>
+          <a:srcRect/>
+          <a:stretch>
+            <a:fillRect/>
+          </a:stretch>
+        </p:blipFill>
+        <p:spPr bwMode="auto">
+          <a:xfrm>
+            <a:off x="322123" y="1417638"/>
+            <a:ext cx="8229600" cy="4735629"/>
+          </a:xfrm>
+          <a:prstGeom prst="rect">
+            <a:avLst/>
+          </a:prstGeom>
+          <a:noFill/>
+          <a:extLst>
+            <a:ext uri="{909E8E84-426E-40DD-AFC4-6F175D3DCCD1}">
+              <a14:hiddenFill xmlns:a14="http://schemas.microsoft.com/office/drawing/2010/main">
                 <a:solidFill>
-                  <a:schemeClr val="tx2">
-                    <a:lumMod val="60000"/>
-                    <a:lumOff val="40000"/>
-                  </a:schemeClr>
+                  <a:srgbClr val="FFFFFF"/>
                 </a:solidFill>
-              </a:rPr>
-              <a:t>in-scope</a:t>
-            </a:r>
-            <a:r>
-              <a:rPr lang="en-US" dirty="0"/>
-              <a:t> and </a:t>
-            </a:r>
-            <a:r>
-              <a:rPr lang="en-US" b="1" dirty="0">
-                <a:solidFill>
-                  <a:schemeClr val="tx2">
-                    <a:lumMod val="60000"/>
-                    <a:lumOff val="40000"/>
-                  </a:schemeClr>
-                </a:solidFill>
-              </a:rPr>
-              <a:t>out-of-scope</a:t>
-            </a:r>
-            <a:r>
-              <a:rPr lang="en-US" dirty="0"/>
-              <a:t>.</a:t>
-            </a:r>
-          </a:p>
-          <a:p>
-            <a:pPr marL="0" indent="0">
-              <a:buNone/>
-            </a:pPr>
-            <a:endParaRPr lang="en-US" dirty="0"/>
-          </a:p>
-          <a:p>
-            <a:pPr marL="0" indent="0">
-              <a:buNone/>
-            </a:pPr>
-            <a:r>
-              <a:rPr lang="en-US" dirty="0"/>
-              <a:t>Also, defining the approach to validate if AI/ML is the right tool to solve it.</a:t>
-            </a:r>
-          </a:p>
-          <a:p>
-            <a:pPr marL="0" indent="0">
-              <a:buNone/>
-            </a:pPr>
-            <a:endParaRPr lang="en-US" dirty="0"/>
-          </a:p>
-          <a:p>
-            <a:pPr marL="0" indent="0">
-              <a:buNone/>
-            </a:pPr>
-            <a:r>
-              <a:rPr lang="en-US" dirty="0"/>
-              <a:t>Finally, what success looks like?</a:t>
-            </a:r>
-          </a:p>
-        </p:txBody>
-      </p:sp>
+              </a14:hiddenFill>
+            </a:ext>
+          </a:extLst>
+        </p:spPr>
+      </p:pic>
     </p:spTree>
     <p:extLst>
       <p:ext uri="{BB962C8B-B14F-4D97-AF65-F5344CB8AC3E}">
-        <p14:creationId xmlns:p14="http://schemas.microsoft.com/office/powerpoint/2010/main" val="3548701453"/>
+        <p14:creationId xmlns:p14="http://schemas.microsoft.com/office/powerpoint/2010/main" val="1225152114"/>
       </p:ext>
     </p:extLst>
   </p:cSld>
@@ -6801,112 +10517,6 @@
       </p:sp>
       <p:sp>
         <p:nvSpPr>
-          <p:cNvPr id="6" name="Content Placeholder 5">
-            <a:extLst>
-              <a:ext uri="{FF2B5EF4-FFF2-40B4-BE49-F238E27FC236}">
-                <a16:creationId xmlns:a16="http://schemas.microsoft.com/office/drawing/2014/main" id="{4B87407F-22EF-164A-B8D0-05F7590CAC45}"/>
-              </a:ext>
-            </a:extLst>
-          </p:cNvPr>
-          <p:cNvSpPr>
-            <a:spLocks noGrp="1"/>
-          </p:cNvSpPr>
-          <p:nvPr>
-            <p:ph idx="1"/>
-          </p:nvPr>
-        </p:nvSpPr>
-        <p:spPr>
-          <a:xfrm>
-            <a:off x="292608" y="1508919"/>
-            <a:ext cx="8394192" cy="4756150"/>
-          </a:xfrm>
-        </p:spPr>
-        <p:txBody>
-          <a:bodyPr>
-            <a:normAutofit/>
-          </a:bodyPr>
-          <a:lstStyle/>
-          <a:p>
-            <a:r>
-              <a:rPr lang="en-US" dirty="0"/>
-              <a:t>What business problem is the system trying to solve?</a:t>
-            </a:r>
-          </a:p>
-          <a:p>
-            <a:pPr marL="457200" lvl="1" indent="0">
-              <a:buNone/>
-            </a:pPr>
-            <a:r>
-              <a:rPr lang="en-US" dirty="0"/>
-              <a:t>- Don’t use technical terms here.</a:t>
-            </a:r>
-          </a:p>
-          <a:p>
-            <a:pPr marL="457200" lvl="1" indent="0">
-              <a:buNone/>
-            </a:pPr>
-            <a:r>
-              <a:rPr lang="en-US" dirty="0"/>
-              <a:t>- Describe the business outcome.</a:t>
-            </a:r>
-          </a:p>
-          <a:p>
-            <a:pPr lvl="2"/>
-            <a:r>
-              <a:rPr lang="en-US" dirty="0"/>
-              <a:t>Reduce the percentage of fake photos to 15%</a:t>
-            </a:r>
-          </a:p>
-          <a:p>
-            <a:pPr lvl="2"/>
-            <a:r>
-              <a:rPr lang="en-US" dirty="0"/>
-              <a:t>Detect 85% of fraudulent transactions. </a:t>
-            </a:r>
-          </a:p>
-          <a:p>
-            <a:pPr lvl="1">
-              <a:buFontTx/>
-              <a:buChar char="-"/>
-            </a:pPr>
-            <a:r>
-              <a:rPr lang="en-US" dirty="0"/>
-              <a:t>What’s the baseline?</a:t>
-            </a:r>
-          </a:p>
-          <a:p>
-            <a:pPr lvl="2">
-              <a:buFontTx/>
-              <a:buChar char="-"/>
-            </a:pPr>
-            <a:r>
-              <a:rPr lang="en-US" dirty="0"/>
-              <a:t>How good is a solution using traditional techniques can be?</a:t>
-            </a:r>
-          </a:p>
-          <a:p>
-            <a:pPr lvl="2">
-              <a:buFontTx/>
-              <a:buChar char="-"/>
-            </a:pPr>
-            <a:endParaRPr lang="en-US" dirty="0"/>
-          </a:p>
-          <a:p>
-            <a:pPr marL="457200" lvl="1" indent="0">
-              <a:buNone/>
-            </a:pPr>
-            <a:endParaRPr lang="en-US" dirty="0"/>
-          </a:p>
-          <a:p>
-            <a:pPr marL="0" indent="0">
-              <a:buNone/>
-            </a:pPr>
-            <a:endParaRPr lang="en-US" dirty="0"/>
-          </a:p>
-        </p:txBody>
-      </p:sp>
-      <p:sp>
-        <p:nvSpPr>
           <p:cNvPr id="8" name="Title 7">
             <a:extLst>
               <a:ext uri="{FF2B5EF4-FFF2-40B4-BE49-F238E27FC236}">
@@ -6939,15 +10549,44 @@
                 <a:latin typeface="Arial" panose="020B0604020202020204" pitchFamily="34" charset="0"/>
                 <a:cs typeface="Arial" panose="020B0604020202020204" pitchFamily="34" charset="0"/>
               </a:rPr>
-              <a:t>Understanding the problem</a:t>
+              <a:t>Neural Network Unit</a:t>
             </a:r>
           </a:p>
         </p:txBody>
       </p:sp>
+      <p:pic>
+        <p:nvPicPr>
+          <p:cNvPr id="12" name="Content Placeholder 11" descr="Diagram&#10;&#10;Description automatically generated">
+            <a:extLst>
+              <a:ext uri="{FF2B5EF4-FFF2-40B4-BE49-F238E27FC236}">
+                <a16:creationId xmlns:a16="http://schemas.microsoft.com/office/drawing/2014/main" id="{C17CAEFE-4C22-E3A1-A717-12C1074F3994}"/>
+              </a:ext>
+            </a:extLst>
+          </p:cNvPr>
+          <p:cNvPicPr>
+            <a:picLocks noGrp="1" noChangeAspect="1"/>
+          </p:cNvPicPr>
+          <p:nvPr>
+            <p:ph idx="1"/>
+          </p:nvPr>
+        </p:nvPicPr>
+        <p:blipFill>
+          <a:blip r:embed="rId2"/>
+          <a:stretch>
+            <a:fillRect/>
+          </a:stretch>
+        </p:blipFill>
+        <p:spPr>
+          <a:xfrm>
+            <a:off x="1814495" y="1600200"/>
+            <a:ext cx="5515009" cy="4525963"/>
+          </a:xfrm>
+        </p:spPr>
+      </p:pic>
     </p:spTree>
     <p:extLst>
       <p:ext uri="{BB962C8B-B14F-4D97-AF65-F5344CB8AC3E}">
-        <p14:creationId xmlns:p14="http://schemas.microsoft.com/office/powerpoint/2010/main" val="1425630636"/>
+        <p14:creationId xmlns:p14="http://schemas.microsoft.com/office/powerpoint/2010/main" val="3168913278"/>
       </p:ext>
     </p:extLst>
   </p:cSld>
@@ -6999,93 +10638,6 @@
       </p:sp>
       <p:sp>
         <p:nvSpPr>
-          <p:cNvPr id="6" name="Content Placeholder 5">
-            <a:extLst>
-              <a:ext uri="{FF2B5EF4-FFF2-40B4-BE49-F238E27FC236}">
-                <a16:creationId xmlns:a16="http://schemas.microsoft.com/office/drawing/2014/main" id="{4B87407F-22EF-164A-B8D0-05F7590CAC45}"/>
-              </a:ext>
-            </a:extLst>
-          </p:cNvPr>
-          <p:cNvSpPr>
-            <a:spLocks noGrp="1"/>
-          </p:cNvSpPr>
-          <p:nvPr>
-            <p:ph idx="1"/>
-          </p:nvPr>
-        </p:nvSpPr>
-        <p:spPr>
-          <a:xfrm>
-            <a:off x="292608" y="1508919"/>
-            <a:ext cx="8394192" cy="4756150"/>
-          </a:xfrm>
-        </p:spPr>
-        <p:txBody>
-          <a:bodyPr>
-            <a:normAutofit/>
-          </a:bodyPr>
-          <a:lstStyle/>
-          <a:p>
-            <a:r>
-              <a:rPr lang="en-US" dirty="0"/>
-              <a:t>Can we do better than traditional techniques?</a:t>
-            </a:r>
-          </a:p>
-          <a:p>
-            <a:endParaRPr lang="en-US" dirty="0"/>
-          </a:p>
-          <a:p>
-            <a:r>
-              <a:rPr lang="en-US" dirty="0"/>
-              <a:t>What about maintenance costs?</a:t>
-            </a:r>
-          </a:p>
-          <a:p>
-            <a:endParaRPr lang="en-US" dirty="0"/>
-          </a:p>
-          <a:p>
-            <a:r>
-              <a:rPr lang="en-US" dirty="0"/>
-              <a:t>What is the business impact of errors?</a:t>
-            </a:r>
-          </a:p>
-          <a:p>
-            <a:endParaRPr lang="en-US" dirty="0"/>
-          </a:p>
-          <a:p>
-            <a:r>
-              <a:rPr lang="en-US" dirty="0"/>
-              <a:t>Do we have enough reliable data to build models?</a:t>
-            </a:r>
-          </a:p>
-          <a:p>
-            <a:endParaRPr lang="en-US" dirty="0"/>
-          </a:p>
-          <a:p>
-            <a:endParaRPr lang="en-US" dirty="0"/>
-          </a:p>
-          <a:p>
-            <a:pPr lvl="2">
-              <a:buFontTx/>
-              <a:buChar char="-"/>
-            </a:pPr>
-            <a:endParaRPr lang="en-US" dirty="0"/>
-          </a:p>
-          <a:p>
-            <a:pPr marL="457200" lvl="1" indent="0">
-              <a:buNone/>
-            </a:pPr>
-            <a:endParaRPr lang="en-US" dirty="0"/>
-          </a:p>
-          <a:p>
-            <a:pPr marL="0" indent="0">
-              <a:buNone/>
-            </a:pPr>
-            <a:endParaRPr lang="en-US" dirty="0"/>
-          </a:p>
-        </p:txBody>
-      </p:sp>
-      <p:sp>
-        <p:nvSpPr>
           <p:cNvPr id="8" name="Title 7">
             <a:extLst>
               <a:ext uri="{FF2B5EF4-FFF2-40B4-BE49-F238E27FC236}">
@@ -7118,7 +10670,47 @@
                 <a:latin typeface="Arial" panose="020B0604020202020204" pitchFamily="34" charset="0"/>
                 <a:cs typeface="Arial" panose="020B0604020202020204" pitchFamily="34" charset="0"/>
               </a:rPr>
-              <a:t>A clear use case for AI</a:t>
+              <a:t>Neural Networks</a:t>
+            </a:r>
+          </a:p>
+        </p:txBody>
+      </p:sp>
+      <p:sp>
+        <p:nvSpPr>
+          <p:cNvPr id="3" name="Content Placeholder 2">
+            <a:extLst>
+              <a:ext uri="{FF2B5EF4-FFF2-40B4-BE49-F238E27FC236}">
+                <a16:creationId xmlns:a16="http://schemas.microsoft.com/office/drawing/2014/main" id="{3BFF88E8-2BF4-1AA6-1974-CF8E06208B43}"/>
+              </a:ext>
+            </a:extLst>
+          </p:cNvPr>
+          <p:cNvSpPr>
+            <a:spLocks noGrp="1"/>
+          </p:cNvSpPr>
+          <p:nvPr>
+            <p:ph idx="1"/>
+          </p:nvPr>
+        </p:nvSpPr>
+        <p:spPr/>
+        <p:txBody>
+          <a:bodyPr/>
+          <a:lstStyle/>
+          <a:p>
+            <a:endParaRPr lang="en-US" dirty="0"/>
+          </a:p>
+          <a:p>
+            <a:endParaRPr lang="en-US" dirty="0"/>
+          </a:p>
+          <a:p>
+            <a:endParaRPr lang="en-US" dirty="0"/>
+          </a:p>
+          <a:p>
+            <a:pPr marL="0" indent="0" algn="ctr">
+              <a:buNone/>
+            </a:pPr>
+            <a:r>
+              <a:rPr lang="en-US" sz="4000" dirty="0"/>
+              <a:t>Demo</a:t>
             </a:r>
           </a:p>
         </p:txBody>
@@ -7126,7 +10718,7 @@
     </p:spTree>
     <p:extLst>
       <p:ext uri="{BB962C8B-B14F-4D97-AF65-F5344CB8AC3E}">
-        <p14:creationId xmlns:p14="http://schemas.microsoft.com/office/powerpoint/2010/main" val="2053020449"/>
+        <p14:creationId xmlns:p14="http://schemas.microsoft.com/office/powerpoint/2010/main" val="3345389038"/>
       </p:ext>
     </p:extLst>
   </p:cSld>
@@ -7155,132 +10747,10 @@
       </p:grpSpPr>
       <p:sp>
         <p:nvSpPr>
-          <p:cNvPr id="4" name="Slide Number Placeholder 3"/>
-          <p:cNvSpPr>
-            <a:spLocks noGrp="1"/>
-          </p:cNvSpPr>
-          <p:nvPr>
-            <p:ph type="sldNum" sz="quarter" idx="12"/>
-          </p:nvPr>
-        </p:nvSpPr>
-        <p:spPr/>
-        <p:txBody>
-          <a:bodyPr/>
-          <a:lstStyle/>
-          <a:p>
-            <a:fld id="{0FB56013-B943-42BA-886F-6F9D4EB85E9D}" type="slidenum">
-              <a:rPr lang="en-US" smtClean="0"/>
-              <a:t>5</a:t>
-            </a:fld>
-            <a:endParaRPr lang="en-US" dirty="0"/>
-          </a:p>
-        </p:txBody>
-      </p:sp>
-      <p:sp>
-        <p:nvSpPr>
-          <p:cNvPr id="6" name="Content Placeholder 5">
+          <p:cNvPr id="2" name="Title 1">
             <a:extLst>
               <a:ext uri="{FF2B5EF4-FFF2-40B4-BE49-F238E27FC236}">
-                <a16:creationId xmlns:a16="http://schemas.microsoft.com/office/drawing/2014/main" id="{4B87407F-22EF-164A-B8D0-05F7590CAC45}"/>
-              </a:ext>
-            </a:extLst>
-          </p:cNvPr>
-          <p:cNvSpPr>
-            <a:spLocks noGrp="1"/>
-          </p:cNvSpPr>
-          <p:nvPr>
-            <p:ph idx="1"/>
-          </p:nvPr>
-        </p:nvSpPr>
-        <p:spPr>
-          <a:xfrm>
-            <a:off x="292608" y="1508919"/>
-            <a:ext cx="8394192" cy="4756150"/>
-          </a:xfrm>
-        </p:spPr>
-        <p:txBody>
-          <a:bodyPr>
-            <a:normAutofit/>
-          </a:bodyPr>
-          <a:lstStyle/>
-          <a:p>
-            <a:r>
-              <a:rPr lang="en-US" dirty="0"/>
-              <a:t>Does the data contain ‘features’ that can be used to predict?</a:t>
-            </a:r>
-          </a:p>
-          <a:p>
-            <a:endParaRPr lang="en-US" dirty="0"/>
-          </a:p>
-          <a:p>
-            <a:r>
-              <a:rPr lang="en-US" dirty="0"/>
-              <a:t>How much will the data change over time?</a:t>
-            </a:r>
-          </a:p>
-          <a:p>
-            <a:endParaRPr lang="en-US" dirty="0"/>
-          </a:p>
-          <a:p>
-            <a:r>
-              <a:rPr lang="en-US" dirty="0"/>
-              <a:t>What are the thresholds for </a:t>
-            </a:r>
-            <a:r>
-              <a:rPr lang="en-US" b="1" dirty="0">
-                <a:solidFill>
-                  <a:schemeClr val="tx2">
-                    <a:lumMod val="60000"/>
-                    <a:lumOff val="40000"/>
-                  </a:schemeClr>
-                </a:solidFill>
-              </a:rPr>
-              <a:t>model drift</a:t>
-            </a:r>
-            <a:r>
-              <a:rPr lang="en-US" dirty="0"/>
-              <a:t>?</a:t>
-            </a:r>
-          </a:p>
-          <a:p>
-            <a:endParaRPr lang="en-US" dirty="0"/>
-          </a:p>
-          <a:p>
-            <a:pPr marL="0" indent="0">
-              <a:buNone/>
-            </a:pPr>
-            <a:endParaRPr lang="en-US" dirty="0"/>
-          </a:p>
-          <a:p>
-            <a:endParaRPr lang="en-US" dirty="0"/>
-          </a:p>
-          <a:p>
-            <a:pPr lvl="2">
-              <a:buFontTx/>
-              <a:buChar char="-"/>
-            </a:pPr>
-            <a:endParaRPr lang="en-US" dirty="0"/>
-          </a:p>
-          <a:p>
-            <a:pPr marL="457200" lvl="1" indent="0">
-              <a:buNone/>
-            </a:pPr>
-            <a:endParaRPr lang="en-US" dirty="0"/>
-          </a:p>
-          <a:p>
-            <a:pPr marL="0" indent="0">
-              <a:buNone/>
-            </a:pPr>
-            <a:endParaRPr lang="en-US" dirty="0"/>
-          </a:p>
-        </p:txBody>
-      </p:sp>
-      <p:sp>
-        <p:nvSpPr>
-          <p:cNvPr id="8" name="Title 7">
-            <a:extLst>
-              <a:ext uri="{FF2B5EF4-FFF2-40B4-BE49-F238E27FC236}">
-                <a16:creationId xmlns:a16="http://schemas.microsoft.com/office/drawing/2014/main" id="{CE78B427-23CA-1B49-946D-516FA9390E5C}"/>
+                <a16:creationId xmlns:a16="http://schemas.microsoft.com/office/drawing/2014/main" id="{CEA6C1F6-AD27-B247-A3E2-F78AB9579594}"/>
               </a:ext>
             </a:extLst>
           </p:cNvPr>
@@ -7306,10 +10776,99 @@
                     <a:lumOff val="40000"/>
                   </a:schemeClr>
                 </a:solidFill>
-                <a:latin typeface="Arial" panose="020B0604020202020204" pitchFamily="34" charset="0"/>
-                <a:cs typeface="Arial" panose="020B0604020202020204" pitchFamily="34" charset="0"/>
               </a:rPr>
-              <a:t>Predictive power</a:t>
+              <a:t>What is problem framing?</a:t>
+            </a:r>
+          </a:p>
+        </p:txBody>
+      </p:sp>
+      <p:sp>
+        <p:nvSpPr>
+          <p:cNvPr id="4" name="Content Placeholder 3">
+            <a:extLst>
+              <a:ext uri="{FF2B5EF4-FFF2-40B4-BE49-F238E27FC236}">
+                <a16:creationId xmlns:a16="http://schemas.microsoft.com/office/drawing/2014/main" id="{86531EE4-9B43-6B4D-B447-27007C090563}"/>
+              </a:ext>
+            </a:extLst>
+          </p:cNvPr>
+          <p:cNvSpPr>
+            <a:spLocks noGrp="1"/>
+          </p:cNvSpPr>
+          <p:nvPr>
+            <p:ph idx="1"/>
+          </p:nvPr>
+        </p:nvSpPr>
+        <p:spPr/>
+        <p:txBody>
+          <a:bodyPr/>
+          <a:lstStyle/>
+          <a:p>
+            <a:pPr marL="0" indent="0">
+              <a:buNone/>
+            </a:pPr>
+            <a:r>
+              <a:rPr lang="en-US" dirty="0"/>
+              <a:t>Process of understanding the context where a potential AI solution would be used and delineating what is </a:t>
+            </a:r>
+            <a:r>
+              <a:rPr lang="en-US" b="1" dirty="0">
+                <a:solidFill>
+                  <a:schemeClr val="tx2">
+                    <a:lumMod val="60000"/>
+                    <a:lumOff val="40000"/>
+                  </a:schemeClr>
+                </a:solidFill>
+              </a:rPr>
+              <a:t>in-scope</a:t>
+            </a:r>
+            <a:r>
+              <a:rPr lang="en-US" dirty="0"/>
+              <a:t> and </a:t>
+            </a:r>
+            <a:r>
+              <a:rPr lang="en-US" b="1" dirty="0">
+                <a:solidFill>
+                  <a:schemeClr val="tx2">
+                    <a:lumMod val="60000"/>
+                    <a:lumOff val="40000"/>
+                  </a:schemeClr>
+                </a:solidFill>
+              </a:rPr>
+              <a:t>out-of-scope</a:t>
+            </a:r>
+            <a:r>
+              <a:rPr lang="en-US" dirty="0"/>
+              <a:t>.</a:t>
+            </a:r>
+          </a:p>
+          <a:p>
+            <a:pPr marL="0" indent="0">
+              <a:buNone/>
+            </a:pPr>
+            <a:endParaRPr lang="en-US" dirty="0"/>
+          </a:p>
+          <a:p>
+            <a:pPr marL="0" indent="0">
+              <a:buNone/>
+            </a:pPr>
+            <a:r>
+              <a:rPr lang="en-US" dirty="0"/>
+              <a:t>Also, defining the approach to validate if AI/ML is the right tool to solve it.</a:t>
+            </a:r>
+          </a:p>
+          <a:p>
+            <a:pPr marL="0" indent="0">
+              <a:buNone/>
+            </a:pPr>
+            <a:endParaRPr lang="en-US" dirty="0"/>
+          </a:p>
+          <a:p>
+            <a:pPr marL="0" indent="0">
+              <a:buNone/>
+            </a:pPr>
+            <a:r>
+              <a:rPr lang="en-US" dirty="0"/>
+              <a:t>Finally, what success looks like?</a:t>
             </a:r>
           </a:p>
         </p:txBody>
@@ -7317,7 +10876,7 @@
     </p:spTree>
     <p:extLst>
       <p:ext uri="{BB962C8B-B14F-4D97-AF65-F5344CB8AC3E}">
-        <p14:creationId xmlns:p14="http://schemas.microsoft.com/office/powerpoint/2010/main" val="1697875032"/>
+        <p14:creationId xmlns:p14="http://schemas.microsoft.com/office/powerpoint/2010/main" val="3548701453"/>
       </p:ext>
     </p:extLst>
   </p:cSld>
@@ -7385,8 +10944,8 @@
         </p:nvSpPr>
         <p:spPr>
           <a:xfrm>
-            <a:off x="882502" y="1965325"/>
-            <a:ext cx="7804298" cy="4116498"/>
+            <a:off x="292608" y="1508919"/>
+            <a:ext cx="8394192" cy="4756150"/>
           </a:xfrm>
         </p:spPr>
         <p:txBody>
@@ -7397,29 +10956,60 @@
           <a:p>
             <a:r>
               <a:rPr lang="en-US" dirty="0"/>
-              <a:t>Classification, Regression, etc.</a:t>
-            </a:r>
-          </a:p>
-          <a:p>
-            <a:endParaRPr lang="en-US" dirty="0"/>
-          </a:p>
-          <a:p>
+              <a:t>What business problem is the system trying to solve?</a:t>
+            </a:r>
+          </a:p>
+          <a:p>
+            <a:pPr marL="457200" lvl="1" indent="0">
+              <a:buNone/>
+            </a:pPr>
             <a:r>
               <a:rPr lang="en-US" dirty="0"/>
-              <a:t>Proxy labels vs. Real labels.</a:t>
-            </a:r>
-          </a:p>
-          <a:p>
-            <a:endParaRPr lang="en-US" dirty="0"/>
-          </a:p>
-          <a:p>
+              <a:t>- Don’t use technical terms here.</a:t>
+            </a:r>
+          </a:p>
+          <a:p>
+            <a:pPr marL="457200" lvl="1" indent="0">
+              <a:buNone/>
+            </a:pPr>
             <a:r>
               <a:rPr lang="en-US" dirty="0"/>
-              <a:t>What actions does the system take based on the results?</a:t>
-            </a:r>
-          </a:p>
-          <a:p>
-            <a:endParaRPr lang="en-US" dirty="0"/>
+              <a:t>- Describe the business outcome.</a:t>
+            </a:r>
+          </a:p>
+          <a:p>
+            <a:pPr lvl="2"/>
+            <a:r>
+              <a:rPr lang="en-US" dirty="0"/>
+              <a:t>Reduce the percentage of fake photos to 15%</a:t>
+            </a:r>
+          </a:p>
+          <a:p>
+            <a:pPr lvl="2"/>
+            <a:r>
+              <a:rPr lang="en-US" dirty="0"/>
+              <a:t>Detect 85% of fraudulent transactions. </a:t>
+            </a:r>
+          </a:p>
+          <a:p>
+            <a:pPr lvl="1">
+              <a:buFontTx/>
+              <a:buChar char="-"/>
+            </a:pPr>
+            <a:r>
+              <a:rPr lang="en-US" dirty="0"/>
+              <a:t>What’s the baseline?</a:t>
+            </a:r>
+          </a:p>
+          <a:p>
+            <a:pPr lvl="2">
+              <a:buFontTx/>
+              <a:buChar char="-"/>
+            </a:pPr>
+            <a:r>
+              <a:rPr lang="en-US" dirty="0"/>
+              <a:t>How good is a solution using traditional techniques can be?</a:t>
+            </a:r>
           </a:p>
           <a:p>
             <a:pPr lvl="2">
@@ -7476,7 +11066,7 @@
                 <a:latin typeface="Arial" panose="020B0604020202020204" pitchFamily="34" charset="0"/>
                 <a:cs typeface="Arial" panose="020B0604020202020204" pitchFamily="34" charset="0"/>
               </a:rPr>
-              <a:t>Model output and actions</a:t>
+              <a:t>Understanding the problem</a:t>
             </a:r>
           </a:p>
         </p:txBody>
@@ -7484,7 +11074,7 @@
     </p:spTree>
     <p:extLst>
       <p:ext uri="{BB962C8B-B14F-4D97-AF65-F5344CB8AC3E}">
-        <p14:creationId xmlns:p14="http://schemas.microsoft.com/office/powerpoint/2010/main" val="1171048804"/>
+        <p14:creationId xmlns:p14="http://schemas.microsoft.com/office/powerpoint/2010/main" val="1425630636"/>
       </p:ext>
     </p:extLst>
   </p:cSld>
@@ -7552,7 +11142,7 @@
         </p:nvSpPr>
         <p:spPr>
           <a:xfrm>
-            <a:off x="292608" y="1539912"/>
+            <a:off x="292608" y="1508919"/>
             <a:ext cx="8394192" cy="4756150"/>
           </a:xfrm>
         </p:spPr>
@@ -7562,13 +11152,53 @@
           </a:bodyPr>
           <a:lstStyle/>
           <a:p>
-            <a:pPr marL="0" indent="0">
-              <a:buNone/>
+            <a:r>
+              <a:rPr lang="en-US" dirty="0"/>
+              <a:t>Can we do better than traditional techniques?</a:t>
+            </a:r>
+          </a:p>
+          <a:p>
+            <a:endParaRPr lang="en-US" dirty="0"/>
+          </a:p>
+          <a:p>
+            <a:r>
+              <a:rPr lang="en-US" dirty="0"/>
+              <a:t>What about maintenance costs?</a:t>
+            </a:r>
+          </a:p>
+          <a:p>
+            <a:endParaRPr lang="en-US" dirty="0"/>
+          </a:p>
+          <a:p>
+            <a:r>
+              <a:rPr lang="en-US" dirty="0"/>
+              <a:t>What is the business impact of errors?</a:t>
+            </a:r>
+          </a:p>
+          <a:p>
+            <a:endParaRPr lang="en-US" dirty="0"/>
+          </a:p>
+          <a:p>
+            <a:r>
+              <a:rPr lang="en-US" dirty="0"/>
+              <a:t>Do we have enough reliable data to build models?</a:t>
+            </a:r>
+          </a:p>
+          <a:p>
+            <a:endParaRPr lang="en-US" dirty="0"/>
+          </a:p>
+          <a:p>
+            <a:endParaRPr lang="en-US" dirty="0"/>
+          </a:p>
+          <a:p>
+            <a:pPr lvl="2">
+              <a:buFontTx/>
+              <a:buChar char="-"/>
             </a:pPr>
             <a:endParaRPr lang="en-US" dirty="0"/>
           </a:p>
           <a:p>
-            <a:pPr marL="914400" lvl="2" indent="0">
+            <a:pPr marL="457200" lvl="1" indent="0">
               <a:buNone/>
             </a:pPr>
             <a:endParaRPr lang="en-US" dirty="0"/>
@@ -7615,175 +11245,7 @@
                 <a:latin typeface="Arial" panose="020B0604020202020204" pitchFamily="34" charset="0"/>
                 <a:cs typeface="Arial" panose="020B0604020202020204" pitchFamily="34" charset="0"/>
               </a:rPr>
-              <a:t>Possible project outcomes</a:t>
-            </a:r>
-          </a:p>
-        </p:txBody>
-      </p:sp>
-      <p:graphicFrame>
-        <p:nvGraphicFramePr>
-          <p:cNvPr id="5" name="Diagram 4">
-            <a:extLst>
-              <a:ext uri="{FF2B5EF4-FFF2-40B4-BE49-F238E27FC236}">
-                <a16:creationId xmlns:a16="http://schemas.microsoft.com/office/drawing/2014/main" id="{3B82E116-EAFC-DE24-7E91-EA36B6204194}"/>
-              </a:ext>
-            </a:extLst>
-          </p:cNvPr>
-          <p:cNvGraphicFramePr/>
-          <p:nvPr>
-            <p:extLst>
-              <p:ext uri="{D42A27DB-BD31-4B8C-83A1-F6EECF244321}">
-                <p14:modId xmlns:p14="http://schemas.microsoft.com/office/powerpoint/2010/main" val="2303155411"/>
-              </p:ext>
-            </p:extLst>
-          </p:nvPr>
-        </p:nvGraphicFramePr>
-        <p:xfrm>
-          <a:off x="1426074" y="1671638"/>
-          <a:ext cx="7162800" cy="5186362"/>
-        </p:xfrm>
-        <a:graphic>
-          <a:graphicData uri="http://schemas.openxmlformats.org/drawingml/2006/diagram">
-            <dgm:relIds xmlns:dgm="http://schemas.openxmlformats.org/drawingml/2006/diagram" xmlns:r="http://schemas.openxmlformats.org/officeDocument/2006/relationships" r:dm="rId2" r:lo="rId3" r:qs="rId4" r:cs="rId5"/>
-          </a:graphicData>
-        </a:graphic>
-      </p:graphicFrame>
-      <p:sp>
-        <p:nvSpPr>
-          <p:cNvPr id="7" name="TextBox 6">
-            <a:extLst>
-              <a:ext uri="{FF2B5EF4-FFF2-40B4-BE49-F238E27FC236}">
-                <a16:creationId xmlns:a16="http://schemas.microsoft.com/office/drawing/2014/main" id="{25EC96BD-29D7-384C-3FCE-FFE88A808C62}"/>
-              </a:ext>
-            </a:extLst>
-          </p:cNvPr>
-          <p:cNvSpPr txBox="1"/>
-          <p:nvPr/>
-        </p:nvSpPr>
-        <p:spPr>
-          <a:xfrm>
-            <a:off x="893135" y="2689156"/>
-            <a:ext cx="1416542" cy="369332"/>
-          </a:xfrm>
-          <a:prstGeom prst="rect">
-            <a:avLst/>
-          </a:prstGeom>
-          <a:noFill/>
-        </p:spPr>
-        <p:txBody>
-          <a:bodyPr wrap="none" rtlCol="0">
-            <a:spAutoFit/>
-          </a:bodyPr>
-          <a:lstStyle/>
-          <a:p>
-            <a:r>
-              <a:rPr lang="en-US" dirty="0"/>
-              <a:t>Good Results</a:t>
-            </a:r>
-          </a:p>
-        </p:txBody>
-      </p:sp>
-      <p:sp>
-        <p:nvSpPr>
-          <p:cNvPr id="9" name="TextBox 8">
-            <a:extLst>
-              <a:ext uri="{FF2B5EF4-FFF2-40B4-BE49-F238E27FC236}">
-                <a16:creationId xmlns:a16="http://schemas.microsoft.com/office/drawing/2014/main" id="{0B141E31-228C-35A3-50C3-21688047619C}"/>
-              </a:ext>
-            </a:extLst>
-          </p:cNvPr>
-          <p:cNvSpPr txBox="1"/>
-          <p:nvPr/>
-        </p:nvSpPr>
-        <p:spPr>
-          <a:xfrm>
-            <a:off x="893135" y="5186362"/>
-            <a:ext cx="1262653" cy="369332"/>
-          </a:xfrm>
-          <a:prstGeom prst="rect">
-            <a:avLst/>
-          </a:prstGeom>
-          <a:noFill/>
-        </p:spPr>
-        <p:txBody>
-          <a:bodyPr wrap="none" rtlCol="0">
-            <a:spAutoFit/>
-          </a:bodyPr>
-          <a:lstStyle/>
-          <a:p>
-            <a:r>
-              <a:rPr lang="en-US" dirty="0"/>
-              <a:t>Bad Results</a:t>
-            </a:r>
-          </a:p>
-        </p:txBody>
-      </p:sp>
-      <p:sp>
-        <p:nvSpPr>
-          <p:cNvPr id="10" name="TextBox 9">
-            <a:extLst>
-              <a:ext uri="{FF2B5EF4-FFF2-40B4-BE49-F238E27FC236}">
-                <a16:creationId xmlns:a16="http://schemas.microsoft.com/office/drawing/2014/main" id="{88ECD38E-6FC9-CF66-5727-9D256B3EBD6E}"/>
-              </a:ext>
-            </a:extLst>
-          </p:cNvPr>
-          <p:cNvSpPr txBox="1"/>
-          <p:nvPr/>
-        </p:nvSpPr>
-        <p:spPr>
-          <a:xfrm>
-            <a:off x="2714846" y="1435691"/>
-            <a:ext cx="2035685" cy="369332"/>
-          </a:xfrm>
-          <a:prstGeom prst="rect">
-            <a:avLst/>
-          </a:prstGeom>
-          <a:noFill/>
-        </p:spPr>
-        <p:txBody>
-          <a:bodyPr wrap="none" rtlCol="0">
-            <a:spAutoFit/>
-          </a:bodyPr>
-          <a:lstStyle/>
-          <a:p>
-            <a:r>
-              <a:rPr lang="en-US" dirty="0"/>
-              <a:t>Continue improving</a:t>
-            </a:r>
-          </a:p>
-        </p:txBody>
-      </p:sp>
-      <p:sp>
-        <p:nvSpPr>
-          <p:cNvPr id="11" name="TextBox 10">
-            <a:extLst>
-              <a:ext uri="{FF2B5EF4-FFF2-40B4-BE49-F238E27FC236}">
-                <a16:creationId xmlns:a16="http://schemas.microsoft.com/office/drawing/2014/main" id="{3B54B961-E6A3-E448-9D66-089400E24796}"/>
-              </a:ext>
-            </a:extLst>
-          </p:cNvPr>
-          <p:cNvSpPr txBox="1"/>
-          <p:nvPr/>
-        </p:nvSpPr>
-        <p:spPr>
-          <a:xfrm>
-            <a:off x="5514646" y="1435691"/>
-            <a:ext cx="1605952" cy="369332"/>
-          </a:xfrm>
-          <a:prstGeom prst="rect">
-            <a:avLst/>
-          </a:prstGeom>
-          <a:noFill/>
-        </p:spPr>
-        <p:txBody>
-          <a:bodyPr wrap="none" rtlCol="0">
-            <a:spAutoFit/>
-          </a:bodyPr>
-          <a:lstStyle/>
-          <a:p>
-            <a:r>
-              <a:rPr lang="en-US" dirty="0"/>
-              <a:t>Stop improving</a:t>
+              <a:t>A clear use case for AI</a:t>
             </a:r>
           </a:p>
         </p:txBody>
@@ -7791,7 +11253,7 @@
     </p:spTree>
     <p:extLst>
       <p:ext uri="{BB962C8B-B14F-4D97-AF65-F5344CB8AC3E}">
-        <p14:creationId xmlns:p14="http://schemas.microsoft.com/office/powerpoint/2010/main" val="3806114923"/>
+        <p14:creationId xmlns:p14="http://schemas.microsoft.com/office/powerpoint/2010/main" val="2053020449"/>
       </p:ext>
     </p:extLst>
   </p:cSld>
@@ -7859,8 +11321,8 @@
         </p:nvSpPr>
         <p:spPr>
           <a:xfrm>
-            <a:off x="1307805" y="1827212"/>
-            <a:ext cx="7378995" cy="4756150"/>
+            <a:off x="292608" y="1508919"/>
+            <a:ext cx="8394192" cy="4756150"/>
           </a:xfrm>
         </p:spPr>
         <p:txBody>
@@ -7871,7 +11333,7 @@
           <a:p>
             <a:r>
               <a:rPr lang="en-US" dirty="0"/>
-              <a:t>Monitor the profiles of data inputs.</a:t>
+              <a:t>Does the data contain ‘features’ that can be used to predict?</a:t>
             </a:r>
           </a:p>
           <a:p>
@@ -7880,7 +11342,7 @@
           <a:p>
             <a:r>
               <a:rPr lang="en-US" dirty="0"/>
-              <a:t>Monitoring model predictions.</a:t>
+              <a:t>How much will the data change over time?</a:t>
             </a:r>
           </a:p>
           <a:p>
@@ -7889,7 +11351,22 @@
           <a:p>
             <a:r>
               <a:rPr lang="en-US" dirty="0"/>
-              <a:t>Model versioning.</a:t>
+              <a:t>What are the thresholds for </a:t>
+            </a:r>
+            <a:r>
+              <a:rPr lang="en-US" b="1" dirty="0">
+                <a:solidFill>
+                  <a:schemeClr val="tx2">
+                    <a:lumMod val="60000"/>
+                    <a:lumOff val="40000"/>
+                  </a:schemeClr>
+                </a:solidFill>
+              </a:rPr>
+              <a:t>model drift</a:t>
+            </a:r>
+            <a:r>
+              <a:rPr lang="en-US" dirty="0"/>
+              <a:t>?</a:t>
             </a:r>
           </a:p>
           <a:p>
@@ -7959,7 +11436,7 @@
                 <a:latin typeface="Arial" panose="020B0604020202020204" pitchFamily="34" charset="0"/>
                 <a:cs typeface="Arial" panose="020B0604020202020204" pitchFamily="34" charset="0"/>
               </a:rPr>
-              <a:t>Model monitoring</a:t>
+              <a:t>Predictive power</a:t>
             </a:r>
           </a:p>
         </p:txBody>
@@ -7967,7 +11444,7 @@
     </p:spTree>
     <p:extLst>
       <p:ext uri="{BB962C8B-B14F-4D97-AF65-F5344CB8AC3E}">
-        <p14:creationId xmlns:p14="http://schemas.microsoft.com/office/powerpoint/2010/main" val="3057135547"/>
+        <p14:creationId xmlns:p14="http://schemas.microsoft.com/office/powerpoint/2010/main" val="1697875032"/>
       </p:ext>
     </p:extLst>
   </p:cSld>
@@ -8035,8 +11512,8 @@
         </p:nvSpPr>
         <p:spPr>
           <a:xfrm>
-            <a:off x="1169581" y="1782762"/>
-            <a:ext cx="7517219" cy="4756150"/>
+            <a:off x="882502" y="1965325"/>
+            <a:ext cx="7804298" cy="4116498"/>
           </a:xfrm>
         </p:spPr>
         <p:txBody>
@@ -8047,7 +11524,7 @@
           <a:p>
             <a:r>
               <a:rPr lang="en-US" dirty="0"/>
-              <a:t>Feature Store.</a:t>
+              <a:t>Classification, Regression, etc.</a:t>
             </a:r>
           </a:p>
           <a:p>
@@ -8056,7 +11533,7 @@
           <a:p>
             <a:r>
               <a:rPr lang="en-US" dirty="0"/>
-              <a:t>Continuous improvement.</a:t>
+              <a:t>Proxy labels vs. Real labels.</a:t>
             </a:r>
           </a:p>
           <a:p>
@@ -8065,23 +11542,8 @@
           <a:p>
             <a:r>
               <a:rPr lang="en-US" dirty="0"/>
-              <a:t>A/B testing on models.</a:t>
-            </a:r>
-          </a:p>
-          <a:p>
-            <a:endParaRPr lang="en-US" dirty="0"/>
-          </a:p>
-          <a:p>
-            <a:r>
-              <a:rPr lang="en-US" dirty="0"/>
-              <a:t>Simulation engines</a:t>
-            </a:r>
-          </a:p>
-          <a:p>
-            <a:pPr marL="0" indent="0">
-              <a:buNone/>
-            </a:pPr>
-            <a:endParaRPr lang="en-US" dirty="0"/>
+              <a:t>What actions does the system take based on the results?</a:t>
+            </a:r>
           </a:p>
           <a:p>
             <a:endParaRPr lang="en-US" dirty="0"/>
@@ -8141,7 +11603,7 @@
                 <a:latin typeface="Arial" panose="020B0604020202020204" pitchFamily="34" charset="0"/>
                 <a:cs typeface="Arial" panose="020B0604020202020204" pitchFamily="34" charset="0"/>
               </a:rPr>
-              <a:t>AI development culture</a:t>
+              <a:t>Model output and actions</a:t>
             </a:r>
           </a:p>
         </p:txBody>
@@ -8149,7 +11611,7 @@
     </p:spTree>
     <p:extLst>
       <p:ext uri="{BB962C8B-B14F-4D97-AF65-F5344CB8AC3E}">
-        <p14:creationId xmlns:p14="http://schemas.microsoft.com/office/powerpoint/2010/main" val="2820615068"/>
+        <p14:creationId xmlns:p14="http://schemas.microsoft.com/office/powerpoint/2010/main" val="1171048804"/>
       </p:ext>
     </p:extLst>
   </p:cSld>
